--- a/100_yolo/architecture/rt_x_det.pptx
+++ b/100_yolo/architecture/rt_x_det.pptx
@@ -3945,9 +3945,9 @@
           </p:nvPr>
         </p:nvCxnSpPr>
         <p:spPr>
-          <a:xfrm flipH="1">
-            <a:off x="9993630" y="4742815"/>
-            <a:ext cx="6350" cy="168275"/>
+          <a:xfrm>
+            <a:off x="9989185" y="4754880"/>
+            <a:ext cx="4445" cy="156210"/>
           </a:xfrm>
           <a:prstGeom prst="straightConnector1">
             <a:avLst/>
@@ -5266,7 +5266,7 @@
         </p:nvSpPr>
         <p:spPr>
           <a:xfrm>
-            <a:off x="4260850" y="4770755"/>
+            <a:off x="4384040" y="4744085"/>
             <a:ext cx="494665" cy="285750"/>
           </a:xfrm>
           <a:prstGeom prst="roundRect">
@@ -5319,7 +5319,7 @@
         </p:nvSpPr>
         <p:spPr>
           <a:xfrm>
-            <a:off x="1133475" y="4770755"/>
+            <a:off x="1256665" y="4744085"/>
             <a:ext cx="494665" cy="285750"/>
           </a:xfrm>
           <a:prstGeom prst="roundRect">
@@ -5372,7 +5372,7 @@
         </p:nvSpPr>
         <p:spPr>
           <a:xfrm>
-            <a:off x="1813560" y="4770755"/>
+            <a:off x="1936750" y="4744085"/>
             <a:ext cx="494030" cy="285750"/>
           </a:xfrm>
           <a:prstGeom prst="roundRect">
@@ -5422,7 +5422,7 @@
         </p:nvSpPr>
         <p:spPr>
           <a:xfrm>
-            <a:off x="2385695" y="5102225"/>
+            <a:off x="2508885" y="5075555"/>
             <a:ext cx="494030" cy="285750"/>
           </a:xfrm>
           <a:prstGeom prst="roundRect">
@@ -5472,7 +5472,7 @@
         </p:nvSpPr>
         <p:spPr>
           <a:xfrm>
-            <a:off x="2925445" y="5395595"/>
+            <a:off x="3048635" y="5368925"/>
             <a:ext cx="494030" cy="285750"/>
           </a:xfrm>
           <a:prstGeom prst="roundRect">
@@ -5522,7 +5522,7 @@
         </p:nvSpPr>
         <p:spPr>
           <a:xfrm>
-            <a:off x="3439795" y="4777105"/>
+            <a:off x="3562985" y="4750435"/>
             <a:ext cx="495935" cy="269875"/>
           </a:xfrm>
           <a:prstGeom prst="ellipse">
@@ -5627,7 +5627,7 @@
         </p:nvCxnSpPr>
         <p:spPr>
           <a:xfrm>
-            <a:off x="2059305" y="5050790"/>
+            <a:off x="2182495" y="5024120"/>
             <a:ext cx="1270" cy="203835"/>
           </a:xfrm>
           <a:prstGeom prst="straightConnector1">
@@ -5664,7 +5664,7 @@
         </p:nvCxnSpPr>
         <p:spPr>
           <a:xfrm>
-            <a:off x="2307590" y="4902200"/>
+            <a:off x="2430780" y="4875530"/>
             <a:ext cx="1132205" cy="10160"/>
           </a:xfrm>
           <a:prstGeom prst="straightConnector1">
@@ -5701,7 +5701,7 @@
         </p:nvCxnSpPr>
         <p:spPr>
           <a:xfrm>
-            <a:off x="2060575" y="5249545"/>
+            <a:off x="2183765" y="5222875"/>
             <a:ext cx="325120" cy="0"/>
           </a:xfrm>
           <a:prstGeom prst="straightConnector1">
@@ -5738,7 +5738,7 @@
         </p:nvCxnSpPr>
         <p:spPr>
           <a:xfrm flipH="1">
-            <a:off x="2633345" y="5395595"/>
+            <a:off x="2756535" y="5368925"/>
             <a:ext cx="3175" cy="149225"/>
           </a:xfrm>
           <a:prstGeom prst="straightConnector1">
@@ -5775,7 +5775,7 @@
         </p:nvCxnSpPr>
         <p:spPr>
           <a:xfrm>
-            <a:off x="2630170" y="5547995"/>
+            <a:off x="2753360" y="5521325"/>
             <a:ext cx="295275" cy="1905"/>
           </a:xfrm>
           <a:prstGeom prst="straightConnector1">
@@ -5812,7 +5812,7 @@
         </p:nvCxnSpPr>
         <p:spPr>
           <a:xfrm>
-            <a:off x="1684655" y="4630420"/>
+            <a:off x="1807845" y="4603750"/>
             <a:ext cx="1996440" cy="1905"/>
           </a:xfrm>
           <a:prstGeom prst="straightConnector1">
@@ -5849,7 +5849,7 @@
         </p:nvCxnSpPr>
         <p:spPr>
           <a:xfrm flipH="1" flipV="1">
-            <a:off x="3670300" y="5039360"/>
+            <a:off x="3793490" y="5012690"/>
             <a:ext cx="5080" cy="511810"/>
           </a:xfrm>
           <a:prstGeom prst="straightConnector1">
@@ -5886,7 +5886,7 @@
         </p:nvCxnSpPr>
         <p:spPr>
           <a:xfrm flipV="1">
-            <a:off x="2879725" y="5249545"/>
+            <a:off x="3002915" y="5222875"/>
             <a:ext cx="429895" cy="5080"/>
           </a:xfrm>
           <a:prstGeom prst="straightConnector1">
@@ -5923,7 +5923,7 @@
         </p:nvCxnSpPr>
         <p:spPr>
           <a:xfrm>
-            <a:off x="3678555" y="4627245"/>
+            <a:off x="3801745" y="4600575"/>
             <a:ext cx="2540" cy="149860"/>
           </a:xfrm>
           <a:prstGeom prst="straightConnector1">
@@ -5960,7 +5960,7 @@
         </p:nvCxnSpPr>
         <p:spPr>
           <a:xfrm>
-            <a:off x="3439795" y="5540375"/>
+            <a:off x="3562985" y="5513705"/>
             <a:ext cx="234950" cy="6985"/>
           </a:xfrm>
           <a:prstGeom prst="straightConnector1">
@@ -5997,7 +5997,7 @@
         </p:nvCxnSpPr>
         <p:spPr>
           <a:xfrm>
-            <a:off x="3935730" y="4912360"/>
+            <a:off x="4058920" y="4885690"/>
             <a:ext cx="325120" cy="0"/>
           </a:xfrm>
           <a:prstGeom prst="straightConnector1">
@@ -6252,7 +6252,7 @@
         </p:nvCxnSpPr>
         <p:spPr>
           <a:xfrm flipV="1">
-            <a:off x="1680845" y="4618355"/>
+            <a:off x="1804035" y="4591685"/>
             <a:ext cx="2540" cy="283845"/>
           </a:xfrm>
           <a:prstGeom prst="straightConnector1">
@@ -6324,7 +6324,7 @@
         </p:nvCxnSpPr>
         <p:spPr>
           <a:xfrm flipV="1">
-            <a:off x="3289300" y="5007610"/>
+            <a:off x="3412490" y="4980940"/>
             <a:ext cx="222885" cy="241935"/>
           </a:xfrm>
           <a:prstGeom prst="straightConnector1">
@@ -6361,7 +6361,7 @@
         </p:nvCxnSpPr>
         <p:spPr>
           <a:xfrm flipV="1">
-            <a:off x="1628140" y="4906010"/>
+            <a:off x="1751330" y="4879340"/>
             <a:ext cx="185420" cy="6350"/>
           </a:xfrm>
           <a:prstGeom prst="straightConnector1">
@@ -6398,7 +6398,7 @@
         </p:nvSpPr>
         <p:spPr>
           <a:xfrm>
-            <a:off x="1608455" y="5899785"/>
+            <a:off x="2529840" y="5901690"/>
             <a:ext cx="494665" cy="285750"/>
           </a:xfrm>
           <a:prstGeom prst="roundRect">
@@ -6695,7 +6695,7 @@
             <a:pPr algn="ctr"/>
             <a:r>
               <a:rPr lang="en-US" altLang="zh-CN" sz="1000"/>
-              <a:t>n*SPPF</a:t>
+              <a:t>SPPF</a:t>
             </a:r>
             <a:endParaRPr lang="en-US" altLang="zh-CN" sz="1000"/>
           </a:p>
@@ -6749,9 +6749,9 @@
           </p:nvPr>
         </p:nvCxnSpPr>
         <p:spPr>
-          <a:xfrm flipV="1">
-            <a:off x="1415415" y="6039485"/>
-            <a:ext cx="193040" cy="2540"/>
+          <a:xfrm>
+            <a:off x="1410335" y="6040120"/>
+            <a:ext cx="1116330" cy="1905"/>
           </a:xfrm>
           <a:prstGeom prst="straightConnector1">
             <a:avLst/>
@@ -7017,9 +7017,9 @@
           </p:nvPr>
         </p:nvCxnSpPr>
         <p:spPr>
-          <a:xfrm>
-            <a:off x="2103120" y="6039485"/>
-            <a:ext cx="2042795" cy="8890"/>
+          <a:xfrm flipV="1">
+            <a:off x="3024505" y="6048375"/>
+            <a:ext cx="1121410" cy="1270"/>
           </a:xfrm>
           <a:prstGeom prst="straightConnector1">
             <a:avLst/>
@@ -7289,7 +7289,7 @@
         </p:nvSpPr>
         <p:spPr>
           <a:xfrm>
-            <a:off x="6449695" y="6085840"/>
+            <a:off x="6426835" y="5768340"/>
             <a:ext cx="494665" cy="285750"/>
           </a:xfrm>
           <a:prstGeom prst="roundRect">
@@ -7342,7 +7342,7 @@
         </p:nvSpPr>
         <p:spPr>
           <a:xfrm>
-            <a:off x="7129780" y="6089015"/>
+            <a:off x="7287260" y="6089015"/>
             <a:ext cx="494665" cy="285750"/>
           </a:xfrm>
           <a:prstGeom prst="roundRect">
@@ -7395,7 +7395,7 @@
         </p:nvSpPr>
         <p:spPr>
           <a:xfrm>
-            <a:off x="7809865" y="6089015"/>
+            <a:off x="7967345" y="6089015"/>
             <a:ext cx="564515" cy="285750"/>
           </a:xfrm>
           <a:prstGeom prst="roundRect">
@@ -7447,7 +7447,7 @@
         </p:nvSpPr>
         <p:spPr>
           <a:xfrm>
-            <a:off x="8539480" y="6089015"/>
+            <a:off x="8696960" y="6089015"/>
             <a:ext cx="564515" cy="285750"/>
           </a:xfrm>
           <a:prstGeom prst="roundRect">
@@ -7499,7 +7499,7 @@
         </p:nvSpPr>
         <p:spPr>
           <a:xfrm>
-            <a:off x="10036810" y="6069965"/>
+            <a:off x="10194290" y="6069965"/>
             <a:ext cx="564515" cy="285750"/>
           </a:xfrm>
           <a:prstGeom prst="roundRect">
@@ -7551,7 +7551,7 @@
         </p:nvSpPr>
         <p:spPr>
           <a:xfrm>
-            <a:off x="9289415" y="6069965"/>
+            <a:off x="9446895" y="6069965"/>
             <a:ext cx="564515" cy="285750"/>
           </a:xfrm>
           <a:prstGeom prst="roundRect">
@@ -7603,7 +7603,7 @@
         </p:nvSpPr>
         <p:spPr>
           <a:xfrm>
-            <a:off x="11468100" y="6054090"/>
+            <a:off x="11625580" y="6054090"/>
             <a:ext cx="494665" cy="285750"/>
           </a:xfrm>
           <a:prstGeom prst="roundRect">
@@ -7656,7 +7656,7 @@
         </p:nvSpPr>
         <p:spPr>
           <a:xfrm>
-            <a:off x="10786745" y="6069965"/>
+            <a:off x="10944225" y="6069965"/>
             <a:ext cx="495935" cy="269875"/>
           </a:xfrm>
           <a:prstGeom prst="ellipse">
@@ -7708,9 +7708,9 @@
           </p:nvPr>
         </p:nvCxnSpPr>
         <p:spPr>
-          <a:xfrm flipV="1">
-            <a:off x="6944360" y="6235065"/>
-            <a:ext cx="185420" cy="6350"/>
+          <a:xfrm>
+            <a:off x="6416675" y="6230620"/>
+            <a:ext cx="870585" cy="4445"/>
           </a:xfrm>
           <a:prstGeom prst="straightConnector1">
             <a:avLst/>
@@ -7745,9 +7745,9 @@
           </p:nvPr>
         </p:nvCxnSpPr>
         <p:spPr>
-          <a:xfrm>
-            <a:off x="7033895" y="5895340"/>
-            <a:ext cx="3982720" cy="1270"/>
+          <a:xfrm flipV="1">
+            <a:off x="6921500" y="5896610"/>
+            <a:ext cx="4252595" cy="635"/>
           </a:xfrm>
           <a:prstGeom prst="straightConnector1">
             <a:avLst/>
@@ -7783,7 +7783,7 @@
         </p:nvCxnSpPr>
         <p:spPr>
           <a:xfrm flipV="1">
-            <a:off x="11282680" y="6203315"/>
+            <a:off x="11440160" y="6203315"/>
             <a:ext cx="185420" cy="6350"/>
           </a:xfrm>
           <a:prstGeom prst="straightConnector1">
@@ -7820,7 +7820,7 @@
         </p:nvCxnSpPr>
         <p:spPr>
           <a:xfrm flipV="1">
-            <a:off x="10601325" y="6209665"/>
+            <a:off x="10758805" y="6209665"/>
             <a:ext cx="185420" cy="6350"/>
           </a:xfrm>
           <a:prstGeom prst="straightConnector1">
@@ -7857,7 +7857,7 @@
         </p:nvCxnSpPr>
         <p:spPr>
           <a:xfrm flipV="1">
-            <a:off x="9853930" y="6216015"/>
+            <a:off x="10011410" y="6216015"/>
             <a:ext cx="185420" cy="6350"/>
           </a:xfrm>
           <a:prstGeom prst="straightConnector1">
@@ -7894,7 +7894,7 @@
         </p:nvCxnSpPr>
         <p:spPr>
           <a:xfrm flipV="1">
-            <a:off x="9103995" y="6222365"/>
+            <a:off x="9261475" y="6222365"/>
             <a:ext cx="185420" cy="6350"/>
           </a:xfrm>
           <a:prstGeom prst="straightConnector1">
@@ -7931,7 +7931,7 @@
         </p:nvCxnSpPr>
         <p:spPr>
           <a:xfrm flipV="1">
-            <a:off x="8374380" y="6222365"/>
+            <a:off x="8531860" y="6222365"/>
             <a:ext cx="185420" cy="6350"/>
           </a:xfrm>
           <a:prstGeom prst="straightConnector1">
@@ -7968,7 +7968,7 @@
         </p:nvCxnSpPr>
         <p:spPr>
           <a:xfrm flipV="1">
-            <a:off x="7624445" y="6228715"/>
+            <a:off x="7781925" y="6228715"/>
             <a:ext cx="185420" cy="6350"/>
           </a:xfrm>
           <a:prstGeom prst="straightConnector1">
@@ -8005,7 +8005,7 @@
         </p:nvCxnSpPr>
         <p:spPr>
           <a:xfrm flipH="1" flipV="1">
-            <a:off x="9163685" y="5901690"/>
+            <a:off x="9321165" y="5901690"/>
             <a:ext cx="6985" cy="326390"/>
           </a:xfrm>
           <a:prstGeom prst="straightConnector1">
@@ -8042,8 +8042,8 @@
         </p:nvCxnSpPr>
         <p:spPr>
           <a:xfrm>
-            <a:off x="11014710" y="5901690"/>
-            <a:ext cx="10160" cy="184150"/>
+            <a:off x="11174095" y="5901690"/>
+            <a:ext cx="5080" cy="190500"/>
           </a:xfrm>
           <a:prstGeom prst="straightConnector1">
             <a:avLst/>
@@ -8079,7 +8079,7 @@
         </p:nvCxnSpPr>
         <p:spPr>
           <a:xfrm flipH="1" flipV="1">
-            <a:off x="9939655" y="5883275"/>
+            <a:off x="10097135" y="5883275"/>
             <a:ext cx="6985" cy="326390"/>
           </a:xfrm>
           <a:prstGeom prst="straightConnector1">
@@ -8116,7 +8116,7 @@
         </p:nvCxnSpPr>
         <p:spPr>
           <a:xfrm flipH="1" flipV="1">
-            <a:off x="8452485" y="5889625"/>
+            <a:off x="8609965" y="5889625"/>
             <a:ext cx="6985" cy="326390"/>
           </a:xfrm>
           <a:prstGeom prst="straightConnector1">
@@ -8153,7 +8153,7 @@
         </p:nvCxnSpPr>
         <p:spPr>
           <a:xfrm flipH="1" flipV="1">
-            <a:off x="7671435" y="5889625"/>
+            <a:off x="7828915" y="5889625"/>
             <a:ext cx="6985" cy="326390"/>
           </a:xfrm>
           <a:prstGeom prst="straightConnector1">
@@ -8178,50 +8178,13 @@
           </a:fontRef>
         </p:style>
       </p:cxnSp>
-      <p:cxnSp>
-        <p:nvCxnSpPr>
-          <p:cNvPr id="167" name="直接箭头连接符 166"/>
-          <p:cNvCxnSpPr/>
-          <p:nvPr>
-            <p:custDataLst>
-              <p:tags r:id="rId110"/>
-            </p:custDataLst>
-          </p:nvPr>
-        </p:nvCxnSpPr>
-        <p:spPr>
-          <a:xfrm flipH="1" flipV="1">
-            <a:off x="7019925" y="5895975"/>
-            <a:ext cx="6985" cy="326390"/>
-          </a:xfrm>
-          <a:prstGeom prst="straightConnector1">
-            <a:avLst/>
-          </a:prstGeom>
-          <a:ln w="19050">
-            <a:tailEnd type="arrow"/>
-          </a:ln>
-        </p:spPr>
-        <p:style>
-          <a:lnRef idx="2">
-            <a:schemeClr val="accent1"/>
-          </a:lnRef>
-          <a:fillRef idx="0">
-            <a:srgbClr val="FFFFFF"/>
-          </a:fillRef>
-          <a:effectRef idx="0">
-            <a:srgbClr val="FFFFFF"/>
-          </a:effectRef>
-          <a:fontRef idx="minor">
-            <a:schemeClr val="tx1"/>
-          </a:fontRef>
-        </p:style>
-      </p:cxnSp>
       <p:sp>
         <p:nvSpPr>
           <p:cNvPr id="170" name="圆角矩形 169"/>
           <p:cNvSpPr/>
           <p:nvPr>
             <p:custDataLst>
-              <p:tags r:id="rId111"/>
+              <p:tags r:id="rId110"/>
             </p:custDataLst>
           </p:nvPr>
         </p:nvSpPr>
@@ -8274,7 +8237,7 @@
           <p:cNvSpPr txBox="1"/>
           <p:nvPr>
             <p:custDataLst>
-              <p:tags r:id="rId112"/>
+              <p:tags r:id="rId111"/>
             </p:custDataLst>
           </p:nvPr>
         </p:nvSpPr>
@@ -8307,7 +8270,7 @@
           <p:cNvSpPr/>
           <p:nvPr>
             <p:custDataLst>
-              <p:tags r:id="rId113"/>
+              <p:tags r:id="rId112"/>
             </p:custDataLst>
           </p:nvPr>
         </p:nvSpPr>
@@ -8360,7 +8323,7 @@
           <p:cNvSpPr/>
           <p:nvPr>
             <p:custDataLst>
-              <p:tags r:id="rId114"/>
+              <p:tags r:id="rId113"/>
             </p:custDataLst>
           </p:nvPr>
         </p:nvSpPr>
@@ -8413,7 +8376,7 @@
           <p:cNvSpPr/>
           <p:nvPr>
             <p:custDataLst>
-              <p:tags r:id="rId115"/>
+              <p:tags r:id="rId114"/>
             </p:custDataLst>
           </p:nvPr>
         </p:nvSpPr>
@@ -8466,7 +8429,7 @@
           <p:cNvSpPr/>
           <p:nvPr>
             <p:custDataLst>
-              <p:tags r:id="rId116"/>
+              <p:tags r:id="rId115"/>
             </p:custDataLst>
           </p:nvPr>
         </p:nvSpPr>
@@ -8519,7 +8482,7 @@
           <p:cNvSpPr/>
           <p:nvPr>
             <p:custDataLst>
-              <p:tags r:id="rId117"/>
+              <p:tags r:id="rId116"/>
             </p:custDataLst>
           </p:nvPr>
         </p:nvSpPr>
@@ -8572,7 +8535,7 @@
           <p:cNvSpPr/>
           <p:nvPr>
             <p:custDataLst>
-              <p:tags r:id="rId118"/>
+              <p:tags r:id="rId117"/>
             </p:custDataLst>
           </p:nvPr>
         </p:nvSpPr>
@@ -8625,7 +8588,7 @@
           <p:cNvSpPr/>
           <p:nvPr>
             <p:custDataLst>
-              <p:tags r:id="rId119"/>
+              <p:tags r:id="rId118"/>
             </p:custDataLst>
           </p:nvPr>
         </p:nvSpPr>
@@ -8678,7 +8641,7 @@
           <p:cNvSpPr/>
           <p:nvPr>
             <p:custDataLst>
-              <p:tags r:id="rId120"/>
+              <p:tags r:id="rId119"/>
             </p:custDataLst>
           </p:nvPr>
         </p:nvSpPr>
@@ -8731,7 +8694,7 @@
           <p:cNvSpPr/>
           <p:nvPr>
             <p:custDataLst>
-              <p:tags r:id="rId121"/>
+              <p:tags r:id="rId120"/>
             </p:custDataLst>
           </p:nvPr>
         </p:nvSpPr>
@@ -8784,7 +8747,7 @@
           <p:cNvSpPr/>
           <p:nvPr>
             <p:custDataLst>
-              <p:tags r:id="rId122"/>
+              <p:tags r:id="rId121"/>
             </p:custDataLst>
           </p:nvPr>
         </p:nvSpPr>
@@ -8837,7 +8800,7 @@
           <p:cNvSpPr/>
           <p:nvPr>
             <p:custDataLst>
-              <p:tags r:id="rId123"/>
+              <p:tags r:id="rId122"/>
             </p:custDataLst>
           </p:nvPr>
         </p:nvSpPr>
@@ -8887,7 +8850,7 @@
           <p:cNvSpPr/>
           <p:nvPr>
             <p:custDataLst>
-              <p:tags r:id="rId124"/>
+              <p:tags r:id="rId123"/>
             </p:custDataLst>
           </p:nvPr>
         </p:nvSpPr>
@@ -8939,7 +8902,7 @@
           <p:cNvSpPr/>
           <p:nvPr>
             <p:custDataLst>
-              <p:tags r:id="rId125"/>
+              <p:tags r:id="rId124"/>
             </p:custDataLst>
           </p:nvPr>
         </p:nvSpPr>
@@ -8991,7 +8954,7 @@
           <p:cNvSpPr txBox="1"/>
           <p:nvPr>
             <p:custDataLst>
-              <p:tags r:id="rId126"/>
+              <p:tags r:id="rId125"/>
             </p:custDataLst>
           </p:nvPr>
         </p:nvSpPr>
@@ -9024,7 +8987,7 @@
           <p:cNvSpPr/>
           <p:nvPr>
             <p:custDataLst>
-              <p:tags r:id="rId127"/>
+              <p:tags r:id="rId126"/>
             </p:custDataLst>
           </p:nvPr>
         </p:nvSpPr>
@@ -9076,7 +9039,7 @@
           <p:cNvSpPr/>
           <p:nvPr>
             <p:custDataLst>
-              <p:tags r:id="rId128"/>
+              <p:tags r:id="rId127"/>
             </p:custDataLst>
           </p:nvPr>
         </p:nvSpPr>
@@ -9129,7 +9092,7 @@
           <p:cNvSpPr/>
           <p:nvPr>
             <p:custDataLst>
-              <p:tags r:id="rId129"/>
+              <p:tags r:id="rId128"/>
             </p:custDataLst>
           </p:nvPr>
         </p:nvSpPr>
@@ -9179,7 +9142,7 @@
           <p:cNvSpPr/>
           <p:nvPr>
             <p:custDataLst>
-              <p:tags r:id="rId130"/>
+              <p:tags r:id="rId129"/>
             </p:custDataLst>
           </p:nvPr>
         </p:nvSpPr>
@@ -9232,7 +9195,7 @@
           <p:cNvSpPr/>
           <p:nvPr>
             <p:custDataLst>
-              <p:tags r:id="rId131"/>
+              <p:tags r:id="rId130"/>
             </p:custDataLst>
           </p:nvPr>
         </p:nvSpPr>
@@ -9282,7 +9245,7 @@
           <p:cNvSpPr/>
           <p:nvPr>
             <p:custDataLst>
-              <p:tags r:id="rId132"/>
+              <p:tags r:id="rId131"/>
             </p:custDataLst>
           </p:nvPr>
         </p:nvSpPr>
@@ -9364,7 +9327,7 @@
           <p:cNvSpPr txBox="1"/>
           <p:nvPr>
             <p:custDataLst>
-              <p:tags r:id="rId133"/>
+              <p:tags r:id="rId132"/>
             </p:custDataLst>
           </p:nvPr>
         </p:nvSpPr>
@@ -9397,7 +9360,7 @@
           <p:cNvCxnSpPr/>
           <p:nvPr>
             <p:custDataLst>
-              <p:tags r:id="rId134"/>
+              <p:tags r:id="rId133"/>
             </p:custDataLst>
           </p:nvPr>
         </p:nvCxnSpPr>
@@ -9434,7 +9397,7 @@
           <p:cNvCxnSpPr/>
           <p:nvPr>
             <p:custDataLst>
-              <p:tags r:id="rId135"/>
+              <p:tags r:id="rId134"/>
             </p:custDataLst>
           </p:nvPr>
         </p:nvCxnSpPr>
@@ -9471,7 +9434,7 @@
           <p:cNvSpPr txBox="1"/>
           <p:nvPr>
             <p:custDataLst>
-              <p:tags r:id="rId136"/>
+              <p:tags r:id="rId135"/>
             </p:custDataLst>
           </p:nvPr>
         </p:nvSpPr>
@@ -9504,7 +9467,7 @@
           <p:cNvSpPr txBox="1"/>
           <p:nvPr>
             <p:custDataLst>
-              <p:tags r:id="rId137"/>
+              <p:tags r:id="rId136"/>
             </p:custDataLst>
           </p:nvPr>
         </p:nvSpPr>
@@ -9537,7 +9500,7 @@
           <p:cNvSpPr txBox="1"/>
           <p:nvPr>
             <p:custDataLst>
-              <p:tags r:id="rId138"/>
+              <p:tags r:id="rId137"/>
             </p:custDataLst>
           </p:nvPr>
         </p:nvSpPr>
@@ -9570,7 +9533,7 @@
           <p:cNvCxnSpPr/>
           <p:nvPr>
             <p:custDataLst>
-              <p:tags r:id="rId139"/>
+              <p:tags r:id="rId138"/>
             </p:custDataLst>
           </p:nvPr>
         </p:nvCxnSpPr>
@@ -9607,7 +9570,7 @@
           <p:cNvSpPr/>
           <p:nvPr>
             <p:custDataLst>
-              <p:tags r:id="rId140"/>
+              <p:tags r:id="rId139"/>
             </p:custDataLst>
           </p:nvPr>
         </p:nvSpPr>
@@ -9657,7 +9620,7 @@
           <p:cNvCxnSpPr/>
           <p:nvPr>
             <p:custDataLst>
-              <p:tags r:id="rId141"/>
+              <p:tags r:id="rId140"/>
             </p:custDataLst>
           </p:nvPr>
         </p:nvCxnSpPr>
@@ -9694,7 +9657,7 @@
           <p:cNvSpPr/>
           <p:nvPr>
             <p:custDataLst>
-              <p:tags r:id="rId142"/>
+              <p:tags r:id="rId141"/>
             </p:custDataLst>
           </p:nvPr>
         </p:nvSpPr>
@@ -9747,7 +9710,7 @@
           <p:cNvSpPr/>
           <p:nvPr>
             <p:custDataLst>
-              <p:tags r:id="rId143"/>
+              <p:tags r:id="rId142"/>
             </p:custDataLst>
           </p:nvPr>
         </p:nvSpPr>
@@ -9800,7 +9763,7 @@
           <p:cNvSpPr/>
           <p:nvPr>
             <p:custDataLst>
-              <p:tags r:id="rId144"/>
+              <p:tags r:id="rId143"/>
             </p:custDataLst>
           </p:nvPr>
         </p:nvSpPr>
@@ -9853,7 +9816,7 @@
           <p:cNvSpPr txBox="1"/>
           <p:nvPr>
             <p:custDataLst>
-              <p:tags r:id="rId145"/>
+              <p:tags r:id="rId144"/>
             </p:custDataLst>
           </p:nvPr>
         </p:nvSpPr>
@@ -9886,7 +9849,7 @@
           <p:cNvSpPr txBox="1"/>
           <p:nvPr>
             <p:custDataLst>
-              <p:tags r:id="rId146"/>
+              <p:tags r:id="rId145"/>
             </p:custDataLst>
           </p:nvPr>
         </p:nvSpPr>
@@ -9919,7 +9882,7 @@
           <p:cNvSpPr txBox="1"/>
           <p:nvPr>
             <p:custDataLst>
-              <p:tags r:id="rId147"/>
+              <p:tags r:id="rId146"/>
             </p:custDataLst>
           </p:nvPr>
         </p:nvSpPr>
@@ -9952,7 +9915,7 @@
           <p:cNvSpPr txBox="1"/>
           <p:nvPr>
             <p:custDataLst>
-              <p:tags r:id="rId148"/>
+              <p:tags r:id="rId147"/>
             </p:custDataLst>
           </p:nvPr>
         </p:nvSpPr>
@@ -9985,7 +9948,7 @@
           <p:cNvSpPr txBox="1"/>
           <p:nvPr>
             <p:custDataLst>
-              <p:tags r:id="rId149"/>
+              <p:tags r:id="rId148"/>
             </p:custDataLst>
           </p:nvPr>
         </p:nvSpPr>
@@ -10018,7 +9981,7 @@
           <p:cNvSpPr txBox="1"/>
           <p:nvPr>
             <p:custDataLst>
-              <p:tags r:id="rId150"/>
+              <p:tags r:id="rId149"/>
             </p:custDataLst>
           </p:nvPr>
         </p:nvSpPr>
@@ -10053,7 +10016,7 @@
           </p:cNvCxnSpPr>
           <p:nvPr>
             <p:custDataLst>
-              <p:tags r:id="rId151"/>
+              <p:tags r:id="rId150"/>
             </p:custDataLst>
           </p:nvPr>
         </p:nvCxnSpPr>
@@ -10090,7 +10053,7 @@
           <p:cNvSpPr txBox="1"/>
           <p:nvPr>
             <p:custDataLst>
-              <p:tags r:id="rId152"/>
+              <p:tags r:id="rId151"/>
             </p:custDataLst>
           </p:nvPr>
         </p:nvSpPr>
@@ -10123,7 +10086,7 @@
           <p:cNvSpPr txBox="1"/>
           <p:nvPr>
             <p:custDataLst>
-              <p:tags r:id="rId153"/>
+              <p:tags r:id="rId152"/>
             </p:custDataLst>
           </p:nvPr>
         </p:nvSpPr>
@@ -10156,7 +10119,7 @@
           <p:cNvSpPr txBox="1"/>
           <p:nvPr>
             <p:custDataLst>
-              <p:tags r:id="rId154"/>
+              <p:tags r:id="rId153"/>
             </p:custDataLst>
           </p:nvPr>
         </p:nvSpPr>
@@ -10189,7 +10152,7 @@
           <p:cNvSpPr txBox="1"/>
           <p:nvPr>
             <p:custDataLst>
-              <p:tags r:id="rId155"/>
+              <p:tags r:id="rId154"/>
             </p:custDataLst>
           </p:nvPr>
         </p:nvSpPr>
@@ -10222,7 +10185,7 @@
           <p:cNvSpPr txBox="1"/>
           <p:nvPr>
             <p:custDataLst>
-              <p:tags r:id="rId156"/>
+              <p:tags r:id="rId155"/>
             </p:custDataLst>
           </p:nvPr>
         </p:nvSpPr>
@@ -10255,7 +10218,7 @@
           <p:cNvSpPr txBox="1"/>
           <p:nvPr>
             <p:custDataLst>
-              <p:tags r:id="rId157"/>
+              <p:tags r:id="rId156"/>
             </p:custDataLst>
           </p:nvPr>
         </p:nvSpPr>
@@ -10288,7 +10251,7 @@
           <p:cNvSpPr txBox="1"/>
           <p:nvPr>
             <p:custDataLst>
-              <p:tags r:id="rId158"/>
+              <p:tags r:id="rId157"/>
             </p:custDataLst>
           </p:nvPr>
         </p:nvSpPr>
@@ -10321,7 +10284,7 @@
           <p:cNvSpPr txBox="1"/>
           <p:nvPr>
             <p:custDataLst>
-              <p:tags r:id="rId159"/>
+              <p:tags r:id="rId158"/>
             </p:custDataLst>
           </p:nvPr>
         </p:nvSpPr>
@@ -10354,7 +10317,7 @@
           <p:cNvSpPr txBox="1"/>
           <p:nvPr>
             <p:custDataLst>
-              <p:tags r:id="rId160"/>
+              <p:tags r:id="rId159"/>
             </p:custDataLst>
           </p:nvPr>
         </p:nvSpPr>
@@ -10387,7 +10350,7 @@
           <p:cNvCxnSpPr/>
           <p:nvPr>
             <p:custDataLst>
-              <p:tags r:id="rId161"/>
+              <p:tags r:id="rId160"/>
             </p:custDataLst>
           </p:nvPr>
         </p:nvCxnSpPr>
@@ -10424,7 +10387,7 @@
           <p:cNvCxnSpPr/>
           <p:nvPr>
             <p:custDataLst>
-              <p:tags r:id="rId162"/>
+              <p:tags r:id="rId161"/>
             </p:custDataLst>
           </p:nvPr>
         </p:nvCxnSpPr>
@@ -10461,7 +10424,7 @@
           <p:cNvCxnSpPr/>
           <p:nvPr>
             <p:custDataLst>
-              <p:tags r:id="rId163"/>
+              <p:tags r:id="rId162"/>
             </p:custDataLst>
           </p:nvPr>
         </p:nvCxnSpPr>
@@ -10498,7 +10461,7 @@
           <p:cNvCxnSpPr/>
           <p:nvPr>
             <p:custDataLst>
-              <p:tags r:id="rId164"/>
+              <p:tags r:id="rId163"/>
             </p:custDataLst>
           </p:nvPr>
         </p:nvCxnSpPr>
@@ -10535,7 +10498,7 @@
           <p:cNvCxnSpPr/>
           <p:nvPr>
             <p:custDataLst>
-              <p:tags r:id="rId165"/>
+              <p:tags r:id="rId164"/>
             </p:custDataLst>
           </p:nvPr>
         </p:nvCxnSpPr>
@@ -10572,7 +10535,7 @@
           <p:cNvCxnSpPr/>
           <p:nvPr>
             <p:custDataLst>
-              <p:tags r:id="rId166"/>
+              <p:tags r:id="rId165"/>
             </p:custDataLst>
           </p:nvPr>
         </p:nvCxnSpPr>
@@ -10609,7 +10572,7 @@
           <p:cNvCxnSpPr/>
           <p:nvPr>
             <p:custDataLst>
-              <p:tags r:id="rId167"/>
+              <p:tags r:id="rId166"/>
             </p:custDataLst>
           </p:nvPr>
         </p:nvCxnSpPr>
@@ -10646,7 +10609,7 @@
           <p:cNvCxnSpPr/>
           <p:nvPr>
             <p:custDataLst>
-              <p:tags r:id="rId168"/>
+              <p:tags r:id="rId167"/>
             </p:custDataLst>
           </p:nvPr>
         </p:nvCxnSpPr>
@@ -10683,7 +10646,7 @@
           <p:cNvCxnSpPr/>
           <p:nvPr>
             <p:custDataLst>
-              <p:tags r:id="rId169"/>
+              <p:tags r:id="rId168"/>
             </p:custDataLst>
           </p:nvPr>
         </p:nvCxnSpPr>
@@ -10720,7 +10683,7 @@
           <p:cNvCxnSpPr/>
           <p:nvPr>
             <p:custDataLst>
-              <p:tags r:id="rId170"/>
+              <p:tags r:id="rId169"/>
             </p:custDataLst>
           </p:nvPr>
         </p:nvCxnSpPr>
@@ -10757,7 +10720,7 @@
           <p:cNvCxnSpPr/>
           <p:nvPr>
             <p:custDataLst>
-              <p:tags r:id="rId171"/>
+              <p:tags r:id="rId170"/>
             </p:custDataLst>
           </p:nvPr>
         </p:nvCxnSpPr>
@@ -10794,7 +10757,7 @@
           <p:cNvCxnSpPr/>
           <p:nvPr>
             <p:custDataLst>
-              <p:tags r:id="rId172"/>
+              <p:tags r:id="rId171"/>
             </p:custDataLst>
           </p:nvPr>
         </p:nvCxnSpPr>
@@ -10831,7 +10794,7 @@
           <p:cNvCxnSpPr/>
           <p:nvPr>
             <p:custDataLst>
-              <p:tags r:id="rId173"/>
+              <p:tags r:id="rId172"/>
             </p:custDataLst>
           </p:nvPr>
         </p:nvCxnSpPr>
@@ -10868,7 +10831,7 @@
           <p:cNvCxnSpPr/>
           <p:nvPr>
             <p:custDataLst>
-              <p:tags r:id="rId174"/>
+              <p:tags r:id="rId173"/>
             </p:custDataLst>
           </p:nvPr>
         </p:nvCxnSpPr>
@@ -10905,7 +10868,7 @@
           <p:cNvCxnSpPr/>
           <p:nvPr>
             <p:custDataLst>
-              <p:tags r:id="rId175"/>
+              <p:tags r:id="rId174"/>
             </p:custDataLst>
           </p:nvPr>
         </p:nvCxnSpPr>
@@ -10942,7 +10905,7 @@
           <p:cNvCxnSpPr/>
           <p:nvPr>
             <p:custDataLst>
-              <p:tags r:id="rId176"/>
+              <p:tags r:id="rId175"/>
             </p:custDataLst>
           </p:nvPr>
         </p:nvCxnSpPr>
@@ -10979,7 +10942,7 @@
           <p:cNvCxnSpPr/>
           <p:nvPr>
             <p:custDataLst>
-              <p:tags r:id="rId177"/>
+              <p:tags r:id="rId176"/>
             </p:custDataLst>
           </p:nvPr>
         </p:nvCxnSpPr>
@@ -11016,7 +10979,7 @@
           <p:cNvCxnSpPr/>
           <p:nvPr>
             <p:custDataLst>
-              <p:tags r:id="rId178"/>
+              <p:tags r:id="rId177"/>
             </p:custDataLst>
           </p:nvPr>
         </p:nvCxnSpPr>
@@ -11053,7 +11016,7 @@
           <p:cNvSpPr/>
           <p:nvPr>
             <p:custDataLst>
-              <p:tags r:id="rId179"/>
+              <p:tags r:id="rId178"/>
             </p:custDataLst>
           </p:nvPr>
         </p:nvSpPr>
@@ -11108,7 +11071,7 @@
           </p:cNvCxnSpPr>
           <p:nvPr>
             <p:custDataLst>
-              <p:tags r:id="rId180"/>
+              <p:tags r:id="rId179"/>
             </p:custDataLst>
           </p:nvPr>
         </p:nvCxnSpPr>
@@ -11145,7 +11108,7 @@
           <p:cNvSpPr txBox="1"/>
           <p:nvPr>
             <p:custDataLst>
-              <p:tags r:id="rId181"/>
+              <p:tags r:id="rId180"/>
             </p:custDataLst>
           </p:nvPr>
         </p:nvSpPr>
@@ -11178,7 +11141,7 @@
           <p:cNvSpPr txBox="1"/>
           <p:nvPr>
             <p:custDataLst>
-              <p:tags r:id="rId182"/>
+              <p:tags r:id="rId181"/>
             </p:custDataLst>
           </p:nvPr>
         </p:nvSpPr>
@@ -11211,7 +11174,7 @@
           <p:cNvSpPr txBox="1"/>
           <p:nvPr>
             <p:custDataLst>
-              <p:tags r:id="rId183"/>
+              <p:tags r:id="rId182"/>
             </p:custDataLst>
           </p:nvPr>
         </p:nvSpPr>
@@ -11244,7 +11207,7 @@
           <p:cNvSpPr txBox="1"/>
           <p:nvPr>
             <p:custDataLst>
-              <p:tags r:id="rId184"/>
+              <p:tags r:id="rId183"/>
             </p:custDataLst>
           </p:nvPr>
         </p:nvSpPr>
@@ -11277,7 +11240,7 @@
           <p:cNvCxnSpPr/>
           <p:nvPr>
             <p:custDataLst>
-              <p:tags r:id="rId185"/>
+              <p:tags r:id="rId184"/>
             </p:custDataLst>
           </p:nvPr>
         </p:nvCxnSpPr>
@@ -11314,7 +11277,7 @@
           <p:cNvCxnSpPr/>
           <p:nvPr>
             <p:custDataLst>
-              <p:tags r:id="rId186"/>
+              <p:tags r:id="rId185"/>
             </p:custDataLst>
           </p:nvPr>
         </p:nvCxnSpPr>
@@ -11351,7 +11314,7 @@
           <p:cNvCxnSpPr/>
           <p:nvPr>
             <p:custDataLst>
-              <p:tags r:id="rId187"/>
+              <p:tags r:id="rId186"/>
             </p:custDataLst>
           </p:nvPr>
         </p:nvCxnSpPr>
@@ -11388,7 +11351,7 @@
           <p:cNvSpPr txBox="1"/>
           <p:nvPr>
             <p:custDataLst>
-              <p:tags r:id="rId188"/>
+              <p:tags r:id="rId187"/>
             </p:custDataLst>
           </p:nvPr>
         </p:nvSpPr>
@@ -11421,7 +11384,7 @@
           <p:cNvSpPr/>
           <p:nvPr>
             <p:custDataLst>
-              <p:tags r:id="rId189"/>
+              <p:tags r:id="rId188"/>
             </p:custDataLst>
           </p:nvPr>
         </p:nvSpPr>
@@ -11473,7 +11436,7 @@
           <p:cNvCxnSpPr/>
           <p:nvPr>
             <p:custDataLst>
-              <p:tags r:id="rId190"/>
+              <p:tags r:id="rId189"/>
             </p:custDataLst>
           </p:nvPr>
         </p:nvCxnSpPr>
@@ -11510,7 +11473,7 @@
           <p:cNvSpPr/>
           <p:nvPr>
             <p:custDataLst>
-              <p:tags r:id="rId191"/>
+              <p:tags r:id="rId190"/>
             </p:custDataLst>
           </p:nvPr>
         </p:nvSpPr>
@@ -11560,7 +11523,7 @@
           <p:cNvCxnSpPr/>
           <p:nvPr>
             <p:custDataLst>
-              <p:tags r:id="rId192"/>
+              <p:tags r:id="rId191"/>
             </p:custDataLst>
           </p:nvPr>
         </p:nvCxnSpPr>
@@ -11597,7 +11560,7 @@
           <p:cNvCxnSpPr/>
           <p:nvPr>
             <p:custDataLst>
-              <p:tags r:id="rId193"/>
+              <p:tags r:id="rId192"/>
             </p:custDataLst>
           </p:nvPr>
         </p:nvCxnSpPr>
@@ -11634,7 +11597,7 @@
           <p:cNvCxnSpPr/>
           <p:nvPr>
             <p:custDataLst>
-              <p:tags r:id="rId194"/>
+              <p:tags r:id="rId193"/>
             </p:custDataLst>
           </p:nvPr>
         </p:nvCxnSpPr>
@@ -11671,7 +11634,7 @@
           <p:cNvCxnSpPr/>
           <p:nvPr>
             <p:custDataLst>
-              <p:tags r:id="rId195"/>
+              <p:tags r:id="rId194"/>
             </p:custDataLst>
           </p:nvPr>
         </p:nvCxnSpPr>
@@ -11708,7 +11671,7 @@
           <p:cNvSpPr/>
           <p:nvPr>
             <p:custDataLst>
-              <p:tags r:id="rId196"/>
+              <p:tags r:id="rId195"/>
             </p:custDataLst>
           </p:nvPr>
         </p:nvSpPr>
@@ -11760,13 +11723,13 @@
           <p:cNvSpPr/>
           <p:nvPr>
             <p:custDataLst>
-              <p:tags r:id="rId197"/>
-            </p:custDataLst>
-          </p:nvPr>
-        </p:nvSpPr>
-        <p:spPr>
-          <a:xfrm>
-            <a:off x="8953500" y="687070"/>
+              <p:tags r:id="rId196"/>
+            </p:custDataLst>
+          </p:nvPr>
+        </p:nvSpPr>
+        <p:spPr>
+          <a:xfrm>
+            <a:off x="9317990" y="687070"/>
             <a:ext cx="658495" cy="285750"/>
           </a:xfrm>
           <a:prstGeom prst="roundRect">
@@ -11812,13 +11775,13 @@
           <p:cNvSpPr/>
           <p:nvPr>
             <p:custDataLst>
-              <p:tags r:id="rId198"/>
-            </p:custDataLst>
-          </p:nvPr>
-        </p:nvSpPr>
-        <p:spPr>
-          <a:xfrm>
-            <a:off x="9611995" y="687070"/>
+              <p:tags r:id="rId197"/>
+            </p:custDataLst>
+          </p:nvPr>
+        </p:nvSpPr>
+        <p:spPr>
+          <a:xfrm>
+            <a:off x="8832850" y="687070"/>
             <a:ext cx="488315" cy="285750"/>
           </a:xfrm>
           <a:prstGeom prst="roundRect">
@@ -11856,43 +11819,6 @@
           </a:p>
         </p:txBody>
       </p:sp>
-      <p:cxnSp>
-        <p:nvCxnSpPr>
-          <p:cNvPr id="275" name="直接箭头连接符 274"/>
-          <p:cNvCxnSpPr/>
-          <p:nvPr>
-            <p:custDataLst>
-              <p:tags r:id="rId199"/>
-            </p:custDataLst>
-          </p:nvPr>
-        </p:nvCxnSpPr>
-        <p:spPr>
-          <a:xfrm flipV="1">
-            <a:off x="8830945" y="822960"/>
-            <a:ext cx="136525" cy="4445"/>
-          </a:xfrm>
-          <a:prstGeom prst="straightConnector1">
-            <a:avLst/>
-          </a:prstGeom>
-          <a:ln w="19050">
-            <a:tailEnd type="arrow"/>
-          </a:ln>
-        </p:spPr>
-        <p:style>
-          <a:lnRef idx="2">
-            <a:schemeClr val="accent1"/>
-          </a:lnRef>
-          <a:fillRef idx="0">
-            <a:srgbClr val="FFFFFF"/>
-          </a:fillRef>
-          <a:effectRef idx="0">
-            <a:srgbClr val="FFFFFF"/>
-          </a:effectRef>
-          <a:fontRef idx="minor">
-            <a:schemeClr val="tx1"/>
-          </a:fontRef>
-        </p:style>
-      </p:cxnSp>
       <p:sp>
         <p:nvSpPr>
           <p:cNvPr id="276" name="五边形 275"/>
@@ -11901,7 +11827,7 @@
         </p:nvSpPr>
         <p:spPr>
           <a:xfrm>
-            <a:off x="10326370" y="266700"/>
+            <a:off x="10561320" y="270510"/>
             <a:ext cx="475615" cy="725805"/>
           </a:xfrm>
           <a:prstGeom prst="homePlate">
@@ -11940,7 +11866,7 @@
         </p:nvSpPr>
         <p:spPr>
           <a:xfrm>
-            <a:off x="11384915" y="1663065"/>
+            <a:off x="11401425" y="1693545"/>
             <a:ext cx="680720" cy="681355"/>
           </a:xfrm>
           <a:prstGeom prst="rect">
@@ -11985,14 +11911,14 @@
           <p:cNvCxnSpPr/>
           <p:nvPr>
             <p:custDataLst>
-              <p:tags r:id="rId200"/>
+              <p:tags r:id="rId198"/>
             </p:custDataLst>
           </p:nvPr>
         </p:nvCxnSpPr>
         <p:spPr>
           <a:xfrm flipV="1">
             <a:off x="9441815" y="393700"/>
-            <a:ext cx="864870" cy="5080"/>
+            <a:ext cx="1115060" cy="5080"/>
           </a:xfrm>
           <a:prstGeom prst="straightConnector1">
             <a:avLst/>
@@ -12016,50 +11942,13 @@
           </a:fontRef>
         </p:style>
       </p:cxnSp>
-      <p:cxnSp>
-        <p:nvCxnSpPr>
-          <p:cNvPr id="284" name="直接箭头连接符 283"/>
-          <p:cNvCxnSpPr/>
-          <p:nvPr>
-            <p:custDataLst>
-              <p:tags r:id="rId201"/>
-            </p:custDataLst>
-          </p:nvPr>
-        </p:nvCxnSpPr>
-        <p:spPr>
-          <a:xfrm flipV="1">
-            <a:off x="10081895" y="809625"/>
-            <a:ext cx="244475" cy="5715"/>
-          </a:xfrm>
-          <a:prstGeom prst="straightConnector1">
-            <a:avLst/>
-          </a:prstGeom>
-          <a:ln w="19050">
-            <a:tailEnd type="arrow"/>
-          </a:ln>
-        </p:spPr>
-        <p:style>
-          <a:lnRef idx="2">
-            <a:schemeClr val="accent1"/>
-          </a:lnRef>
-          <a:fillRef idx="0">
-            <a:srgbClr val="FFFFFF"/>
-          </a:fillRef>
-          <a:effectRef idx="0">
-            <a:srgbClr val="FFFFFF"/>
-          </a:effectRef>
-          <a:fontRef idx="minor">
-            <a:schemeClr val="tx1"/>
-          </a:fontRef>
-        </p:style>
-      </p:cxnSp>
       <p:sp>
         <p:nvSpPr>
           <p:cNvPr id="285" name="圆角矩形 284"/>
           <p:cNvSpPr/>
           <p:nvPr>
             <p:custDataLst>
-              <p:tags r:id="rId202"/>
+              <p:tags r:id="rId199"/>
             </p:custDataLst>
           </p:nvPr>
         </p:nvSpPr>
@@ -12111,7 +12000,7 @@
           <p:cNvCxnSpPr/>
           <p:nvPr>
             <p:custDataLst>
-              <p:tags r:id="rId203"/>
+              <p:tags r:id="rId200"/>
             </p:custDataLst>
           </p:nvPr>
         </p:nvCxnSpPr>
@@ -12148,7 +12037,7 @@
           <p:cNvSpPr/>
           <p:nvPr>
             <p:custDataLst>
-              <p:tags r:id="rId204"/>
+              <p:tags r:id="rId201"/>
             </p:custDataLst>
           </p:nvPr>
         </p:nvSpPr>
@@ -12198,7 +12087,7 @@
           <p:cNvCxnSpPr/>
           <p:nvPr>
             <p:custDataLst>
-              <p:tags r:id="rId205"/>
+              <p:tags r:id="rId202"/>
             </p:custDataLst>
           </p:nvPr>
         </p:nvCxnSpPr>
@@ -12235,7 +12124,7 @@
           <p:cNvCxnSpPr/>
           <p:nvPr>
             <p:custDataLst>
-              <p:tags r:id="rId206"/>
+              <p:tags r:id="rId203"/>
             </p:custDataLst>
           </p:nvPr>
         </p:nvCxnSpPr>
@@ -12243,43 +12132,6 @@
           <a:xfrm flipV="1">
             <a:off x="8776970" y="1784350"/>
             <a:ext cx="136525" cy="4445"/>
-          </a:xfrm>
-          <a:prstGeom prst="straightConnector1">
-            <a:avLst/>
-          </a:prstGeom>
-          <a:ln w="19050">
-            <a:tailEnd type="arrow"/>
-          </a:ln>
-        </p:spPr>
-        <p:style>
-          <a:lnRef idx="2">
-            <a:schemeClr val="accent1"/>
-          </a:lnRef>
-          <a:fillRef idx="0">
-            <a:srgbClr val="FFFFFF"/>
-          </a:fillRef>
-          <a:effectRef idx="0">
-            <a:srgbClr val="FFFFFF"/>
-          </a:effectRef>
-          <a:fontRef idx="minor">
-            <a:schemeClr val="tx1"/>
-          </a:fontRef>
-        </p:style>
-      </p:cxnSp>
-      <p:cxnSp>
-        <p:nvCxnSpPr>
-          <p:cNvPr id="291" name="直接箭头连接符 290"/>
-          <p:cNvCxnSpPr/>
-          <p:nvPr>
-            <p:custDataLst>
-              <p:tags r:id="rId207"/>
-            </p:custDataLst>
-          </p:nvPr>
-        </p:nvCxnSpPr>
-        <p:spPr>
-          <a:xfrm>
-            <a:off x="7976235" y="2211070"/>
-            <a:ext cx="241935" cy="635"/>
           </a:xfrm>
           <a:prstGeom prst="straightConnector1">
             <a:avLst/>
@@ -12309,7 +12161,7 @@
           <p:cNvCxnSpPr/>
           <p:nvPr>
             <p:custDataLst>
-              <p:tags r:id="rId208"/>
+              <p:tags r:id="rId204"/>
             </p:custDataLst>
           </p:nvPr>
         </p:nvCxnSpPr>
@@ -12346,13 +12198,13 @@
           <p:cNvSpPr/>
           <p:nvPr>
             <p:custDataLst>
-              <p:tags r:id="rId209"/>
-            </p:custDataLst>
-          </p:nvPr>
-        </p:nvSpPr>
-        <p:spPr>
-          <a:xfrm>
-            <a:off x="8218170" y="2089150"/>
+              <p:tags r:id="rId205"/>
+            </p:custDataLst>
+          </p:nvPr>
+        </p:nvSpPr>
+        <p:spPr>
+          <a:xfrm>
+            <a:off x="8274050" y="2085340"/>
             <a:ext cx="558800" cy="285750"/>
           </a:xfrm>
           <a:prstGeom prst="roundRect">
@@ -12398,13 +12250,13 @@
           <p:cNvSpPr/>
           <p:nvPr>
             <p:custDataLst>
-              <p:tags r:id="rId210"/>
-            </p:custDataLst>
-          </p:nvPr>
-        </p:nvSpPr>
-        <p:spPr>
-          <a:xfrm>
-            <a:off x="9566910" y="2075180"/>
+              <p:tags r:id="rId206"/>
+            </p:custDataLst>
+          </p:nvPr>
+        </p:nvSpPr>
+        <p:spPr>
+          <a:xfrm>
+            <a:off x="8829675" y="2085340"/>
             <a:ext cx="488315" cy="285750"/>
           </a:xfrm>
           <a:prstGeom prst="roundRect">
@@ -12442,56 +12294,19 @@
           </a:p>
         </p:txBody>
       </p:sp>
-      <p:cxnSp>
-        <p:nvCxnSpPr>
-          <p:cNvPr id="296" name="直接箭头连接符 295"/>
-          <p:cNvCxnSpPr/>
-          <p:nvPr>
-            <p:custDataLst>
-              <p:tags r:id="rId211"/>
-            </p:custDataLst>
-          </p:nvPr>
-        </p:nvCxnSpPr>
-        <p:spPr>
-          <a:xfrm flipV="1">
-            <a:off x="8776970" y="2225040"/>
-            <a:ext cx="136525" cy="4445"/>
-          </a:xfrm>
-          <a:prstGeom prst="straightConnector1">
-            <a:avLst/>
-          </a:prstGeom>
-          <a:ln w="19050">
-            <a:tailEnd type="arrow"/>
-          </a:ln>
-        </p:spPr>
-        <p:style>
-          <a:lnRef idx="2">
-            <a:schemeClr val="accent1"/>
-          </a:lnRef>
-          <a:fillRef idx="0">
-            <a:srgbClr val="FFFFFF"/>
-          </a:fillRef>
-          <a:effectRef idx="0">
-            <a:srgbClr val="FFFFFF"/>
-          </a:effectRef>
-          <a:fontRef idx="minor">
-            <a:schemeClr val="tx1"/>
-          </a:fontRef>
-        </p:style>
-      </p:cxnSp>
       <p:sp>
         <p:nvSpPr>
           <p:cNvPr id="297" name="五边形 296"/>
           <p:cNvSpPr/>
           <p:nvPr>
             <p:custDataLst>
-              <p:tags r:id="rId212"/>
-            </p:custDataLst>
-          </p:nvPr>
-        </p:nvSpPr>
-        <p:spPr>
-          <a:xfrm>
-            <a:off x="10326370" y="1645285"/>
+              <p:tags r:id="rId207"/>
+            </p:custDataLst>
+          </p:nvPr>
+        </p:nvSpPr>
+        <p:spPr>
+          <a:xfrm>
+            <a:off x="10561320" y="1649095"/>
             <a:ext cx="475615" cy="725805"/>
           </a:xfrm>
           <a:prstGeom prst="homePlate">
@@ -12530,14 +12345,14 @@
           </p:cNvCxnSpPr>
           <p:nvPr>
             <p:custDataLst>
-              <p:tags r:id="rId213"/>
+              <p:tags r:id="rId208"/>
             </p:custDataLst>
           </p:nvPr>
         </p:nvCxnSpPr>
         <p:spPr>
           <a:xfrm>
             <a:off x="9387840" y="1791335"/>
-            <a:ext cx="938530" cy="8255"/>
+            <a:ext cx="1181735" cy="12065"/>
           </a:xfrm>
           <a:prstGeom prst="straightConnector1">
             <a:avLst/>
@@ -12567,7 +12382,7 @@
           <p:cNvSpPr/>
           <p:nvPr>
             <p:custDataLst>
-              <p:tags r:id="rId214"/>
+              <p:tags r:id="rId209"/>
             </p:custDataLst>
           </p:nvPr>
         </p:nvSpPr>
@@ -12619,7 +12434,7 @@
           <p:cNvCxnSpPr/>
           <p:nvPr>
             <p:custDataLst>
-              <p:tags r:id="rId215"/>
+              <p:tags r:id="rId210"/>
             </p:custDataLst>
           </p:nvPr>
         </p:nvCxnSpPr>
@@ -12656,7 +12471,7 @@
           <p:cNvSpPr/>
           <p:nvPr>
             <p:custDataLst>
-              <p:tags r:id="rId216"/>
+              <p:tags r:id="rId211"/>
             </p:custDataLst>
           </p:nvPr>
         </p:nvSpPr>
@@ -12706,7 +12521,7 @@
           <p:cNvCxnSpPr/>
           <p:nvPr>
             <p:custDataLst>
-              <p:tags r:id="rId217"/>
+              <p:tags r:id="rId212"/>
             </p:custDataLst>
           </p:nvPr>
         </p:nvCxnSpPr>
@@ -12743,7 +12558,7 @@
           <p:cNvCxnSpPr/>
           <p:nvPr>
             <p:custDataLst>
-              <p:tags r:id="rId218"/>
+              <p:tags r:id="rId213"/>
             </p:custDataLst>
           </p:nvPr>
         </p:nvCxnSpPr>
@@ -12780,7 +12595,7 @@
           <p:cNvCxnSpPr/>
           <p:nvPr>
             <p:custDataLst>
-              <p:tags r:id="rId219"/>
+              <p:tags r:id="rId214"/>
             </p:custDataLst>
           </p:nvPr>
         </p:nvCxnSpPr>
@@ -12817,7 +12632,7 @@
           <p:cNvCxnSpPr/>
           <p:nvPr>
             <p:custDataLst>
-              <p:tags r:id="rId220"/>
+              <p:tags r:id="rId215"/>
             </p:custDataLst>
           </p:nvPr>
         </p:nvCxnSpPr>
@@ -12854,7 +12669,7 @@
           <p:cNvSpPr/>
           <p:nvPr>
             <p:custDataLst>
-              <p:tags r:id="rId221"/>
+              <p:tags r:id="rId216"/>
             </p:custDataLst>
           </p:nvPr>
         </p:nvSpPr>
@@ -12906,13 +12721,13 @@
           <p:cNvSpPr/>
           <p:nvPr>
             <p:custDataLst>
-              <p:tags r:id="rId222"/>
-            </p:custDataLst>
-          </p:nvPr>
-        </p:nvSpPr>
-        <p:spPr>
-          <a:xfrm>
-            <a:off x="9482455" y="3498850"/>
+              <p:tags r:id="rId217"/>
+            </p:custDataLst>
+          </p:nvPr>
+        </p:nvSpPr>
+        <p:spPr>
+          <a:xfrm>
+            <a:off x="8712835" y="3498850"/>
             <a:ext cx="488315" cy="285750"/>
           </a:xfrm>
           <a:prstGeom prst="roundRect">
@@ -12950,56 +12765,19 @@
           </a:p>
         </p:txBody>
       </p:sp>
-      <p:cxnSp>
-        <p:nvCxnSpPr>
-          <p:cNvPr id="316" name="直接箭头连接符 315"/>
-          <p:cNvCxnSpPr/>
-          <p:nvPr>
-            <p:custDataLst>
-              <p:tags r:id="rId223"/>
-            </p:custDataLst>
-          </p:nvPr>
-        </p:nvCxnSpPr>
-        <p:spPr>
-          <a:xfrm flipV="1">
-            <a:off x="8701405" y="3638550"/>
-            <a:ext cx="136525" cy="4445"/>
-          </a:xfrm>
-          <a:prstGeom prst="straightConnector1">
-            <a:avLst/>
-          </a:prstGeom>
-          <a:ln w="19050">
-            <a:tailEnd type="arrow"/>
-          </a:ln>
-        </p:spPr>
-        <p:style>
-          <a:lnRef idx="2">
-            <a:schemeClr val="accent1"/>
-          </a:lnRef>
-          <a:fillRef idx="0">
-            <a:srgbClr val="FFFFFF"/>
-          </a:fillRef>
-          <a:effectRef idx="0">
-            <a:srgbClr val="FFFFFF"/>
-          </a:effectRef>
-          <a:fontRef idx="minor">
-            <a:schemeClr val="tx1"/>
-          </a:fontRef>
-        </p:style>
-      </p:cxnSp>
       <p:sp>
         <p:nvSpPr>
           <p:cNvPr id="317" name="五边形 316"/>
           <p:cNvSpPr/>
           <p:nvPr>
             <p:custDataLst>
-              <p:tags r:id="rId224"/>
-            </p:custDataLst>
-          </p:nvPr>
-        </p:nvSpPr>
-        <p:spPr>
-          <a:xfrm>
-            <a:off x="10250805" y="3082290"/>
+              <p:tags r:id="rId218"/>
+            </p:custDataLst>
+          </p:nvPr>
+        </p:nvSpPr>
+        <p:spPr>
+          <a:xfrm>
+            <a:off x="10485755" y="3086100"/>
             <a:ext cx="475615" cy="725805"/>
           </a:xfrm>
           <a:prstGeom prst="homePlate">
@@ -13036,51 +12814,14 @@
           <p:cNvCxnSpPr/>
           <p:nvPr>
             <p:custDataLst>
-              <p:tags r:id="rId225"/>
+              <p:tags r:id="rId219"/>
             </p:custDataLst>
           </p:nvPr>
         </p:nvCxnSpPr>
         <p:spPr>
-          <a:xfrm>
-            <a:off x="9333230" y="3202305"/>
-            <a:ext cx="917575" cy="0"/>
-          </a:xfrm>
-          <a:prstGeom prst="straightConnector1">
-            <a:avLst/>
-          </a:prstGeom>
-          <a:ln w="19050">
-            <a:tailEnd type="arrow"/>
-          </a:ln>
-        </p:spPr>
-        <p:style>
-          <a:lnRef idx="2">
-            <a:schemeClr val="accent1"/>
-          </a:lnRef>
-          <a:fillRef idx="0">
-            <a:srgbClr val="FFFFFF"/>
-          </a:fillRef>
-          <a:effectRef idx="0">
-            <a:srgbClr val="FFFFFF"/>
-          </a:effectRef>
-          <a:fontRef idx="minor">
-            <a:schemeClr val="tx1"/>
-          </a:fontRef>
-        </p:style>
-      </p:cxnSp>
-      <p:cxnSp>
-        <p:nvCxnSpPr>
-          <p:cNvPr id="324" name="直接箭头连接符 323"/>
-          <p:cNvCxnSpPr/>
-          <p:nvPr>
-            <p:custDataLst>
-              <p:tags r:id="rId226"/>
-            </p:custDataLst>
-          </p:nvPr>
-        </p:nvCxnSpPr>
-        <p:spPr>
           <a:xfrm flipV="1">
-            <a:off x="9951085" y="3642995"/>
-            <a:ext cx="299720" cy="1905"/>
+            <a:off x="9333230" y="3200400"/>
+            <a:ext cx="1141095" cy="1905"/>
           </a:xfrm>
           <a:prstGeom prst="straightConnector1">
             <a:avLst/>
@@ -13110,13 +12851,13 @@
           <p:cNvCxnSpPr/>
           <p:nvPr>
             <p:custDataLst>
-              <p:tags r:id="rId227"/>
+              <p:tags r:id="rId220"/>
             </p:custDataLst>
           </p:nvPr>
         </p:nvCxnSpPr>
         <p:spPr>
           <a:xfrm>
-            <a:off x="10801985" y="624840"/>
+            <a:off x="11036935" y="628650"/>
             <a:ext cx="203835" cy="5715"/>
           </a:xfrm>
           <a:prstGeom prst="straightConnector1">
@@ -13147,14 +12888,14 @@
           <p:cNvCxnSpPr/>
           <p:nvPr>
             <p:custDataLst>
-              <p:tags r:id="rId228"/>
+              <p:tags r:id="rId221"/>
             </p:custDataLst>
           </p:nvPr>
         </p:nvCxnSpPr>
         <p:spPr>
-          <a:xfrm flipV="1">
-            <a:off x="10786745" y="2012315"/>
-            <a:ext cx="598170" cy="5080"/>
+          <a:xfrm>
+            <a:off x="11021695" y="2021205"/>
+            <a:ext cx="379730" cy="5080"/>
           </a:xfrm>
           <a:prstGeom prst="straightConnector1">
             <a:avLst/>
@@ -13184,13 +12925,13 @@
           <p:cNvCxnSpPr/>
           <p:nvPr>
             <p:custDataLst>
-              <p:tags r:id="rId229"/>
+              <p:tags r:id="rId222"/>
             </p:custDataLst>
           </p:nvPr>
         </p:nvCxnSpPr>
         <p:spPr>
           <a:xfrm>
-            <a:off x="10726420" y="3430905"/>
+            <a:off x="10961370" y="3434715"/>
             <a:ext cx="241300" cy="5715"/>
           </a:xfrm>
           <a:prstGeom prst="straightConnector1">
@@ -13221,13 +12962,13 @@
           <p:cNvCxnSpPr/>
           <p:nvPr>
             <p:custDataLst>
-              <p:tags r:id="rId230"/>
+              <p:tags r:id="rId223"/>
             </p:custDataLst>
           </p:nvPr>
         </p:nvCxnSpPr>
         <p:spPr>
           <a:xfrm flipV="1">
-            <a:off x="10962005" y="2011680"/>
+            <a:off x="11196955" y="2015490"/>
             <a:ext cx="6985" cy="1440815"/>
           </a:xfrm>
           <a:prstGeom prst="straightConnector1">
@@ -13258,13 +12999,13 @@
           <p:cNvCxnSpPr/>
           <p:nvPr>
             <p:custDataLst>
-              <p:tags r:id="rId231"/>
+              <p:tags r:id="rId224"/>
             </p:custDataLst>
           </p:nvPr>
         </p:nvCxnSpPr>
         <p:spPr>
           <a:xfrm>
-            <a:off x="10965180" y="640080"/>
+            <a:off x="11200130" y="643890"/>
             <a:ext cx="10160" cy="1397000"/>
           </a:xfrm>
           <a:prstGeom prst="straightConnector1">
@@ -13295,13 +13036,13 @@
           <p:cNvSpPr txBox="1"/>
           <p:nvPr>
             <p:custDataLst>
-              <p:tags r:id="rId232"/>
-            </p:custDataLst>
-          </p:nvPr>
-        </p:nvSpPr>
-        <p:spPr>
-          <a:xfrm>
-            <a:off x="9482455" y="225425"/>
+              <p:tags r:id="rId225"/>
+            </p:custDataLst>
+          </p:nvPr>
+        </p:nvSpPr>
+        <p:spPr>
+          <a:xfrm>
+            <a:off x="9576435" y="166370"/>
             <a:ext cx="897890" cy="173355"/>
           </a:xfrm>
           <a:prstGeom prst="rect">
@@ -13336,13 +13077,13 @@
           <p:cNvSpPr txBox="1"/>
           <p:nvPr>
             <p:custDataLst>
-              <p:tags r:id="rId233"/>
-            </p:custDataLst>
-          </p:nvPr>
-        </p:nvSpPr>
-        <p:spPr>
-          <a:xfrm>
-            <a:off x="9766935" y="540385"/>
+              <p:tags r:id="rId226"/>
+            </p:custDataLst>
+          </p:nvPr>
+        </p:nvSpPr>
+        <p:spPr>
+          <a:xfrm>
+            <a:off x="10011410" y="513715"/>
             <a:ext cx="897890" cy="173355"/>
           </a:xfrm>
           <a:prstGeom prst="rect">
@@ -13377,7 +13118,7 @@
           <p:cNvSpPr txBox="1"/>
           <p:nvPr>
             <p:custDataLst>
-              <p:tags r:id="rId234"/>
+              <p:tags r:id="rId227"/>
             </p:custDataLst>
           </p:nvPr>
         </p:nvSpPr>
@@ -13418,13 +13159,13 @@
           <p:cNvSpPr txBox="1"/>
           <p:nvPr>
             <p:custDataLst>
-              <p:tags r:id="rId235"/>
-            </p:custDataLst>
-          </p:nvPr>
-        </p:nvSpPr>
-        <p:spPr>
-          <a:xfrm>
-            <a:off x="9853930" y="1981835"/>
+              <p:tags r:id="rId228"/>
+            </p:custDataLst>
+          </p:nvPr>
+        </p:nvSpPr>
+        <p:spPr>
+          <a:xfrm>
+            <a:off x="10046335" y="1911985"/>
             <a:ext cx="897890" cy="173355"/>
           </a:xfrm>
           <a:prstGeom prst="rect">
@@ -13459,7 +13200,7 @@
           <p:cNvSpPr txBox="1"/>
           <p:nvPr>
             <p:custDataLst>
-              <p:tags r:id="rId236"/>
+              <p:tags r:id="rId229"/>
             </p:custDataLst>
           </p:nvPr>
         </p:nvSpPr>
@@ -13500,13 +13241,13 @@
           <p:cNvSpPr txBox="1"/>
           <p:nvPr>
             <p:custDataLst>
-              <p:tags r:id="rId237"/>
-            </p:custDataLst>
-          </p:nvPr>
-        </p:nvSpPr>
-        <p:spPr>
-          <a:xfrm>
-            <a:off x="11446510" y="1471930"/>
+              <p:tags r:id="rId230"/>
+            </p:custDataLst>
+          </p:nvPr>
+        </p:nvSpPr>
+        <p:spPr>
+          <a:xfrm>
+            <a:off x="11463020" y="1502410"/>
             <a:ext cx="673100" cy="173355"/>
           </a:xfrm>
           <a:prstGeom prst="rect">
@@ -13637,7 +13378,7 @@
           <p:cNvCxnSpPr/>
           <p:nvPr>
             <p:custDataLst>
-              <p:tags r:id="rId238"/>
+              <p:tags r:id="rId231"/>
             </p:custDataLst>
           </p:nvPr>
         </p:nvCxnSpPr>
@@ -13677,7 +13418,7 @@
           <p:cNvCxnSpPr/>
           <p:nvPr>
             <p:custDataLst>
-              <p:tags r:id="rId239"/>
+              <p:tags r:id="rId232"/>
             </p:custDataLst>
           </p:nvPr>
         </p:nvCxnSpPr>
@@ -13719,7 +13460,7 @@
           <p:cNvCxnSpPr/>
           <p:nvPr>
             <p:custDataLst>
-              <p:tags r:id="rId240"/>
+              <p:tags r:id="rId233"/>
             </p:custDataLst>
           </p:nvPr>
         </p:nvCxnSpPr>
@@ -13761,13 +13502,13 @@
           <p:cNvSpPr/>
           <p:nvPr>
             <p:custDataLst>
-              <p:tags r:id="rId241"/>
-            </p:custDataLst>
-          </p:nvPr>
-        </p:nvSpPr>
-        <p:spPr>
-          <a:xfrm>
-            <a:off x="8903335" y="2085340"/>
+              <p:tags r:id="rId234"/>
+            </p:custDataLst>
+          </p:nvPr>
+        </p:nvSpPr>
+        <p:spPr>
+          <a:xfrm>
+            <a:off x="9312275" y="2085340"/>
             <a:ext cx="658495" cy="285750"/>
           </a:xfrm>
           <a:prstGeom prst="roundRect">
@@ -13807,56 +13548,19 @@
           </a:p>
         </p:txBody>
       </p:sp>
-      <p:cxnSp>
-        <p:nvCxnSpPr>
-          <p:cNvPr id="349" name="直接箭头连接符 348"/>
-          <p:cNvCxnSpPr/>
-          <p:nvPr>
-            <p:custDataLst>
-              <p:tags r:id="rId242"/>
-            </p:custDataLst>
-          </p:nvPr>
-        </p:nvCxnSpPr>
-        <p:spPr>
-          <a:xfrm flipV="1">
-            <a:off x="10055225" y="2211705"/>
-            <a:ext cx="273050" cy="4445"/>
-          </a:xfrm>
-          <a:prstGeom prst="straightConnector1">
-            <a:avLst/>
-          </a:prstGeom>
-          <a:ln w="19050">
-            <a:tailEnd type="arrow"/>
-          </a:ln>
-        </p:spPr>
-        <p:style>
-          <a:lnRef idx="2">
-            <a:schemeClr val="accent1"/>
-          </a:lnRef>
-          <a:fillRef idx="0">
-            <a:srgbClr val="FFFFFF"/>
-          </a:fillRef>
-          <a:effectRef idx="0">
-            <a:srgbClr val="FFFFFF"/>
-          </a:effectRef>
-          <a:fontRef idx="minor">
-            <a:schemeClr val="tx1"/>
-          </a:fontRef>
-        </p:style>
-      </p:cxnSp>
       <p:sp>
         <p:nvSpPr>
           <p:cNvPr id="350" name="圆角矩形 349"/>
           <p:cNvSpPr/>
           <p:nvPr>
             <p:custDataLst>
-              <p:tags r:id="rId243"/>
-            </p:custDataLst>
-          </p:nvPr>
-        </p:nvSpPr>
-        <p:spPr>
-          <a:xfrm>
-            <a:off x="8823960" y="3502660"/>
+              <p:tags r:id="rId235"/>
+            </p:custDataLst>
+          </p:nvPr>
+        </p:nvSpPr>
+        <p:spPr>
+          <a:xfrm>
+            <a:off x="9201150" y="3498850"/>
             <a:ext cx="658495" cy="285750"/>
           </a:xfrm>
           <a:prstGeom prst="roundRect">
@@ -13902,13 +13606,13 @@
           <p:cNvSpPr txBox="1"/>
           <p:nvPr>
             <p:custDataLst>
-              <p:tags r:id="rId244"/>
-            </p:custDataLst>
-          </p:nvPr>
-        </p:nvSpPr>
-        <p:spPr>
-          <a:xfrm>
-            <a:off x="9741535" y="3401060"/>
+              <p:tags r:id="rId236"/>
+            </p:custDataLst>
+          </p:nvPr>
+        </p:nvSpPr>
+        <p:spPr>
+          <a:xfrm>
+            <a:off x="10097135" y="3329305"/>
             <a:ext cx="897890" cy="173355"/>
           </a:xfrm>
           <a:prstGeom prst="rect">
@@ -13943,7 +13647,7 @@
           <p:cNvSpPr txBox="1"/>
           <p:nvPr>
             <p:custDataLst>
-              <p:tags r:id="rId245"/>
+              <p:tags r:id="rId237"/>
             </p:custDataLst>
           </p:nvPr>
         </p:nvSpPr>
@@ -13984,7 +13688,7 @@
           <p:cNvSpPr txBox="1"/>
           <p:nvPr>
             <p:custDataLst>
-              <p:tags r:id="rId246"/>
+              <p:tags r:id="rId238"/>
             </p:custDataLst>
           </p:nvPr>
         </p:nvSpPr>
@@ -14033,7 +13737,7 @@
           <p:cNvSpPr txBox="1"/>
           <p:nvPr>
             <p:custDataLst>
-              <p:tags r:id="rId247"/>
+              <p:tags r:id="rId239"/>
             </p:custDataLst>
           </p:nvPr>
         </p:nvSpPr>
@@ -14074,7 +13778,7 @@
           <p:cNvSpPr/>
           <p:nvPr>
             <p:custDataLst>
-              <p:tags r:id="rId248"/>
+              <p:tags r:id="rId240"/>
             </p:custDataLst>
           </p:nvPr>
         </p:nvSpPr>
@@ -14120,6 +13824,411 @@
           </a:p>
         </p:txBody>
       </p:sp>
+      <p:sp>
+        <p:nvSpPr>
+          <p:cNvPr id="7" name="文本框 6"/>
+          <p:cNvSpPr txBox="1"/>
+          <p:nvPr>
+            <p:custDataLst>
+              <p:tags r:id="rId241"/>
+            </p:custDataLst>
+          </p:nvPr>
+        </p:nvSpPr>
+        <p:spPr>
+          <a:xfrm>
+            <a:off x="5974080" y="713740"/>
+            <a:ext cx="383540" cy="173355"/>
+          </a:xfrm>
+          <a:prstGeom prst="rect">
+            <a:avLst/>
+          </a:prstGeom>
+          <a:noFill/>
+        </p:spPr>
+        <p:txBody>
+          <a:bodyPr wrap="square" rtlCol="0">
+            <a:noAutofit/>
+          </a:bodyPr>
+          <a:p>
+            <a:r>
+              <a:rPr lang="en-US" altLang="zh-CN" sz="1000"/>
+              <a:t>C5</a:t>
+            </a:r>
+            <a:endParaRPr lang="en-US" altLang="zh-CN" sz="1000"/>
+          </a:p>
+        </p:txBody>
+      </p:sp>
+      <p:cxnSp>
+        <p:nvCxnSpPr>
+          <p:cNvPr id="8" name="直接箭头连接符 7"/>
+          <p:cNvCxnSpPr/>
+          <p:nvPr>
+            <p:custDataLst>
+              <p:tags r:id="rId242"/>
+            </p:custDataLst>
+          </p:nvPr>
+        </p:nvCxnSpPr>
+        <p:spPr>
+          <a:xfrm flipV="1">
+            <a:off x="1105535" y="4891405"/>
+            <a:ext cx="161290" cy="1905"/>
+          </a:xfrm>
+          <a:prstGeom prst="straightConnector1">
+            <a:avLst/>
+          </a:prstGeom>
+          <a:ln w="19050">
+            <a:tailEnd type="arrow"/>
+          </a:ln>
+        </p:spPr>
+        <p:style>
+          <a:lnRef idx="2">
+            <a:schemeClr val="accent1"/>
+          </a:lnRef>
+          <a:fillRef idx="0">
+            <a:srgbClr val="FFFFFF"/>
+          </a:fillRef>
+          <a:effectRef idx="0">
+            <a:srgbClr val="FFFFFF"/>
+          </a:effectRef>
+          <a:fontRef idx="minor">
+            <a:schemeClr val="tx1"/>
+          </a:fontRef>
+        </p:style>
+      </p:cxnSp>
+      <p:cxnSp>
+        <p:nvCxnSpPr>
+          <p:cNvPr id="9" name="直接箭头连接符 8"/>
+          <p:cNvCxnSpPr/>
+          <p:nvPr>
+            <p:custDataLst>
+              <p:tags r:id="rId243"/>
+            </p:custDataLst>
+          </p:nvPr>
+        </p:nvCxnSpPr>
+        <p:spPr>
+          <a:xfrm flipV="1">
+            <a:off x="6655435" y="6060440"/>
+            <a:ext cx="4445" cy="174625"/>
+          </a:xfrm>
+          <a:prstGeom prst="straightConnector1">
+            <a:avLst/>
+          </a:prstGeom>
+          <a:ln w="19050">
+            <a:tailEnd type="arrow"/>
+          </a:ln>
+        </p:spPr>
+        <p:style>
+          <a:lnRef idx="2">
+            <a:schemeClr val="accent1"/>
+          </a:lnRef>
+          <a:fillRef idx="0">
+            <a:srgbClr val="FFFFFF"/>
+          </a:fillRef>
+          <a:effectRef idx="0">
+            <a:srgbClr val="FFFFFF"/>
+          </a:effectRef>
+          <a:fontRef idx="minor">
+            <a:schemeClr val="tx1"/>
+          </a:fontRef>
+        </p:style>
+      </p:cxnSp>
+      <p:sp>
+        <p:nvSpPr>
+          <p:cNvPr id="11" name="圆角矩形 10"/>
+          <p:cNvSpPr/>
+          <p:nvPr>
+            <p:custDataLst>
+              <p:tags r:id="rId244"/>
+            </p:custDataLst>
+          </p:nvPr>
+        </p:nvSpPr>
+        <p:spPr>
+          <a:xfrm>
+            <a:off x="9976485" y="687070"/>
+            <a:ext cx="488315" cy="285750"/>
+          </a:xfrm>
+          <a:prstGeom prst="roundRect">
+            <a:avLst/>
+          </a:prstGeom>
+          <a:solidFill>
+            <a:srgbClr val="7030A0"/>
+          </a:solidFill>
+        </p:spPr>
+        <p:style>
+          <a:lnRef idx="2">
+            <a:schemeClr val="accent1">
+              <a:lumMod val="75000"/>
+            </a:schemeClr>
+          </a:lnRef>
+          <a:fillRef idx="1">
+            <a:schemeClr val="accent1"/>
+          </a:fillRef>
+          <a:effectRef idx="0">
+            <a:srgbClr val="FFFFFF"/>
+          </a:effectRef>
+          <a:fontRef idx="minor">
+            <a:schemeClr val="lt1"/>
+          </a:fontRef>
+        </p:style>
+        <p:txBody>
+          <a:bodyPr rtlCol="0" anchor="ctr"/>
+          <a:p>
+            <a:pPr algn="ctr"/>
+            <a:r>
+              <a:rPr lang="en-US" altLang="zh-CN" sz="1000"/>
+              <a:t>Conv</a:t>
+            </a:r>
+            <a:endParaRPr lang="en-US" altLang="zh-CN" sz="1000"/>
+          </a:p>
+        </p:txBody>
+      </p:sp>
+      <p:cxnSp>
+        <p:nvCxnSpPr>
+          <p:cNvPr id="13" name="直接箭头连接符 12"/>
+          <p:cNvCxnSpPr/>
+          <p:nvPr>
+            <p:custDataLst>
+              <p:tags r:id="rId245"/>
+            </p:custDataLst>
+          </p:nvPr>
+        </p:nvCxnSpPr>
+        <p:spPr>
+          <a:xfrm flipV="1">
+            <a:off x="10462895" y="810895"/>
+            <a:ext cx="136525" cy="4445"/>
+          </a:xfrm>
+          <a:prstGeom prst="straightConnector1">
+            <a:avLst/>
+          </a:prstGeom>
+          <a:ln w="19050">
+            <a:tailEnd type="arrow"/>
+          </a:ln>
+        </p:spPr>
+        <p:style>
+          <a:lnRef idx="2">
+            <a:schemeClr val="accent1"/>
+          </a:lnRef>
+          <a:fillRef idx="0">
+            <a:srgbClr val="FFFFFF"/>
+          </a:fillRef>
+          <a:effectRef idx="0">
+            <a:srgbClr val="FFFFFF"/>
+          </a:effectRef>
+          <a:fontRef idx="minor">
+            <a:schemeClr val="tx1"/>
+          </a:fontRef>
+        </p:style>
+      </p:cxnSp>
+      <p:sp>
+        <p:nvSpPr>
+          <p:cNvPr id="14" name="圆角矩形 13"/>
+          <p:cNvSpPr/>
+          <p:nvPr>
+            <p:custDataLst>
+              <p:tags r:id="rId246"/>
+            </p:custDataLst>
+          </p:nvPr>
+        </p:nvSpPr>
+        <p:spPr>
+          <a:xfrm>
+            <a:off x="9974580" y="2085340"/>
+            <a:ext cx="488315" cy="285750"/>
+          </a:xfrm>
+          <a:prstGeom prst="roundRect">
+            <a:avLst/>
+          </a:prstGeom>
+          <a:solidFill>
+            <a:srgbClr val="7030A0"/>
+          </a:solidFill>
+        </p:spPr>
+        <p:style>
+          <a:lnRef idx="2">
+            <a:schemeClr val="accent1">
+              <a:lumMod val="75000"/>
+            </a:schemeClr>
+          </a:lnRef>
+          <a:fillRef idx="1">
+            <a:schemeClr val="accent1"/>
+          </a:fillRef>
+          <a:effectRef idx="0">
+            <a:srgbClr val="FFFFFF"/>
+          </a:effectRef>
+          <a:fontRef idx="minor">
+            <a:schemeClr val="lt1"/>
+          </a:fontRef>
+        </p:style>
+        <p:txBody>
+          <a:bodyPr rtlCol="0" anchor="ctr"/>
+          <a:p>
+            <a:pPr algn="ctr"/>
+            <a:r>
+              <a:rPr lang="en-US" altLang="zh-CN" sz="1000"/>
+              <a:t>Conv</a:t>
+            </a:r>
+            <a:endParaRPr lang="en-US" altLang="zh-CN" sz="1000"/>
+          </a:p>
+        </p:txBody>
+      </p:sp>
+      <p:sp>
+        <p:nvSpPr>
+          <p:cNvPr id="15" name="圆角矩形 14"/>
+          <p:cNvSpPr/>
+          <p:nvPr>
+            <p:custDataLst>
+              <p:tags r:id="rId247"/>
+            </p:custDataLst>
+          </p:nvPr>
+        </p:nvSpPr>
+        <p:spPr>
+          <a:xfrm>
+            <a:off x="9859645" y="3498850"/>
+            <a:ext cx="488315" cy="285750"/>
+          </a:xfrm>
+          <a:prstGeom prst="roundRect">
+            <a:avLst/>
+          </a:prstGeom>
+          <a:solidFill>
+            <a:srgbClr val="7030A0"/>
+          </a:solidFill>
+        </p:spPr>
+        <p:style>
+          <a:lnRef idx="2">
+            <a:schemeClr val="accent1">
+              <a:lumMod val="75000"/>
+            </a:schemeClr>
+          </a:lnRef>
+          <a:fillRef idx="1">
+            <a:schemeClr val="accent1"/>
+          </a:fillRef>
+          <a:effectRef idx="0">
+            <a:srgbClr val="FFFFFF"/>
+          </a:effectRef>
+          <a:fontRef idx="minor">
+            <a:schemeClr val="lt1"/>
+          </a:fontRef>
+        </p:style>
+        <p:txBody>
+          <a:bodyPr rtlCol="0" anchor="ctr"/>
+          <a:p>
+            <a:pPr algn="ctr"/>
+            <a:r>
+              <a:rPr lang="en-US" altLang="zh-CN" sz="1000"/>
+              <a:t>Conv</a:t>
+            </a:r>
+            <a:endParaRPr lang="en-US" altLang="zh-CN" sz="1000"/>
+          </a:p>
+        </p:txBody>
+      </p:sp>
+      <p:cxnSp>
+        <p:nvCxnSpPr>
+          <p:cNvPr id="17" name="直接箭头连接符 16"/>
+          <p:cNvCxnSpPr/>
+          <p:nvPr>
+            <p:custDataLst>
+              <p:tags r:id="rId248"/>
+            </p:custDataLst>
+          </p:nvPr>
+        </p:nvCxnSpPr>
+        <p:spPr>
+          <a:xfrm flipV="1">
+            <a:off x="10349865" y="3625215"/>
+            <a:ext cx="136525" cy="4445"/>
+          </a:xfrm>
+          <a:prstGeom prst="straightConnector1">
+            <a:avLst/>
+          </a:prstGeom>
+          <a:ln w="19050">
+            <a:tailEnd type="arrow"/>
+          </a:ln>
+        </p:spPr>
+        <p:style>
+          <a:lnRef idx="2">
+            <a:schemeClr val="accent1"/>
+          </a:lnRef>
+          <a:fillRef idx="0">
+            <a:srgbClr val="FFFFFF"/>
+          </a:fillRef>
+          <a:effectRef idx="0">
+            <a:srgbClr val="FFFFFF"/>
+          </a:effectRef>
+          <a:fontRef idx="minor">
+            <a:schemeClr val="tx1"/>
+          </a:fontRef>
+        </p:style>
+      </p:cxnSp>
+      <p:cxnSp>
+        <p:nvCxnSpPr>
+          <p:cNvPr id="18" name="直接箭头连接符 17"/>
+          <p:cNvCxnSpPr/>
+          <p:nvPr>
+            <p:custDataLst>
+              <p:tags r:id="rId249"/>
+            </p:custDataLst>
+          </p:nvPr>
+        </p:nvCxnSpPr>
+        <p:spPr>
+          <a:xfrm flipV="1">
+            <a:off x="10462895" y="2211705"/>
+            <a:ext cx="136525" cy="4445"/>
+          </a:xfrm>
+          <a:prstGeom prst="straightConnector1">
+            <a:avLst/>
+          </a:prstGeom>
+          <a:ln w="19050">
+            <a:tailEnd type="arrow"/>
+          </a:ln>
+        </p:spPr>
+        <p:style>
+          <a:lnRef idx="2">
+            <a:schemeClr val="accent1"/>
+          </a:lnRef>
+          <a:fillRef idx="0">
+            <a:srgbClr val="FFFFFF"/>
+          </a:fillRef>
+          <a:effectRef idx="0">
+            <a:srgbClr val="FFFFFF"/>
+          </a:effectRef>
+          <a:fontRef idx="minor">
+            <a:schemeClr val="tx1"/>
+          </a:fontRef>
+        </p:style>
+      </p:cxnSp>
+      <p:cxnSp>
+        <p:nvCxnSpPr>
+          <p:cNvPr id="38" name="直接箭头连接符 37"/>
+          <p:cNvCxnSpPr/>
+          <p:nvPr>
+            <p:custDataLst>
+              <p:tags r:id="rId250"/>
+            </p:custDataLst>
+          </p:nvPr>
+        </p:nvCxnSpPr>
+        <p:spPr>
+          <a:xfrm>
+            <a:off x="7972425" y="2216150"/>
+            <a:ext cx="306070" cy="1905"/>
+          </a:xfrm>
+          <a:prstGeom prst="straightConnector1">
+            <a:avLst/>
+          </a:prstGeom>
+          <a:ln w="19050">
+            <a:tailEnd type="arrow"/>
+          </a:ln>
+        </p:spPr>
+        <p:style>
+          <a:lnRef idx="2">
+            <a:schemeClr val="accent1"/>
+          </a:lnRef>
+          <a:fillRef idx="0">
+            <a:srgbClr val="FFFFFF"/>
+          </a:fillRef>
+          <a:effectRef idx="0">
+            <a:srgbClr val="FFFFFF"/>
+          </a:effectRef>
+          <a:fontRef idx="minor">
+            <a:schemeClr val="tx1"/>
+          </a:fontRef>
+        </p:style>
+      </p:cxnSp>
     </p:spTree>
   </p:cSld>
   <p:clrMapOvr>
@@ -15144,13 +15253,25 @@
 
 <file path=ppt/tags/tag249.xml><?xml version="1.0" encoding="utf-8"?>
 <p:tagLst xmlns:p="http://schemas.openxmlformats.org/presentationml/2006/main">
+  <p:tag name="KSO_WM_BEAUTIFY_FLAG" val=""/>
+</p:tagLst>
+</file>
+
+<file path=ppt/tags/tag25.xml><?xml version="1.0" encoding="utf-8"?>
+<p:tagLst xmlns:p="http://schemas.openxmlformats.org/presentationml/2006/main">
+  <p:tag name="KSO_WM_BEAUTIFY_FLAG" val=""/>
+</p:tagLst>
+</file>
+
+<file path=ppt/tags/tag250.xml><?xml version="1.0" encoding="utf-8"?>
+<p:tagLst xmlns:p="http://schemas.openxmlformats.org/presentationml/2006/main">
+  <p:tag name="KSO_WM_BEAUTIFY_FLAG" val=""/>
+</p:tagLst>
+</file>
+
+<file path=ppt/tags/tag251.xml><?xml version="1.0" encoding="utf-8"?>
+<p:tagLst xmlns:p="http://schemas.openxmlformats.org/presentationml/2006/main">
   <p:tag name="COMMONDATA" val="eyJoZGlkIjoiNjg3Y2I0ZmFjNDU1ZjAyMDNmOGMyYTk4M2Y4N2VmM2QifQ=="/>
-</p:tagLst>
-</file>
-
-<file path=ppt/tags/tag25.xml><?xml version="1.0" encoding="utf-8"?>
-<p:tagLst xmlns:p="http://schemas.openxmlformats.org/presentationml/2006/main">
-  <p:tag name="KSO_WM_BEAUTIFY_FLAG" val=""/>
 </p:tagLst>
 </file>
 

--- a/100_yolo/architecture/rt_x_det.pptx
+++ b/100_yolo/architecture/rt_x_det.pptx
@@ -10762,9 +10762,9 @@
           </p:nvPr>
         </p:nvCxnSpPr>
         <p:spPr>
-          <a:xfrm>
-            <a:off x="6633210" y="3427095"/>
-            <a:ext cx="1280160" cy="1905"/>
+          <a:xfrm flipV="1">
+            <a:off x="6655435" y="3433445"/>
+            <a:ext cx="959485" cy="7620"/>
           </a:xfrm>
           <a:prstGeom prst="straightConnector1">
             <a:avLst/>
@@ -11114,7 +11114,7 @@
         </p:nvSpPr>
         <p:spPr>
           <a:xfrm>
-            <a:off x="7167245" y="1772920"/>
+            <a:off x="7280275" y="1679575"/>
             <a:ext cx="789940" cy="173355"/>
           </a:xfrm>
           <a:prstGeom prst="rect">
@@ -11147,7 +11147,7 @@
         </p:nvSpPr>
         <p:spPr>
           <a:xfrm>
-            <a:off x="7154545" y="3240405"/>
+            <a:off x="6889750" y="3463290"/>
             <a:ext cx="817880" cy="173355"/>
           </a:xfrm>
           <a:prstGeom prst="rect">
@@ -11180,7 +11180,7 @@
         </p:nvSpPr>
         <p:spPr>
           <a:xfrm>
-            <a:off x="7500620" y="224155"/>
+            <a:off x="7404100" y="661035"/>
             <a:ext cx="383540" cy="173355"/>
           </a:xfrm>
           <a:prstGeom prst="rect">
@@ -11283,8 +11283,8 @@
         </p:nvCxnSpPr>
         <p:spPr>
           <a:xfrm flipV="1">
-            <a:off x="7463790" y="600075"/>
-            <a:ext cx="573405" cy="1905"/>
+            <a:off x="7463790" y="606425"/>
+            <a:ext cx="210185" cy="4445"/>
           </a:xfrm>
           <a:prstGeom prst="straightConnector1">
             <a:avLst/>
@@ -11319,9 +11319,9 @@
           </p:nvPr>
         </p:nvCxnSpPr>
         <p:spPr>
-          <a:xfrm flipV="1">
-            <a:off x="7122160" y="1962150"/>
-            <a:ext cx="857885" cy="5715"/>
+          <a:xfrm>
+            <a:off x="7127875" y="2004060"/>
+            <a:ext cx="502920" cy="6350"/>
           </a:xfrm>
           <a:prstGeom prst="straightConnector1">
             <a:avLst/>
@@ -11357,7 +11357,7 @@
         </p:nvSpPr>
         <p:spPr>
           <a:xfrm>
-            <a:off x="7351395" y="397510"/>
+            <a:off x="7295515" y="246380"/>
             <a:ext cx="897890" cy="173355"/>
           </a:xfrm>
           <a:prstGeom prst="rect">
@@ -11390,7 +11390,7 @@
         </p:nvSpPr>
         <p:spPr>
           <a:xfrm>
-            <a:off x="8272145" y="246380"/>
+            <a:off x="8623935" y="278765"/>
             <a:ext cx="558800" cy="285750"/>
           </a:xfrm>
           <a:prstGeom prst="roundRect">
@@ -11442,7 +11442,7 @@
         </p:nvCxnSpPr>
         <p:spPr>
           <a:xfrm flipH="1">
-            <a:off x="8030210" y="575945"/>
+            <a:off x="8382000" y="608330"/>
             <a:ext cx="2540" cy="233045"/>
           </a:xfrm>
           <a:prstGeom prst="straightConnector1">
@@ -11479,7 +11479,7 @@
         </p:nvSpPr>
         <p:spPr>
           <a:xfrm>
-            <a:off x="8953500" y="246380"/>
+            <a:off x="9305290" y="278765"/>
             <a:ext cx="488315" cy="285750"/>
           </a:xfrm>
           <a:prstGeom prst="roundRect">
@@ -11529,7 +11529,7 @@
         </p:nvCxnSpPr>
         <p:spPr>
           <a:xfrm flipH="1" flipV="1">
-            <a:off x="8030210" y="386715"/>
+            <a:off x="8382000" y="419100"/>
             <a:ext cx="5715" cy="228600"/>
           </a:xfrm>
           <a:prstGeom prst="straightConnector1">
@@ -11566,7 +11566,7 @@
         </p:nvCxnSpPr>
         <p:spPr>
           <a:xfrm flipV="1">
-            <a:off x="8830945" y="382270"/>
+            <a:off x="9182735" y="414655"/>
             <a:ext cx="136525" cy="4445"/>
           </a:xfrm>
           <a:prstGeom prst="straightConnector1">
@@ -11603,7 +11603,7 @@
         </p:nvCxnSpPr>
         <p:spPr>
           <a:xfrm>
-            <a:off x="8030210" y="808990"/>
+            <a:off x="8382000" y="841375"/>
             <a:ext cx="241935" cy="635"/>
           </a:xfrm>
           <a:prstGeom prst="straightConnector1">
@@ -11640,7 +11640,7 @@
         </p:nvCxnSpPr>
         <p:spPr>
           <a:xfrm>
-            <a:off x="8035925" y="386715"/>
+            <a:off x="8387715" y="419100"/>
             <a:ext cx="241935" cy="635"/>
           </a:xfrm>
           <a:prstGeom prst="straightConnector1">
@@ -11677,7 +11677,7 @@
         </p:nvSpPr>
         <p:spPr>
           <a:xfrm>
-            <a:off x="8272145" y="687070"/>
+            <a:off x="8623935" y="719455"/>
             <a:ext cx="558800" cy="285750"/>
           </a:xfrm>
           <a:prstGeom prst="roundRect">
@@ -11729,7 +11729,7 @@
         </p:nvSpPr>
         <p:spPr>
           <a:xfrm>
-            <a:off x="9317990" y="687070"/>
+            <a:off x="9669780" y="719455"/>
             <a:ext cx="658495" cy="285750"/>
           </a:xfrm>
           <a:prstGeom prst="roundRect">
@@ -11781,7 +11781,7 @@
         </p:nvSpPr>
         <p:spPr>
           <a:xfrm>
-            <a:off x="8832850" y="687070"/>
+            <a:off x="9184640" y="719455"/>
             <a:ext cx="488315" cy="285750"/>
           </a:xfrm>
           <a:prstGeom prst="roundRect">
@@ -11827,7 +11827,7 @@
         </p:nvSpPr>
         <p:spPr>
           <a:xfrm>
-            <a:off x="10561320" y="270510"/>
+            <a:off x="10913110" y="302895"/>
             <a:ext cx="475615" cy="725805"/>
           </a:xfrm>
           <a:prstGeom prst="homePlate">
@@ -11866,8 +11866,8 @@
         </p:nvSpPr>
         <p:spPr>
           <a:xfrm>
-            <a:off x="11401425" y="1693545"/>
-            <a:ext cx="680720" cy="681355"/>
+            <a:off x="11753215" y="1896745"/>
+            <a:ext cx="307340" cy="353695"/>
           </a:xfrm>
           <a:prstGeom prst="rect">
             <a:avLst/>
@@ -11917,7 +11917,7 @@
         </p:nvCxnSpPr>
         <p:spPr>
           <a:xfrm flipV="1">
-            <a:off x="9441815" y="393700"/>
+            <a:off x="9793605" y="426085"/>
             <a:ext cx="1115060" cy="5080"/>
           </a:xfrm>
           <a:prstGeom prst="straightConnector1">
@@ -11954,7 +11954,7 @@
         </p:nvSpPr>
         <p:spPr>
           <a:xfrm>
-            <a:off x="8218170" y="1648460"/>
+            <a:off x="8630285" y="1680845"/>
             <a:ext cx="558800" cy="285750"/>
           </a:xfrm>
           <a:prstGeom prst="roundRect">
@@ -12006,7 +12006,7 @@
         </p:nvCxnSpPr>
         <p:spPr>
           <a:xfrm flipH="1">
-            <a:off x="7976235" y="1978025"/>
+            <a:off x="8328025" y="2010410"/>
             <a:ext cx="2540" cy="233045"/>
           </a:xfrm>
           <a:prstGeom prst="straightConnector1">
@@ -12043,7 +12043,7 @@
         </p:nvSpPr>
         <p:spPr>
           <a:xfrm>
-            <a:off x="8899525" y="1648460"/>
+            <a:off x="9305290" y="1679575"/>
             <a:ext cx="488315" cy="285750"/>
           </a:xfrm>
           <a:prstGeom prst="roundRect">
@@ -12093,7 +12093,7 @@
         </p:nvCxnSpPr>
         <p:spPr>
           <a:xfrm flipH="1" flipV="1">
-            <a:off x="7976235" y="1788795"/>
+            <a:off x="8328025" y="1821180"/>
             <a:ext cx="5715" cy="228600"/>
           </a:xfrm>
           <a:prstGeom prst="straightConnector1">
@@ -12130,7 +12130,7 @@
         </p:nvCxnSpPr>
         <p:spPr>
           <a:xfrm flipV="1">
-            <a:off x="8776970" y="1784350"/>
+            <a:off x="9175750" y="1816735"/>
             <a:ext cx="136525" cy="4445"/>
           </a:xfrm>
           <a:prstGeom prst="straightConnector1">
@@ -12167,7 +12167,7 @@
         </p:nvCxnSpPr>
         <p:spPr>
           <a:xfrm>
-            <a:off x="7981950" y="1788795"/>
+            <a:off x="8333740" y="1821180"/>
             <a:ext cx="241935" cy="635"/>
           </a:xfrm>
           <a:prstGeom prst="straightConnector1">
@@ -12204,7 +12204,7 @@
         </p:nvSpPr>
         <p:spPr>
           <a:xfrm>
-            <a:off x="8274050" y="2085340"/>
+            <a:off x="8625840" y="2117725"/>
             <a:ext cx="558800" cy="285750"/>
           </a:xfrm>
           <a:prstGeom prst="roundRect">
@@ -12256,7 +12256,7 @@
         </p:nvSpPr>
         <p:spPr>
           <a:xfrm>
-            <a:off x="8829675" y="2085340"/>
+            <a:off x="9181465" y="2117725"/>
             <a:ext cx="488315" cy="285750"/>
           </a:xfrm>
           <a:prstGeom prst="roundRect">
@@ -12306,7 +12306,7 @@
         </p:nvSpPr>
         <p:spPr>
           <a:xfrm>
-            <a:off x="10561320" y="1649095"/>
+            <a:off x="10913110" y="1681480"/>
             <a:ext cx="475615" cy="725805"/>
           </a:xfrm>
           <a:prstGeom prst="homePlate">
@@ -12351,7 +12351,7 @@
         </p:nvCxnSpPr>
         <p:spPr>
           <a:xfrm>
-            <a:off x="9387840" y="1791335"/>
+            <a:off x="9793605" y="1822450"/>
             <a:ext cx="1181735" cy="12065"/>
           </a:xfrm>
           <a:prstGeom prst="straightConnector1">
@@ -12388,7 +12388,7 @@
         </p:nvSpPr>
         <p:spPr>
           <a:xfrm>
-            <a:off x="8142605" y="3061970"/>
+            <a:off x="8616950" y="3065145"/>
             <a:ext cx="558800" cy="285750"/>
           </a:xfrm>
           <a:prstGeom prst="roundRect">
@@ -12440,7 +12440,7 @@
         </p:nvCxnSpPr>
         <p:spPr>
           <a:xfrm flipH="1">
-            <a:off x="7900670" y="3391535"/>
+            <a:off x="8368030" y="3441065"/>
             <a:ext cx="2540" cy="233045"/>
           </a:xfrm>
           <a:prstGeom prst="straightConnector1">
@@ -12477,7 +12477,7 @@
         </p:nvSpPr>
         <p:spPr>
           <a:xfrm>
-            <a:off x="8823960" y="3061970"/>
+            <a:off x="9298305" y="3065145"/>
             <a:ext cx="488315" cy="285750"/>
           </a:xfrm>
           <a:prstGeom prst="roundRect">
@@ -12527,7 +12527,7 @@
         </p:nvCxnSpPr>
         <p:spPr>
           <a:xfrm flipH="1" flipV="1">
-            <a:off x="7900670" y="3202305"/>
+            <a:off x="8362315" y="3195320"/>
             <a:ext cx="5715" cy="228600"/>
           </a:xfrm>
           <a:prstGeom prst="straightConnector1">
@@ -12564,7 +12564,7 @@
         </p:nvCxnSpPr>
         <p:spPr>
           <a:xfrm flipV="1">
-            <a:off x="8701405" y="3197860"/>
+            <a:off x="9175750" y="3201035"/>
             <a:ext cx="136525" cy="4445"/>
           </a:xfrm>
           <a:prstGeom prst="straightConnector1">
@@ -12601,7 +12601,7 @@
         </p:nvCxnSpPr>
         <p:spPr>
           <a:xfrm>
-            <a:off x="7900670" y="3624580"/>
+            <a:off x="8368030" y="3636645"/>
             <a:ext cx="241935" cy="635"/>
           </a:xfrm>
           <a:prstGeom prst="straightConnector1">
@@ -12638,7 +12638,7 @@
         </p:nvCxnSpPr>
         <p:spPr>
           <a:xfrm>
-            <a:off x="7906385" y="3202305"/>
+            <a:off x="8368030" y="3205480"/>
             <a:ext cx="241935" cy="635"/>
           </a:xfrm>
           <a:prstGeom prst="straightConnector1">
@@ -12675,7 +12675,7 @@
         </p:nvSpPr>
         <p:spPr>
           <a:xfrm>
-            <a:off x="8142605" y="3502660"/>
+            <a:off x="8616950" y="3505835"/>
             <a:ext cx="558800" cy="285750"/>
           </a:xfrm>
           <a:prstGeom prst="roundRect">
@@ -12727,7 +12727,7 @@
         </p:nvSpPr>
         <p:spPr>
           <a:xfrm>
-            <a:off x="8712835" y="3498850"/>
+            <a:off x="9187180" y="3502025"/>
             <a:ext cx="488315" cy="285750"/>
           </a:xfrm>
           <a:prstGeom prst="roundRect">
@@ -12777,7 +12777,7 @@
         </p:nvSpPr>
         <p:spPr>
           <a:xfrm>
-            <a:off x="10485755" y="3086100"/>
+            <a:off x="10960100" y="3089275"/>
             <a:ext cx="475615" cy="725805"/>
           </a:xfrm>
           <a:prstGeom prst="homePlate">
@@ -12820,7 +12820,7 @@
         </p:nvCxnSpPr>
         <p:spPr>
           <a:xfrm flipV="1">
-            <a:off x="9333230" y="3200400"/>
+            <a:off x="9807575" y="3203575"/>
             <a:ext cx="1141095" cy="1905"/>
           </a:xfrm>
           <a:prstGeom prst="straightConnector1">
@@ -12857,7 +12857,7 @@
         </p:nvCxnSpPr>
         <p:spPr>
           <a:xfrm>
-            <a:off x="11036935" y="628650"/>
+            <a:off x="11388725" y="661035"/>
             <a:ext cx="203835" cy="5715"/>
           </a:xfrm>
           <a:prstGeom prst="straightConnector1">
@@ -12894,7 +12894,7 @@
         </p:nvCxnSpPr>
         <p:spPr>
           <a:xfrm>
-            <a:off x="11021695" y="2021205"/>
+            <a:off x="11373485" y="2053590"/>
             <a:ext cx="379730" cy="5080"/>
           </a:xfrm>
           <a:prstGeom prst="straightConnector1">
@@ -12930,9 +12930,9 @@
           </p:nvPr>
         </p:nvCxnSpPr>
         <p:spPr>
-          <a:xfrm>
-            <a:off x="10961370" y="3434715"/>
-            <a:ext cx="241300" cy="5715"/>
+          <a:xfrm flipV="1">
+            <a:off x="11306810" y="3433445"/>
+            <a:ext cx="245110" cy="7620"/>
           </a:xfrm>
           <a:prstGeom prst="straightConnector1">
             <a:avLst/>
@@ -12968,8 +12968,8 @@
         </p:nvCxnSpPr>
         <p:spPr>
           <a:xfrm flipV="1">
-            <a:off x="11196955" y="2015490"/>
-            <a:ext cx="6985" cy="1440815"/>
+            <a:off x="11551285" y="2047875"/>
+            <a:ext cx="4445" cy="1385570"/>
           </a:xfrm>
           <a:prstGeom prst="straightConnector1">
             <a:avLst/>
@@ -13005,7 +13005,7 @@
         </p:nvCxnSpPr>
         <p:spPr>
           <a:xfrm>
-            <a:off x="11200130" y="643890"/>
+            <a:off x="11551920" y="676275"/>
             <a:ext cx="10160" cy="1397000"/>
           </a:xfrm>
           <a:prstGeom prst="straightConnector1">
@@ -13042,7 +13042,7 @@
         </p:nvSpPr>
         <p:spPr>
           <a:xfrm>
-            <a:off x="9576435" y="166370"/>
+            <a:off x="9916795" y="212725"/>
             <a:ext cx="897890" cy="173355"/>
           </a:xfrm>
           <a:prstGeom prst="rect">
@@ -13083,7 +13083,7 @@
         </p:nvSpPr>
         <p:spPr>
           <a:xfrm>
-            <a:off x="10011410" y="513715"/>
+            <a:off x="10326370" y="540385"/>
             <a:ext cx="897890" cy="173355"/>
           </a:xfrm>
           <a:prstGeom prst="rect">
@@ -13124,7 +13124,7 @@
         </p:nvSpPr>
         <p:spPr>
           <a:xfrm>
-            <a:off x="9491345" y="1617980"/>
+            <a:off x="9843135" y="1650365"/>
             <a:ext cx="897890" cy="173355"/>
           </a:xfrm>
           <a:prstGeom prst="rect">
@@ -13165,8 +13165,8 @@
         </p:nvSpPr>
         <p:spPr>
           <a:xfrm>
-            <a:off x="10046335" y="1911985"/>
-            <a:ext cx="897890" cy="173355"/>
+            <a:off x="10333990" y="1944370"/>
+            <a:ext cx="706120" cy="210820"/>
           </a:xfrm>
           <a:prstGeom prst="rect">
             <a:avLst/>
@@ -13206,7 +13206,7 @@
         </p:nvSpPr>
         <p:spPr>
           <a:xfrm>
-            <a:off x="9387840" y="2989580"/>
+            <a:off x="9928225" y="3021965"/>
             <a:ext cx="897890" cy="173355"/>
           </a:xfrm>
           <a:prstGeom prst="rect">
@@ -13247,8 +13247,8 @@
         </p:nvSpPr>
         <p:spPr>
           <a:xfrm>
-            <a:off x="11463020" y="1502410"/>
-            <a:ext cx="673100" cy="173355"/>
+            <a:off x="11520170" y="1679575"/>
+            <a:ext cx="671830" cy="173355"/>
           </a:xfrm>
           <a:prstGeom prst="rect">
             <a:avLst/>
@@ -13424,7 +13424,7 @@
         </p:nvCxnSpPr>
         <p:spPr>
           <a:xfrm flipH="1">
-            <a:off x="8086725" y="160020"/>
+            <a:off x="8220710" y="147320"/>
             <a:ext cx="3175" cy="4159250"/>
           </a:xfrm>
           <a:prstGeom prst="line">
@@ -13508,7 +13508,7 @@
         </p:nvSpPr>
         <p:spPr>
           <a:xfrm>
-            <a:off x="9312275" y="2085340"/>
+            <a:off x="9664065" y="2117725"/>
             <a:ext cx="658495" cy="285750"/>
           </a:xfrm>
           <a:prstGeom prst="roundRect">
@@ -13560,7 +13560,7 @@
         </p:nvSpPr>
         <p:spPr>
           <a:xfrm>
-            <a:off x="9201150" y="3498850"/>
+            <a:off x="9675495" y="3502025"/>
             <a:ext cx="658495" cy="285750"/>
           </a:xfrm>
           <a:prstGeom prst="roundRect">
@@ -13612,8 +13612,8 @@
         </p:nvSpPr>
         <p:spPr>
           <a:xfrm>
-            <a:off x="10097135" y="3329305"/>
-            <a:ext cx="897890" cy="173355"/>
+            <a:off x="10333990" y="3328670"/>
+            <a:ext cx="706755" cy="173355"/>
           </a:xfrm>
           <a:prstGeom prst="rect">
             <a:avLst/>
@@ -13694,7 +13694,7 @@
         </p:nvSpPr>
         <p:spPr>
           <a:xfrm>
-            <a:off x="8712835" y="3915410"/>
+            <a:off x="9446895" y="3933190"/>
             <a:ext cx="1593850" cy="403860"/>
           </a:xfrm>
           <a:prstGeom prst="rect">
@@ -13943,7 +13943,7 @@
         </p:nvSpPr>
         <p:spPr>
           <a:xfrm>
-            <a:off x="9976485" y="687070"/>
+            <a:off x="10328275" y="719455"/>
             <a:ext cx="488315" cy="285750"/>
           </a:xfrm>
           <a:prstGeom prst="roundRect">
@@ -13993,7 +13993,7 @@
         </p:nvCxnSpPr>
         <p:spPr>
           <a:xfrm flipV="1">
-            <a:off x="10462895" y="810895"/>
+            <a:off x="10814685" y="843280"/>
             <a:ext cx="136525" cy="4445"/>
           </a:xfrm>
           <a:prstGeom prst="straightConnector1">
@@ -14030,7 +14030,7 @@
         </p:nvSpPr>
         <p:spPr>
           <a:xfrm>
-            <a:off x="9974580" y="2085340"/>
+            <a:off x="10326370" y="2117725"/>
             <a:ext cx="488315" cy="285750"/>
           </a:xfrm>
           <a:prstGeom prst="roundRect">
@@ -14080,7 +14080,7 @@
         </p:nvSpPr>
         <p:spPr>
           <a:xfrm>
-            <a:off x="9859645" y="3498850"/>
+            <a:off x="10333990" y="3502025"/>
             <a:ext cx="488315" cy="285750"/>
           </a:xfrm>
           <a:prstGeom prst="roundRect">
@@ -14130,7 +14130,7 @@
         </p:nvCxnSpPr>
         <p:spPr>
           <a:xfrm flipV="1">
-            <a:off x="10349865" y="3625215"/>
+            <a:off x="10824210" y="3628390"/>
             <a:ext cx="136525" cy="4445"/>
           </a:xfrm>
           <a:prstGeom prst="straightConnector1">
@@ -14167,7 +14167,7 @@
         </p:nvCxnSpPr>
         <p:spPr>
           <a:xfrm flipV="1">
-            <a:off x="10462895" y="2211705"/>
+            <a:off x="10814685" y="2244090"/>
             <a:ext cx="136525" cy="4445"/>
           </a:xfrm>
           <a:prstGeom prst="straightConnector1">
@@ -14204,7 +14204,7 @@
         </p:nvCxnSpPr>
         <p:spPr>
           <a:xfrm>
-            <a:off x="7972425" y="2216150"/>
+            <a:off x="8324215" y="2248535"/>
             <a:ext cx="306070" cy="1905"/>
           </a:xfrm>
           <a:prstGeom prst="straightConnector1">
@@ -14229,6 +14229,276 @@
           </a:fontRef>
         </p:style>
       </p:cxnSp>
+      <p:sp>
+        <p:nvSpPr>
+          <p:cNvPr id="10" name="圆角矩形 9"/>
+          <p:cNvSpPr/>
+          <p:nvPr>
+            <p:custDataLst>
+              <p:tags r:id="rId251"/>
+            </p:custDataLst>
+          </p:nvPr>
+        </p:nvSpPr>
+        <p:spPr>
+          <a:xfrm>
+            <a:off x="7630795" y="1878330"/>
+            <a:ext cx="494665" cy="285750"/>
+          </a:xfrm>
+          <a:prstGeom prst="roundRect">
+            <a:avLst/>
+          </a:prstGeom>
+          <a:solidFill>
+            <a:schemeClr val="accent5">
+              <a:lumMod val="60000"/>
+              <a:lumOff val="40000"/>
+            </a:schemeClr>
+          </a:solidFill>
+        </p:spPr>
+        <p:style>
+          <a:lnRef idx="2">
+            <a:schemeClr val="accent1">
+              <a:lumMod val="75000"/>
+            </a:schemeClr>
+          </a:lnRef>
+          <a:fillRef idx="1">
+            <a:schemeClr val="accent1"/>
+          </a:fillRef>
+          <a:effectRef idx="0">
+            <a:srgbClr val="FFFFFF"/>
+          </a:effectRef>
+          <a:fontRef idx="minor">
+            <a:schemeClr val="lt1"/>
+          </a:fontRef>
+        </p:style>
+        <p:txBody>
+          <a:bodyPr rtlCol="0" anchor="ctr"/>
+          <a:p>
+            <a:pPr algn="ctr"/>
+            <a:r>
+              <a:rPr lang="en-US" altLang="zh-CN" sz="1000"/>
+              <a:t>CBS</a:t>
+            </a:r>
+            <a:endParaRPr lang="en-US" altLang="zh-CN" sz="1000"/>
+          </a:p>
+        </p:txBody>
+      </p:sp>
+      <p:cxnSp>
+        <p:nvCxnSpPr>
+          <p:cNvPr id="46" name="直接箭头连接符 45"/>
+          <p:cNvCxnSpPr/>
+          <p:nvPr>
+            <p:custDataLst>
+              <p:tags r:id="rId252"/>
+            </p:custDataLst>
+          </p:nvPr>
+        </p:nvCxnSpPr>
+        <p:spPr>
+          <a:xfrm flipV="1">
+            <a:off x="8148955" y="596265"/>
+            <a:ext cx="233045" cy="8890"/>
+          </a:xfrm>
+          <a:prstGeom prst="straightConnector1">
+            <a:avLst/>
+          </a:prstGeom>
+          <a:ln w="19050">
+            <a:tailEnd type="arrow"/>
+          </a:ln>
+        </p:spPr>
+        <p:style>
+          <a:lnRef idx="2">
+            <a:schemeClr val="accent1"/>
+          </a:lnRef>
+          <a:fillRef idx="0">
+            <a:srgbClr val="FFFFFF"/>
+          </a:fillRef>
+          <a:effectRef idx="0">
+            <a:srgbClr val="FFFFFF"/>
+          </a:effectRef>
+          <a:fontRef idx="minor">
+            <a:schemeClr val="tx1"/>
+          </a:fontRef>
+        </p:style>
+      </p:cxnSp>
+      <p:cxnSp>
+        <p:nvCxnSpPr>
+          <p:cNvPr id="47" name="直接箭头连接符 46"/>
+          <p:cNvCxnSpPr/>
+          <p:nvPr>
+            <p:custDataLst>
+              <p:tags r:id="rId253"/>
+            </p:custDataLst>
+          </p:nvPr>
+        </p:nvCxnSpPr>
+        <p:spPr>
+          <a:xfrm flipV="1">
+            <a:off x="8125460" y="2021840"/>
+            <a:ext cx="210185" cy="4445"/>
+          </a:xfrm>
+          <a:prstGeom prst="straightConnector1">
+            <a:avLst/>
+          </a:prstGeom>
+          <a:ln w="19050">
+            <a:tailEnd type="arrow"/>
+          </a:ln>
+        </p:spPr>
+        <p:style>
+          <a:lnRef idx="2">
+            <a:schemeClr val="accent1"/>
+          </a:lnRef>
+          <a:fillRef idx="0">
+            <a:srgbClr val="FFFFFF"/>
+          </a:fillRef>
+          <a:effectRef idx="0">
+            <a:srgbClr val="FFFFFF"/>
+          </a:effectRef>
+          <a:fontRef idx="minor">
+            <a:schemeClr val="tx1"/>
+          </a:fontRef>
+        </p:style>
+      </p:cxnSp>
+      <p:cxnSp>
+        <p:nvCxnSpPr>
+          <p:cNvPr id="52" name="直接箭头连接符 51"/>
+          <p:cNvCxnSpPr/>
+          <p:nvPr>
+            <p:custDataLst>
+              <p:tags r:id="rId254"/>
+            </p:custDataLst>
+          </p:nvPr>
+        </p:nvCxnSpPr>
+        <p:spPr>
+          <a:xfrm>
+            <a:off x="8070215" y="3433445"/>
+            <a:ext cx="288925" cy="0"/>
+          </a:xfrm>
+          <a:prstGeom prst="straightConnector1">
+            <a:avLst/>
+          </a:prstGeom>
+          <a:ln w="19050">
+            <a:tailEnd type="arrow"/>
+          </a:ln>
+        </p:spPr>
+        <p:style>
+          <a:lnRef idx="2">
+            <a:schemeClr val="accent1"/>
+          </a:lnRef>
+          <a:fillRef idx="0">
+            <a:srgbClr val="FFFFFF"/>
+          </a:fillRef>
+          <a:effectRef idx="0">
+            <a:srgbClr val="FFFFFF"/>
+          </a:effectRef>
+          <a:fontRef idx="minor">
+            <a:schemeClr val="tx1"/>
+          </a:fontRef>
+        </p:style>
+      </p:cxnSp>
+      <p:sp>
+        <p:nvSpPr>
+          <p:cNvPr id="53" name="圆角矩形 52"/>
+          <p:cNvSpPr/>
+          <p:nvPr>
+            <p:custDataLst>
+              <p:tags r:id="rId255"/>
+            </p:custDataLst>
+          </p:nvPr>
+        </p:nvSpPr>
+        <p:spPr>
+          <a:xfrm>
+            <a:off x="7600315" y="3275965"/>
+            <a:ext cx="494665" cy="285750"/>
+          </a:xfrm>
+          <a:prstGeom prst="roundRect">
+            <a:avLst/>
+          </a:prstGeom>
+          <a:solidFill>
+            <a:schemeClr val="accent5">
+              <a:lumMod val="60000"/>
+              <a:lumOff val="40000"/>
+            </a:schemeClr>
+          </a:solidFill>
+        </p:spPr>
+        <p:style>
+          <a:lnRef idx="2">
+            <a:schemeClr val="accent1">
+              <a:lumMod val="75000"/>
+            </a:schemeClr>
+          </a:lnRef>
+          <a:fillRef idx="1">
+            <a:schemeClr val="accent1"/>
+          </a:fillRef>
+          <a:effectRef idx="0">
+            <a:srgbClr val="FFFFFF"/>
+          </a:effectRef>
+          <a:fontRef idx="minor">
+            <a:schemeClr val="lt1"/>
+          </a:fontRef>
+        </p:style>
+        <p:txBody>
+          <a:bodyPr rtlCol="0" anchor="ctr"/>
+          <a:p>
+            <a:pPr algn="ctr"/>
+            <a:r>
+              <a:rPr lang="en-US" altLang="zh-CN" sz="1000"/>
+              <a:t>CBS</a:t>
+            </a:r>
+            <a:endParaRPr lang="en-US" altLang="zh-CN" sz="1000"/>
+          </a:p>
+        </p:txBody>
+      </p:sp>
+      <p:sp>
+        <p:nvSpPr>
+          <p:cNvPr id="59" name="圆角矩形 58"/>
+          <p:cNvSpPr/>
+          <p:nvPr>
+            <p:custDataLst>
+              <p:tags r:id="rId256"/>
+            </p:custDataLst>
+          </p:nvPr>
+        </p:nvSpPr>
+        <p:spPr>
+          <a:xfrm>
+            <a:off x="7673975" y="457835"/>
+            <a:ext cx="494665" cy="285750"/>
+          </a:xfrm>
+          <a:prstGeom prst="roundRect">
+            <a:avLst/>
+          </a:prstGeom>
+          <a:solidFill>
+            <a:schemeClr val="accent5">
+              <a:lumMod val="60000"/>
+              <a:lumOff val="40000"/>
+            </a:schemeClr>
+          </a:solidFill>
+        </p:spPr>
+        <p:style>
+          <a:lnRef idx="2">
+            <a:schemeClr val="accent1">
+              <a:lumMod val="75000"/>
+            </a:schemeClr>
+          </a:lnRef>
+          <a:fillRef idx="1">
+            <a:schemeClr val="accent1"/>
+          </a:fillRef>
+          <a:effectRef idx="0">
+            <a:srgbClr val="FFFFFF"/>
+          </a:effectRef>
+          <a:fontRef idx="minor">
+            <a:schemeClr val="lt1"/>
+          </a:fontRef>
+        </p:style>
+        <p:txBody>
+          <a:bodyPr rtlCol="0" anchor="ctr"/>
+          <a:p>
+            <a:pPr algn="ctr"/>
+            <a:r>
+              <a:rPr lang="en-US" altLang="zh-CN" sz="1000"/>
+              <a:t>CBS</a:t>
+            </a:r>
+            <a:endParaRPr lang="en-US" altLang="zh-CN" sz="1000"/>
+          </a:p>
+        </p:txBody>
+      </p:sp>
     </p:spTree>
   </p:cSld>
   <p:clrMapOvr>
@@ -15270,6 +15540,42 @@
 </file>
 
 <file path=ppt/tags/tag251.xml><?xml version="1.0" encoding="utf-8"?>
+<p:tagLst xmlns:p="http://schemas.openxmlformats.org/presentationml/2006/main">
+  <p:tag name="KSO_WM_BEAUTIFY_FLAG" val=""/>
+</p:tagLst>
+</file>
+
+<file path=ppt/tags/tag252.xml><?xml version="1.0" encoding="utf-8"?>
+<p:tagLst xmlns:p="http://schemas.openxmlformats.org/presentationml/2006/main">
+  <p:tag name="KSO_WM_BEAUTIFY_FLAG" val=""/>
+</p:tagLst>
+</file>
+
+<file path=ppt/tags/tag253.xml><?xml version="1.0" encoding="utf-8"?>
+<p:tagLst xmlns:p="http://schemas.openxmlformats.org/presentationml/2006/main">
+  <p:tag name="KSO_WM_BEAUTIFY_FLAG" val=""/>
+</p:tagLst>
+</file>
+
+<file path=ppt/tags/tag254.xml><?xml version="1.0" encoding="utf-8"?>
+<p:tagLst xmlns:p="http://schemas.openxmlformats.org/presentationml/2006/main">
+  <p:tag name="KSO_WM_BEAUTIFY_FLAG" val=""/>
+</p:tagLst>
+</file>
+
+<file path=ppt/tags/tag255.xml><?xml version="1.0" encoding="utf-8"?>
+<p:tagLst xmlns:p="http://schemas.openxmlformats.org/presentationml/2006/main">
+  <p:tag name="KSO_WM_BEAUTIFY_FLAG" val=""/>
+</p:tagLst>
+</file>
+
+<file path=ppt/tags/tag256.xml><?xml version="1.0" encoding="utf-8"?>
+<p:tagLst xmlns:p="http://schemas.openxmlformats.org/presentationml/2006/main">
+  <p:tag name="KSO_WM_BEAUTIFY_FLAG" val=""/>
+</p:tagLst>
+</file>
+
+<file path=ppt/tags/tag257.xml><?xml version="1.0" encoding="utf-8"?>
 <p:tagLst xmlns:p="http://schemas.openxmlformats.org/presentationml/2006/main">
   <p:tag name="COMMONDATA" val="eyJoZGlkIjoiNjg3Y2I0ZmFjNDU1ZjAyMDNmOGMyYTk4M2Y4N2VmM2QifQ=="/>
 </p:tagLst>

--- a/100_yolo/architecture/rt_x_det.pptx
+++ b/100_yolo/architecture/rt_x_det.pptx
@@ -3498,67 +3498,17 @@
       </p:sp>
       <p:sp>
         <p:nvSpPr>
-          <p:cNvPr id="19" name="圆角矩形 18"/>
-          <p:cNvSpPr/>
-          <p:nvPr>
-            <p:custDataLst>
-              <p:tags r:id="rId4"/>
-            </p:custDataLst>
-          </p:nvPr>
-        </p:nvSpPr>
-        <p:spPr>
-          <a:xfrm>
-            <a:off x="7993380" y="4625340"/>
-            <a:ext cx="881380" cy="285750"/>
-          </a:xfrm>
-          <a:prstGeom prst="roundRect">
-            <a:avLst/>
-          </a:prstGeom>
-          <a:solidFill>
-            <a:schemeClr val="accent6"/>
-          </a:solidFill>
-        </p:spPr>
-        <p:style>
-          <a:lnRef idx="2">
-            <a:schemeClr val="accent1">
-              <a:lumMod val="75000"/>
-            </a:schemeClr>
-          </a:lnRef>
-          <a:fillRef idx="1">
-            <a:schemeClr val="accent1"/>
-          </a:fillRef>
-          <a:effectRef idx="0">
-            <a:srgbClr val="FFFFFF"/>
-          </a:effectRef>
-          <a:fontRef idx="minor">
-            <a:schemeClr val="lt1"/>
-          </a:fontRef>
-        </p:style>
-        <p:txBody>
-          <a:bodyPr rtlCol="0" anchor="ctr"/>
-          <a:p>
-            <a:pPr algn="ctr"/>
-            <a:r>
-              <a:rPr lang="en-US" altLang="zh-CN" sz="1000"/>
-              <a:t>Maxpolling</a:t>
-            </a:r>
-            <a:endParaRPr lang="en-US" altLang="zh-CN" sz="1000"/>
-          </a:p>
-        </p:txBody>
-      </p:sp>
-      <p:sp>
-        <p:nvSpPr>
           <p:cNvPr id="20" name="圆角矩形 19"/>
           <p:cNvSpPr/>
           <p:nvPr>
             <p:custDataLst>
-              <p:tags r:id="rId5"/>
-            </p:custDataLst>
-          </p:nvPr>
-        </p:nvSpPr>
-        <p:spPr>
-          <a:xfrm>
-            <a:off x="8874760" y="4625340"/>
+              <p:tags r:id="rId4"/>
+            </p:custDataLst>
+          </p:nvPr>
+        </p:nvSpPr>
+        <p:spPr>
+          <a:xfrm>
+            <a:off x="9105265" y="4625340"/>
             <a:ext cx="494665" cy="285750"/>
           </a:xfrm>
           <a:prstGeom prst="roundRect">
@@ -3605,7 +3555,7 @@
           <p:cNvSpPr/>
           <p:nvPr>
             <p:custDataLst>
-              <p:tags r:id="rId6"/>
+              <p:tags r:id="rId5"/>
             </p:custDataLst>
           </p:nvPr>
         </p:nvSpPr>
@@ -3657,7 +3607,7 @@
           <p:cNvSpPr/>
           <p:nvPr>
             <p:custDataLst>
-              <p:tags r:id="rId7"/>
+              <p:tags r:id="rId6"/>
             </p:custDataLst>
           </p:nvPr>
         </p:nvSpPr>
@@ -3761,8 +3711,8 @@
         </p:nvCxnSpPr>
         <p:spPr>
           <a:xfrm flipV="1">
-            <a:off x="7800340" y="4756785"/>
-            <a:ext cx="193040" cy="2540"/>
+            <a:off x="7806690" y="4750435"/>
+            <a:ext cx="288290" cy="1270"/>
           </a:xfrm>
           <a:prstGeom prst="straightConnector1">
             <a:avLst/>
@@ -3792,7 +3742,7 @@
           <p:cNvCxnSpPr/>
           <p:nvPr>
             <p:custDataLst>
-              <p:tags r:id="rId8"/>
+              <p:tags r:id="rId7"/>
             </p:custDataLst>
           </p:nvPr>
         </p:nvCxnSpPr>
@@ -3829,7 +3779,7 @@
           <p:cNvCxnSpPr/>
           <p:nvPr>
             <p:custDataLst>
-              <p:tags r:id="rId9"/>
+              <p:tags r:id="rId8"/>
             </p:custDataLst>
           </p:nvPr>
         </p:nvCxnSpPr>
@@ -3866,14 +3816,14 @@
           <p:cNvCxnSpPr/>
           <p:nvPr>
             <p:custDataLst>
-              <p:tags r:id="rId10"/>
+              <p:tags r:id="rId9"/>
             </p:custDataLst>
           </p:nvPr>
         </p:nvCxnSpPr>
         <p:spPr>
           <a:xfrm flipV="1">
-            <a:off x="9369425" y="4755515"/>
-            <a:ext cx="617855" cy="6985"/>
+            <a:off x="9599930" y="4759960"/>
+            <a:ext cx="389890" cy="1905"/>
           </a:xfrm>
           <a:prstGeom prst="straightConnector1">
             <a:avLst/>
@@ -3903,7 +3853,7 @@
           <p:cNvCxnSpPr/>
           <p:nvPr>
             <p:custDataLst>
-              <p:tags r:id="rId11"/>
+              <p:tags r:id="rId10"/>
             </p:custDataLst>
           </p:nvPr>
         </p:nvCxnSpPr>
@@ -3940,7 +3890,7 @@
           <p:cNvCxnSpPr/>
           <p:nvPr>
             <p:custDataLst>
-              <p:tags r:id="rId12"/>
+              <p:tags r:id="rId11"/>
             </p:custDataLst>
           </p:nvPr>
         </p:nvCxnSpPr>
@@ -3977,7 +3927,7 @@
           <p:cNvCxnSpPr/>
           <p:nvPr>
             <p:custDataLst>
-              <p:tags r:id="rId13"/>
+              <p:tags r:id="rId12"/>
             </p:custDataLst>
           </p:nvPr>
         </p:nvCxnSpPr>
@@ -4014,7 +3964,7 @@
           <p:cNvCxnSpPr/>
           <p:nvPr>
             <p:custDataLst>
-              <p:tags r:id="rId14"/>
+              <p:tags r:id="rId13"/>
             </p:custDataLst>
           </p:nvPr>
         </p:nvCxnSpPr>
@@ -4051,7 +4001,7 @@
           <p:cNvSpPr/>
           <p:nvPr>
             <p:custDataLst>
-              <p:tags r:id="rId15"/>
+              <p:tags r:id="rId14"/>
             </p:custDataLst>
           </p:nvPr>
         </p:nvSpPr>
@@ -4103,7 +4053,7 @@
           <p:cNvSpPr/>
           <p:nvPr>
             <p:custDataLst>
-              <p:tags r:id="rId16"/>
+              <p:tags r:id="rId15"/>
             </p:custDataLst>
           </p:nvPr>
         </p:nvSpPr>
@@ -4155,7 +4105,7 @@
           <p:cNvSpPr/>
           <p:nvPr>
             <p:custDataLst>
-              <p:tags r:id="rId17"/>
+              <p:tags r:id="rId16"/>
             </p:custDataLst>
           </p:nvPr>
         </p:nvSpPr>
@@ -4205,7 +4155,7 @@
           <p:cNvSpPr/>
           <p:nvPr>
             <p:custDataLst>
-              <p:tags r:id="rId18"/>
+              <p:tags r:id="rId17"/>
             </p:custDataLst>
           </p:nvPr>
         </p:nvSpPr>
@@ -4258,7 +4208,7 @@
           <p:cNvSpPr/>
           <p:nvPr>
             <p:custDataLst>
-              <p:tags r:id="rId19"/>
+              <p:tags r:id="rId18"/>
             </p:custDataLst>
           </p:nvPr>
         </p:nvSpPr>
@@ -4310,7 +4260,7 @@
           <p:cNvSpPr/>
           <p:nvPr>
             <p:custDataLst>
-              <p:tags r:id="rId20"/>
+              <p:tags r:id="rId19"/>
             </p:custDataLst>
           </p:nvPr>
         </p:nvSpPr>
@@ -4393,7 +4343,7 @@
         </p:nvSpPr>
         <p:spPr>
           <a:xfrm>
-            <a:off x="8094980" y="4848860"/>
+            <a:off x="8234680" y="4837430"/>
             <a:ext cx="779780" cy="213995"/>
           </a:xfrm>
           <a:prstGeom prst="rect">
@@ -4420,7 +4370,7 @@
           <p:cNvCxnSpPr/>
           <p:nvPr>
             <p:custDataLst>
-              <p:tags r:id="rId21"/>
+              <p:tags r:id="rId20"/>
             </p:custDataLst>
           </p:nvPr>
         </p:nvCxnSpPr>
@@ -4457,7 +4407,7 @@
           <p:cNvCxnSpPr/>
           <p:nvPr>
             <p:custDataLst>
-              <p:tags r:id="rId22"/>
+              <p:tags r:id="rId21"/>
             </p:custDataLst>
           </p:nvPr>
         </p:nvCxnSpPr>
@@ -4494,7 +4444,7 @@
           <p:cNvSpPr/>
           <p:nvPr>
             <p:custDataLst>
-              <p:tags r:id="rId23"/>
+              <p:tags r:id="rId22"/>
             </p:custDataLst>
           </p:nvPr>
         </p:nvSpPr>
@@ -4573,7 +4523,7 @@
           <p:cNvSpPr/>
           <p:nvPr>
             <p:custDataLst>
-              <p:tags r:id="rId24"/>
+              <p:tags r:id="rId23"/>
             </p:custDataLst>
           </p:nvPr>
         </p:nvSpPr>
@@ -4626,7 +4576,7 @@
           <p:cNvSpPr/>
           <p:nvPr>
             <p:custDataLst>
-              <p:tags r:id="rId25"/>
+              <p:tags r:id="rId24"/>
             </p:custDataLst>
           </p:nvPr>
         </p:nvSpPr>
@@ -4679,7 +4629,7 @@
           <p:cNvSpPr/>
           <p:nvPr>
             <p:custDataLst>
-              <p:tags r:id="rId26"/>
+              <p:tags r:id="rId25"/>
             </p:custDataLst>
           </p:nvPr>
         </p:nvSpPr>
@@ -4732,13 +4682,13 @@
           <p:cNvSpPr/>
           <p:nvPr>
             <p:custDataLst>
-              <p:tags r:id="rId27"/>
-            </p:custDataLst>
-          </p:nvPr>
-        </p:nvSpPr>
-        <p:spPr>
-          <a:xfrm>
-            <a:off x="4221480" y="3844290"/>
+              <p:tags r:id="rId26"/>
+            </p:custDataLst>
+          </p:nvPr>
+        </p:nvSpPr>
+        <p:spPr>
+          <a:xfrm>
+            <a:off x="4221480" y="3847465"/>
             <a:ext cx="494665" cy="285750"/>
           </a:xfrm>
           <a:prstGeom prst="roundRect">
@@ -4785,7 +4735,7 @@
           <p:cNvSpPr/>
           <p:nvPr>
             <p:custDataLst>
-              <p:tags r:id="rId28"/>
+              <p:tags r:id="rId27"/>
             </p:custDataLst>
           </p:nvPr>
         </p:nvSpPr>
@@ -4838,7 +4788,7 @@
           <p:cNvSpPr/>
           <p:nvPr>
             <p:custDataLst>
-              <p:tags r:id="rId29"/>
+              <p:tags r:id="rId28"/>
             </p:custDataLst>
           </p:nvPr>
         </p:nvSpPr>
@@ -4890,7 +4840,7 @@
           <p:cNvCxnSpPr/>
           <p:nvPr>
             <p:custDataLst>
-              <p:tags r:id="rId30"/>
+              <p:tags r:id="rId29"/>
             </p:custDataLst>
           </p:nvPr>
         </p:nvCxnSpPr>
@@ -4927,7 +4877,7 @@
           <p:cNvCxnSpPr/>
           <p:nvPr>
             <p:custDataLst>
-              <p:tags r:id="rId31"/>
+              <p:tags r:id="rId30"/>
             </p:custDataLst>
           </p:nvPr>
         </p:nvCxnSpPr>
@@ -4964,7 +4914,7 @@
           <p:cNvCxnSpPr/>
           <p:nvPr>
             <p:custDataLst>
-              <p:tags r:id="rId32"/>
+              <p:tags r:id="rId31"/>
             </p:custDataLst>
           </p:nvPr>
         </p:nvCxnSpPr>
@@ -5001,14 +4951,14 @@
           <p:cNvCxnSpPr/>
           <p:nvPr>
             <p:custDataLst>
-              <p:tags r:id="rId33"/>
+              <p:tags r:id="rId32"/>
             </p:custDataLst>
           </p:nvPr>
         </p:nvCxnSpPr>
         <p:spPr>
           <a:xfrm flipH="1">
-            <a:off x="3701415" y="3350895"/>
-            <a:ext cx="6350" cy="550545"/>
+            <a:off x="3701415" y="3354070"/>
+            <a:ext cx="5080" cy="499745"/>
           </a:xfrm>
           <a:prstGeom prst="straightConnector1">
             <a:avLst/>
@@ -5038,7 +4988,7 @@
           <p:cNvCxnSpPr/>
           <p:nvPr>
             <p:custDataLst>
-              <p:tags r:id="rId34"/>
+              <p:tags r:id="rId33"/>
             </p:custDataLst>
           </p:nvPr>
         </p:nvCxnSpPr>
@@ -5075,7 +5025,7 @@
           <p:cNvCxnSpPr/>
           <p:nvPr>
             <p:custDataLst>
-              <p:tags r:id="rId35"/>
+              <p:tags r:id="rId34"/>
             </p:custDataLst>
           </p:nvPr>
         </p:nvCxnSpPr>
@@ -5112,7 +5062,7 @@
           <p:cNvCxnSpPr/>
           <p:nvPr>
             <p:custDataLst>
-              <p:tags r:id="rId36"/>
+              <p:tags r:id="rId35"/>
             </p:custDataLst>
           </p:nvPr>
         </p:nvCxnSpPr>
@@ -5149,7 +5099,7 @@
           <p:cNvCxnSpPr/>
           <p:nvPr>
             <p:custDataLst>
-              <p:tags r:id="rId37"/>
+              <p:tags r:id="rId36"/>
             </p:custDataLst>
           </p:nvPr>
         </p:nvCxnSpPr>
@@ -5186,7 +5136,7 @@
           <p:cNvCxnSpPr/>
           <p:nvPr>
             <p:custDataLst>
-              <p:tags r:id="rId38"/>
+              <p:tags r:id="rId37"/>
             </p:custDataLst>
           </p:nvPr>
         </p:nvCxnSpPr>
@@ -5223,13 +5173,13 @@
           <p:cNvCxnSpPr/>
           <p:nvPr>
             <p:custDataLst>
-              <p:tags r:id="rId39"/>
+              <p:tags r:id="rId38"/>
             </p:custDataLst>
           </p:nvPr>
         </p:nvCxnSpPr>
         <p:spPr>
           <a:xfrm flipV="1">
-            <a:off x="3972560" y="3970020"/>
+            <a:off x="3972560" y="3987165"/>
             <a:ext cx="248920" cy="5715"/>
           </a:xfrm>
           <a:prstGeom prst="straightConnector1">
@@ -5260,7 +5210,7 @@
           <p:cNvSpPr/>
           <p:nvPr>
             <p:custDataLst>
-              <p:tags r:id="rId40"/>
+              <p:tags r:id="rId39"/>
             </p:custDataLst>
           </p:nvPr>
         </p:nvSpPr>
@@ -5313,7 +5263,7 @@
           <p:cNvSpPr/>
           <p:nvPr>
             <p:custDataLst>
-              <p:tags r:id="rId41"/>
+              <p:tags r:id="rId40"/>
             </p:custDataLst>
           </p:nvPr>
         </p:nvSpPr>
@@ -5366,14 +5316,14 @@
           <p:cNvSpPr/>
           <p:nvPr>
             <p:custDataLst>
-              <p:tags r:id="rId42"/>
+              <p:tags r:id="rId41"/>
             </p:custDataLst>
           </p:nvPr>
         </p:nvSpPr>
         <p:spPr>
           <a:xfrm>
             <a:off x="1936750" y="4744085"/>
-            <a:ext cx="494030" cy="285750"/>
+            <a:ext cx="1046480" cy="285750"/>
           </a:xfrm>
           <a:prstGeom prst="roundRect">
             <a:avLst/>
@@ -5404,7 +5354,7 @@
             <a:pPr algn="ctr"/>
             <a:r>
               <a:rPr lang="en-US" altLang="zh-CN" sz="1000"/>
-              <a:t>MP</a:t>
+              <a:t>MP(MaxPooling)</a:t>
             </a:r>
             <a:endParaRPr lang="en-US" altLang="zh-CN" sz="1000"/>
           </a:p>
@@ -5416,7 +5366,7 @@
           <p:cNvSpPr/>
           <p:nvPr>
             <p:custDataLst>
-              <p:tags r:id="rId43"/>
+              <p:tags r:id="rId42"/>
             </p:custDataLst>
           </p:nvPr>
         </p:nvSpPr>
@@ -5466,7 +5416,7 @@
           <p:cNvSpPr/>
           <p:nvPr>
             <p:custDataLst>
-              <p:tags r:id="rId44"/>
+              <p:tags r:id="rId43"/>
             </p:custDataLst>
           </p:nvPr>
         </p:nvSpPr>
@@ -5516,7 +5466,7 @@
           <p:cNvSpPr/>
           <p:nvPr>
             <p:custDataLst>
-              <p:tags r:id="rId45"/>
+              <p:tags r:id="rId44"/>
             </p:custDataLst>
           </p:nvPr>
         </p:nvSpPr>
@@ -5569,7 +5519,7 @@
           <p:cNvSpPr/>
           <p:nvPr>
             <p:custDataLst>
-              <p:tags r:id="rId46"/>
+              <p:tags r:id="rId45"/>
             </p:custDataLst>
           </p:nvPr>
         </p:nvSpPr>
@@ -5621,7 +5571,7 @@
           <p:cNvCxnSpPr/>
           <p:nvPr>
             <p:custDataLst>
-              <p:tags r:id="rId47"/>
+              <p:tags r:id="rId46"/>
             </p:custDataLst>
           </p:nvPr>
         </p:nvCxnSpPr>
@@ -5658,14 +5608,14 @@
           <p:cNvCxnSpPr/>
           <p:nvPr>
             <p:custDataLst>
-              <p:tags r:id="rId48"/>
+              <p:tags r:id="rId47"/>
             </p:custDataLst>
           </p:nvPr>
         </p:nvCxnSpPr>
         <p:spPr>
-          <a:xfrm>
-            <a:off x="2430780" y="4875530"/>
-            <a:ext cx="1132205" cy="10160"/>
+          <a:xfrm flipV="1">
+            <a:off x="2983230" y="4883150"/>
+            <a:ext cx="579755" cy="3810"/>
           </a:xfrm>
           <a:prstGeom prst="straightConnector1">
             <a:avLst/>
@@ -5695,7 +5645,7 @@
           <p:cNvCxnSpPr/>
           <p:nvPr>
             <p:custDataLst>
-              <p:tags r:id="rId49"/>
+              <p:tags r:id="rId48"/>
             </p:custDataLst>
           </p:nvPr>
         </p:nvCxnSpPr>
@@ -5732,7 +5682,7 @@
           <p:cNvCxnSpPr/>
           <p:nvPr>
             <p:custDataLst>
-              <p:tags r:id="rId50"/>
+              <p:tags r:id="rId49"/>
             </p:custDataLst>
           </p:nvPr>
         </p:nvCxnSpPr>
@@ -5769,7 +5719,7 @@
           <p:cNvCxnSpPr/>
           <p:nvPr>
             <p:custDataLst>
-              <p:tags r:id="rId51"/>
+              <p:tags r:id="rId50"/>
             </p:custDataLst>
           </p:nvPr>
         </p:nvCxnSpPr>
@@ -5806,7 +5756,7 @@
           <p:cNvCxnSpPr/>
           <p:nvPr>
             <p:custDataLst>
-              <p:tags r:id="rId52"/>
+              <p:tags r:id="rId51"/>
             </p:custDataLst>
           </p:nvPr>
         </p:nvCxnSpPr>
@@ -5843,7 +5793,7 @@
           <p:cNvCxnSpPr/>
           <p:nvPr>
             <p:custDataLst>
-              <p:tags r:id="rId53"/>
+              <p:tags r:id="rId52"/>
             </p:custDataLst>
           </p:nvPr>
         </p:nvCxnSpPr>
@@ -5880,7 +5830,7 @@
           <p:cNvCxnSpPr/>
           <p:nvPr>
             <p:custDataLst>
-              <p:tags r:id="rId54"/>
+              <p:tags r:id="rId53"/>
             </p:custDataLst>
           </p:nvPr>
         </p:nvCxnSpPr>
@@ -5917,7 +5867,7 @@
           <p:cNvCxnSpPr/>
           <p:nvPr>
             <p:custDataLst>
-              <p:tags r:id="rId55"/>
+              <p:tags r:id="rId54"/>
             </p:custDataLst>
           </p:nvPr>
         </p:nvCxnSpPr>
@@ -5954,7 +5904,7 @@
           <p:cNvCxnSpPr/>
           <p:nvPr>
             <p:custDataLst>
-              <p:tags r:id="rId56"/>
+              <p:tags r:id="rId55"/>
             </p:custDataLst>
           </p:nvPr>
         </p:nvCxnSpPr>
@@ -5991,7 +5941,7 @@
           <p:cNvCxnSpPr/>
           <p:nvPr>
             <p:custDataLst>
-              <p:tags r:id="rId57"/>
+              <p:tags r:id="rId56"/>
             </p:custDataLst>
           </p:nvPr>
         </p:nvCxnSpPr>
@@ -6028,7 +5978,7 @@
           <p:cNvCxnSpPr/>
           <p:nvPr>
             <p:custDataLst>
-              <p:tags r:id="rId58"/>
+              <p:tags r:id="rId57"/>
             </p:custDataLst>
           </p:nvPr>
         </p:nvCxnSpPr>
@@ -6065,7 +6015,7 @@
           <p:cNvCxnSpPr/>
           <p:nvPr>
             <p:custDataLst>
-              <p:tags r:id="rId59"/>
+              <p:tags r:id="rId58"/>
             </p:custDataLst>
           </p:nvPr>
         </p:nvCxnSpPr>
@@ -6102,7 +6052,7 @@
           <p:cNvCxnSpPr/>
           <p:nvPr>
             <p:custDataLst>
-              <p:tags r:id="rId60"/>
+              <p:tags r:id="rId59"/>
             </p:custDataLst>
           </p:nvPr>
         </p:nvCxnSpPr>
@@ -6139,7 +6089,7 @@
           <p:cNvCxnSpPr/>
           <p:nvPr>
             <p:custDataLst>
-              <p:tags r:id="rId61"/>
+              <p:tags r:id="rId60"/>
             </p:custDataLst>
           </p:nvPr>
         </p:nvCxnSpPr>
@@ -6176,7 +6126,7 @@
           <p:cNvCxnSpPr/>
           <p:nvPr>
             <p:custDataLst>
-              <p:tags r:id="rId62"/>
+              <p:tags r:id="rId61"/>
             </p:custDataLst>
           </p:nvPr>
         </p:nvCxnSpPr>
@@ -6213,7 +6163,7 @@
           <p:cNvSpPr txBox="1"/>
           <p:nvPr>
             <p:custDataLst>
-              <p:tags r:id="rId63"/>
+              <p:tags r:id="rId62"/>
             </p:custDataLst>
           </p:nvPr>
         </p:nvSpPr>
@@ -6246,7 +6196,7 @@
           <p:cNvCxnSpPr/>
           <p:nvPr>
             <p:custDataLst>
-              <p:tags r:id="rId64"/>
+              <p:tags r:id="rId63"/>
             </p:custDataLst>
           </p:nvPr>
         </p:nvCxnSpPr>
@@ -6283,7 +6233,7 @@
           <p:cNvSpPr txBox="1"/>
           <p:nvPr>
             <p:custDataLst>
-              <p:tags r:id="rId65"/>
+              <p:tags r:id="rId64"/>
             </p:custDataLst>
           </p:nvPr>
         </p:nvSpPr>
@@ -6318,7 +6268,7 @@
           </p:cNvCxnSpPr>
           <p:nvPr>
             <p:custDataLst>
-              <p:tags r:id="rId66"/>
+              <p:tags r:id="rId65"/>
             </p:custDataLst>
           </p:nvPr>
         </p:nvCxnSpPr>
@@ -6355,7 +6305,7 @@
           <p:cNvCxnSpPr/>
           <p:nvPr>
             <p:custDataLst>
-              <p:tags r:id="rId67"/>
+              <p:tags r:id="rId66"/>
             </p:custDataLst>
           </p:nvPr>
         </p:nvCxnSpPr>
@@ -6392,7 +6342,7 @@
           <p:cNvSpPr/>
           <p:nvPr>
             <p:custDataLst>
-              <p:tags r:id="rId68"/>
+              <p:tags r:id="rId67"/>
             </p:custDataLst>
           </p:nvPr>
         </p:nvSpPr>
@@ -6445,7 +6395,7 @@
           <p:cNvSpPr/>
           <p:nvPr>
             <p:custDataLst>
-              <p:tags r:id="rId69"/>
+              <p:tags r:id="rId68"/>
             </p:custDataLst>
           </p:nvPr>
         </p:nvSpPr>
@@ -6498,7 +6448,7 @@
           <p:cNvSpPr/>
           <p:nvPr>
             <p:custDataLst>
-              <p:tags r:id="rId70"/>
+              <p:tags r:id="rId69"/>
             </p:custDataLst>
           </p:nvPr>
         </p:nvSpPr>
@@ -6550,7 +6500,7 @@
           <p:cNvSpPr/>
           <p:nvPr>
             <p:custDataLst>
-              <p:tags r:id="rId71"/>
+              <p:tags r:id="rId70"/>
             </p:custDataLst>
           </p:nvPr>
         </p:nvSpPr>
@@ -6602,7 +6552,7 @@
           <p:cNvSpPr/>
           <p:nvPr>
             <p:custDataLst>
-              <p:tags r:id="rId72"/>
+              <p:tags r:id="rId71"/>
             </p:custDataLst>
           </p:nvPr>
         </p:nvSpPr>
@@ -6655,7 +6605,7 @@
           <p:cNvSpPr/>
           <p:nvPr>
             <p:custDataLst>
-              <p:tags r:id="rId73"/>
+              <p:tags r:id="rId72"/>
             </p:custDataLst>
           </p:nvPr>
         </p:nvSpPr>
@@ -6707,7 +6657,7 @@
           <p:cNvCxnSpPr/>
           <p:nvPr>
             <p:custDataLst>
-              <p:tags r:id="rId74"/>
+              <p:tags r:id="rId73"/>
             </p:custDataLst>
           </p:nvPr>
         </p:nvCxnSpPr>
@@ -6744,7 +6694,7 @@
           <p:cNvCxnSpPr/>
           <p:nvPr>
             <p:custDataLst>
-              <p:tags r:id="rId75"/>
+              <p:tags r:id="rId74"/>
             </p:custDataLst>
           </p:nvPr>
         </p:nvCxnSpPr>
@@ -6781,7 +6731,7 @@
           <p:cNvCxnSpPr/>
           <p:nvPr>
             <p:custDataLst>
-              <p:tags r:id="rId76"/>
+              <p:tags r:id="rId75"/>
             </p:custDataLst>
           </p:nvPr>
         </p:nvCxnSpPr>
@@ -6818,7 +6768,7 @@
           <p:cNvCxnSpPr/>
           <p:nvPr>
             <p:custDataLst>
-              <p:tags r:id="rId77"/>
+              <p:tags r:id="rId76"/>
             </p:custDataLst>
           </p:nvPr>
         </p:nvCxnSpPr>
@@ -6855,7 +6805,7 @@
           <p:cNvCxnSpPr/>
           <p:nvPr>
             <p:custDataLst>
-              <p:tags r:id="rId78"/>
+              <p:tags r:id="rId77"/>
             </p:custDataLst>
           </p:nvPr>
         </p:nvCxnSpPr>
@@ -6892,7 +6842,7 @@
           <p:cNvCxnSpPr/>
           <p:nvPr>
             <p:custDataLst>
-              <p:tags r:id="rId79"/>
+              <p:tags r:id="rId78"/>
             </p:custDataLst>
           </p:nvPr>
         </p:nvCxnSpPr>
@@ -6929,7 +6879,7 @@
           <p:cNvSpPr/>
           <p:nvPr>
             <p:custDataLst>
-              <p:tags r:id="rId80"/>
+              <p:tags r:id="rId79"/>
             </p:custDataLst>
           </p:nvPr>
         </p:nvSpPr>
@@ -6979,7 +6929,7 @@
           <p:cNvSpPr txBox="1"/>
           <p:nvPr>
             <p:custDataLst>
-              <p:tags r:id="rId81"/>
+              <p:tags r:id="rId80"/>
             </p:custDataLst>
           </p:nvPr>
         </p:nvSpPr>
@@ -7012,7 +6962,7 @@
           <p:cNvCxnSpPr/>
           <p:nvPr>
             <p:custDataLst>
-              <p:tags r:id="rId82"/>
+              <p:tags r:id="rId81"/>
             </p:custDataLst>
           </p:nvPr>
         </p:nvCxnSpPr>
@@ -7049,7 +6999,7 @@
           <p:cNvSpPr/>
           <p:nvPr>
             <p:custDataLst>
-              <p:tags r:id="rId83"/>
+              <p:tags r:id="rId82"/>
             </p:custDataLst>
           </p:nvPr>
         </p:nvSpPr>
@@ -7102,7 +7052,7 @@
           <p:cNvCxnSpPr/>
           <p:nvPr>
             <p:custDataLst>
-              <p:tags r:id="rId84"/>
+              <p:tags r:id="rId83"/>
             </p:custDataLst>
           </p:nvPr>
         </p:nvCxnSpPr>
@@ -7139,7 +7089,7 @@
           <p:cNvCxnSpPr/>
           <p:nvPr>
             <p:custDataLst>
-              <p:tags r:id="rId85"/>
+              <p:tags r:id="rId84"/>
             </p:custDataLst>
           </p:nvPr>
         </p:nvCxnSpPr>
@@ -7176,7 +7126,7 @@
           <p:cNvCxnSpPr/>
           <p:nvPr>
             <p:custDataLst>
-              <p:tags r:id="rId86"/>
+              <p:tags r:id="rId85"/>
             </p:custDataLst>
           </p:nvPr>
         </p:nvCxnSpPr>
@@ -7213,7 +7163,7 @@
           <p:cNvCxnSpPr/>
           <p:nvPr>
             <p:custDataLst>
-              <p:tags r:id="rId87"/>
+              <p:tags r:id="rId86"/>
             </p:custDataLst>
           </p:nvPr>
         </p:nvCxnSpPr>
@@ -7250,7 +7200,7 @@
           <p:cNvSpPr txBox="1"/>
           <p:nvPr>
             <p:custDataLst>
-              <p:tags r:id="rId88"/>
+              <p:tags r:id="rId87"/>
             </p:custDataLst>
           </p:nvPr>
         </p:nvSpPr>
@@ -7283,7 +7233,7 @@
           <p:cNvSpPr/>
           <p:nvPr>
             <p:custDataLst>
-              <p:tags r:id="rId89"/>
+              <p:tags r:id="rId88"/>
             </p:custDataLst>
           </p:nvPr>
         </p:nvSpPr>
@@ -7336,7 +7286,7 @@
           <p:cNvSpPr/>
           <p:nvPr>
             <p:custDataLst>
-              <p:tags r:id="rId90"/>
+              <p:tags r:id="rId89"/>
             </p:custDataLst>
           </p:nvPr>
         </p:nvSpPr>
@@ -7389,7 +7339,7 @@
           <p:cNvSpPr/>
           <p:nvPr>
             <p:custDataLst>
-              <p:tags r:id="rId91"/>
+              <p:tags r:id="rId90"/>
             </p:custDataLst>
           </p:nvPr>
         </p:nvSpPr>
@@ -7441,7 +7391,7 @@
           <p:cNvSpPr/>
           <p:nvPr>
             <p:custDataLst>
-              <p:tags r:id="rId92"/>
+              <p:tags r:id="rId91"/>
             </p:custDataLst>
           </p:nvPr>
         </p:nvSpPr>
@@ -7493,7 +7443,7 @@
           <p:cNvSpPr/>
           <p:nvPr>
             <p:custDataLst>
-              <p:tags r:id="rId93"/>
+              <p:tags r:id="rId92"/>
             </p:custDataLst>
           </p:nvPr>
         </p:nvSpPr>
@@ -7545,7 +7495,7 @@
           <p:cNvSpPr/>
           <p:nvPr>
             <p:custDataLst>
-              <p:tags r:id="rId94"/>
+              <p:tags r:id="rId93"/>
             </p:custDataLst>
           </p:nvPr>
         </p:nvSpPr>
@@ -7597,7 +7547,7 @@
           <p:cNvSpPr/>
           <p:nvPr>
             <p:custDataLst>
-              <p:tags r:id="rId95"/>
+              <p:tags r:id="rId94"/>
             </p:custDataLst>
           </p:nvPr>
         </p:nvSpPr>
@@ -7650,7 +7600,7 @@
           <p:cNvSpPr/>
           <p:nvPr>
             <p:custDataLst>
-              <p:tags r:id="rId96"/>
+              <p:tags r:id="rId95"/>
             </p:custDataLst>
           </p:nvPr>
         </p:nvSpPr>
@@ -7703,7 +7653,7 @@
           <p:cNvCxnSpPr/>
           <p:nvPr>
             <p:custDataLst>
-              <p:tags r:id="rId97"/>
+              <p:tags r:id="rId96"/>
             </p:custDataLst>
           </p:nvPr>
         </p:nvCxnSpPr>
@@ -7740,7 +7690,7 @@
           <p:cNvCxnSpPr/>
           <p:nvPr>
             <p:custDataLst>
-              <p:tags r:id="rId98"/>
+              <p:tags r:id="rId97"/>
             </p:custDataLst>
           </p:nvPr>
         </p:nvCxnSpPr>
@@ -7777,7 +7727,7 @@
           <p:cNvCxnSpPr/>
           <p:nvPr>
             <p:custDataLst>
-              <p:tags r:id="rId99"/>
+              <p:tags r:id="rId98"/>
             </p:custDataLst>
           </p:nvPr>
         </p:nvCxnSpPr>
@@ -7814,7 +7764,7 @@
           <p:cNvCxnSpPr/>
           <p:nvPr>
             <p:custDataLst>
-              <p:tags r:id="rId100"/>
+              <p:tags r:id="rId99"/>
             </p:custDataLst>
           </p:nvPr>
         </p:nvCxnSpPr>
@@ -7851,7 +7801,7 @@
           <p:cNvCxnSpPr/>
           <p:nvPr>
             <p:custDataLst>
-              <p:tags r:id="rId101"/>
+              <p:tags r:id="rId100"/>
             </p:custDataLst>
           </p:nvPr>
         </p:nvCxnSpPr>
@@ -7888,7 +7838,7 @@
           <p:cNvCxnSpPr/>
           <p:nvPr>
             <p:custDataLst>
-              <p:tags r:id="rId102"/>
+              <p:tags r:id="rId101"/>
             </p:custDataLst>
           </p:nvPr>
         </p:nvCxnSpPr>
@@ -7925,7 +7875,7 @@
           <p:cNvCxnSpPr/>
           <p:nvPr>
             <p:custDataLst>
-              <p:tags r:id="rId103"/>
+              <p:tags r:id="rId102"/>
             </p:custDataLst>
           </p:nvPr>
         </p:nvCxnSpPr>
@@ -7962,7 +7912,7 @@
           <p:cNvCxnSpPr/>
           <p:nvPr>
             <p:custDataLst>
-              <p:tags r:id="rId104"/>
+              <p:tags r:id="rId103"/>
             </p:custDataLst>
           </p:nvPr>
         </p:nvCxnSpPr>
@@ -7999,7 +7949,7 @@
           <p:cNvCxnSpPr/>
           <p:nvPr>
             <p:custDataLst>
-              <p:tags r:id="rId105"/>
+              <p:tags r:id="rId104"/>
             </p:custDataLst>
           </p:nvPr>
         </p:nvCxnSpPr>
@@ -8036,7 +7986,7 @@
           <p:cNvCxnSpPr/>
           <p:nvPr>
             <p:custDataLst>
-              <p:tags r:id="rId106"/>
+              <p:tags r:id="rId105"/>
             </p:custDataLst>
           </p:nvPr>
         </p:nvCxnSpPr>
@@ -8073,7 +8023,7 @@
           <p:cNvCxnSpPr/>
           <p:nvPr>
             <p:custDataLst>
-              <p:tags r:id="rId107"/>
+              <p:tags r:id="rId106"/>
             </p:custDataLst>
           </p:nvPr>
         </p:nvCxnSpPr>
@@ -8110,7 +8060,7 @@
           <p:cNvCxnSpPr/>
           <p:nvPr>
             <p:custDataLst>
-              <p:tags r:id="rId108"/>
+              <p:tags r:id="rId107"/>
             </p:custDataLst>
           </p:nvPr>
         </p:nvCxnSpPr>
@@ -8147,7 +8097,7 @@
           <p:cNvCxnSpPr/>
           <p:nvPr>
             <p:custDataLst>
-              <p:tags r:id="rId109"/>
+              <p:tags r:id="rId108"/>
             </p:custDataLst>
           </p:nvPr>
         </p:nvCxnSpPr>
@@ -8184,7 +8134,7 @@
           <p:cNvSpPr/>
           <p:nvPr>
             <p:custDataLst>
-              <p:tags r:id="rId110"/>
+              <p:tags r:id="rId109"/>
             </p:custDataLst>
           </p:nvPr>
         </p:nvSpPr>
@@ -8237,7 +8187,7 @@
           <p:cNvSpPr txBox="1"/>
           <p:nvPr>
             <p:custDataLst>
-              <p:tags r:id="rId111"/>
+              <p:tags r:id="rId110"/>
             </p:custDataLst>
           </p:nvPr>
         </p:nvSpPr>
@@ -8270,7 +8220,7 @@
           <p:cNvSpPr/>
           <p:nvPr>
             <p:custDataLst>
-              <p:tags r:id="rId112"/>
+              <p:tags r:id="rId111"/>
             </p:custDataLst>
           </p:nvPr>
         </p:nvSpPr>
@@ -8323,7 +8273,7 @@
           <p:cNvSpPr/>
           <p:nvPr>
             <p:custDataLst>
-              <p:tags r:id="rId113"/>
+              <p:tags r:id="rId112"/>
             </p:custDataLst>
           </p:nvPr>
         </p:nvSpPr>
@@ -8376,7 +8326,7 @@
           <p:cNvSpPr/>
           <p:nvPr>
             <p:custDataLst>
-              <p:tags r:id="rId114"/>
+              <p:tags r:id="rId113"/>
             </p:custDataLst>
           </p:nvPr>
         </p:nvSpPr>
@@ -8429,7 +8379,7 @@
           <p:cNvSpPr/>
           <p:nvPr>
             <p:custDataLst>
-              <p:tags r:id="rId115"/>
+              <p:tags r:id="rId114"/>
             </p:custDataLst>
           </p:nvPr>
         </p:nvSpPr>
@@ -8482,13 +8432,13 @@
           <p:cNvSpPr/>
           <p:nvPr>
             <p:custDataLst>
-              <p:tags r:id="rId116"/>
-            </p:custDataLst>
-          </p:nvPr>
-        </p:nvSpPr>
-        <p:spPr>
-          <a:xfrm>
-            <a:off x="3368040" y="1772920"/>
+              <p:tags r:id="rId115"/>
+            </p:custDataLst>
+          </p:nvPr>
+        </p:nvSpPr>
+        <p:spPr>
+          <a:xfrm>
+            <a:off x="3346450" y="1781810"/>
             <a:ext cx="494665" cy="285750"/>
           </a:xfrm>
           <a:prstGeom prst="roundRect">
@@ -8535,7 +8485,7 @@
           <p:cNvSpPr/>
           <p:nvPr>
             <p:custDataLst>
-              <p:tags r:id="rId117"/>
+              <p:tags r:id="rId116"/>
             </p:custDataLst>
           </p:nvPr>
         </p:nvSpPr>
@@ -8588,7 +8538,7 @@
           <p:cNvSpPr/>
           <p:nvPr>
             <p:custDataLst>
-              <p:tags r:id="rId118"/>
+              <p:tags r:id="rId117"/>
             </p:custDataLst>
           </p:nvPr>
         </p:nvSpPr>
@@ -8641,7 +8591,7 @@
           <p:cNvSpPr/>
           <p:nvPr>
             <p:custDataLst>
-              <p:tags r:id="rId119"/>
+              <p:tags r:id="rId118"/>
             </p:custDataLst>
           </p:nvPr>
         </p:nvSpPr>
@@ -8694,7 +8644,7 @@
           <p:cNvSpPr/>
           <p:nvPr>
             <p:custDataLst>
-              <p:tags r:id="rId120"/>
+              <p:tags r:id="rId119"/>
             </p:custDataLst>
           </p:nvPr>
         </p:nvSpPr>
@@ -8747,7 +8697,7 @@
           <p:cNvSpPr/>
           <p:nvPr>
             <p:custDataLst>
-              <p:tags r:id="rId121"/>
+              <p:tags r:id="rId120"/>
             </p:custDataLst>
           </p:nvPr>
         </p:nvSpPr>
@@ -8800,7 +8750,7 @@
           <p:cNvSpPr/>
           <p:nvPr>
             <p:custDataLst>
-              <p:tags r:id="rId122"/>
+              <p:tags r:id="rId121"/>
             </p:custDataLst>
           </p:nvPr>
         </p:nvSpPr>
@@ -8850,7 +8800,7 @@
           <p:cNvSpPr/>
           <p:nvPr>
             <p:custDataLst>
-              <p:tags r:id="rId123"/>
+              <p:tags r:id="rId122"/>
             </p:custDataLst>
           </p:nvPr>
         </p:nvSpPr>
@@ -8902,7 +8852,7 @@
           <p:cNvSpPr/>
           <p:nvPr>
             <p:custDataLst>
-              <p:tags r:id="rId124"/>
+              <p:tags r:id="rId123"/>
             </p:custDataLst>
           </p:nvPr>
         </p:nvSpPr>
@@ -8954,7 +8904,7 @@
           <p:cNvSpPr txBox="1"/>
           <p:nvPr>
             <p:custDataLst>
-              <p:tags r:id="rId125"/>
+              <p:tags r:id="rId124"/>
             </p:custDataLst>
           </p:nvPr>
         </p:nvSpPr>
@@ -8987,7 +8937,7 @@
           <p:cNvSpPr/>
           <p:nvPr>
             <p:custDataLst>
-              <p:tags r:id="rId126"/>
+              <p:tags r:id="rId125"/>
             </p:custDataLst>
           </p:nvPr>
         </p:nvSpPr>
@@ -9039,7 +8989,7 @@
           <p:cNvSpPr/>
           <p:nvPr>
             <p:custDataLst>
-              <p:tags r:id="rId127"/>
+              <p:tags r:id="rId126"/>
             </p:custDataLst>
           </p:nvPr>
         </p:nvSpPr>
@@ -9092,7 +9042,7 @@
           <p:cNvSpPr/>
           <p:nvPr>
             <p:custDataLst>
-              <p:tags r:id="rId128"/>
+              <p:tags r:id="rId127"/>
             </p:custDataLst>
           </p:nvPr>
         </p:nvSpPr>
@@ -9142,7 +9092,7 @@
           <p:cNvSpPr/>
           <p:nvPr>
             <p:custDataLst>
-              <p:tags r:id="rId129"/>
+              <p:tags r:id="rId128"/>
             </p:custDataLst>
           </p:nvPr>
         </p:nvSpPr>
@@ -9195,7 +9145,7 @@
           <p:cNvSpPr/>
           <p:nvPr>
             <p:custDataLst>
-              <p:tags r:id="rId130"/>
+              <p:tags r:id="rId129"/>
             </p:custDataLst>
           </p:nvPr>
         </p:nvSpPr>
@@ -9245,7 +9195,7 @@
           <p:cNvSpPr/>
           <p:nvPr>
             <p:custDataLst>
-              <p:tags r:id="rId131"/>
+              <p:tags r:id="rId130"/>
             </p:custDataLst>
           </p:nvPr>
         </p:nvSpPr>
@@ -9327,7 +9277,7 @@
           <p:cNvSpPr txBox="1"/>
           <p:nvPr>
             <p:custDataLst>
-              <p:tags r:id="rId132"/>
+              <p:tags r:id="rId131"/>
             </p:custDataLst>
           </p:nvPr>
         </p:nvSpPr>
@@ -9360,7 +9310,7 @@
           <p:cNvCxnSpPr/>
           <p:nvPr>
             <p:custDataLst>
-              <p:tags r:id="rId133"/>
+              <p:tags r:id="rId132"/>
             </p:custDataLst>
           </p:nvPr>
         </p:nvCxnSpPr>
@@ -9397,7 +9347,7 @@
           <p:cNvCxnSpPr/>
           <p:nvPr>
             <p:custDataLst>
-              <p:tags r:id="rId134"/>
+              <p:tags r:id="rId133"/>
             </p:custDataLst>
           </p:nvPr>
         </p:nvCxnSpPr>
@@ -9434,7 +9384,7 @@
           <p:cNvSpPr txBox="1"/>
           <p:nvPr>
             <p:custDataLst>
-              <p:tags r:id="rId135"/>
+              <p:tags r:id="rId134"/>
             </p:custDataLst>
           </p:nvPr>
         </p:nvSpPr>
@@ -9467,7 +9417,7 @@
           <p:cNvSpPr txBox="1"/>
           <p:nvPr>
             <p:custDataLst>
-              <p:tags r:id="rId136"/>
+              <p:tags r:id="rId135"/>
             </p:custDataLst>
           </p:nvPr>
         </p:nvSpPr>
@@ -9500,7 +9450,7 @@
           <p:cNvSpPr txBox="1"/>
           <p:nvPr>
             <p:custDataLst>
-              <p:tags r:id="rId137"/>
+              <p:tags r:id="rId136"/>
             </p:custDataLst>
           </p:nvPr>
         </p:nvSpPr>
@@ -9533,7 +9483,7 @@
           <p:cNvCxnSpPr/>
           <p:nvPr>
             <p:custDataLst>
-              <p:tags r:id="rId138"/>
+              <p:tags r:id="rId137"/>
             </p:custDataLst>
           </p:nvPr>
         </p:nvCxnSpPr>
@@ -9570,7 +9520,7 @@
           <p:cNvSpPr/>
           <p:nvPr>
             <p:custDataLst>
-              <p:tags r:id="rId139"/>
+              <p:tags r:id="rId138"/>
             </p:custDataLst>
           </p:nvPr>
         </p:nvSpPr>
@@ -9620,7 +9570,7 @@
           <p:cNvCxnSpPr/>
           <p:nvPr>
             <p:custDataLst>
-              <p:tags r:id="rId140"/>
+              <p:tags r:id="rId139"/>
             </p:custDataLst>
           </p:nvPr>
         </p:nvCxnSpPr>
@@ -9657,7 +9607,7 @@
           <p:cNvSpPr/>
           <p:nvPr>
             <p:custDataLst>
-              <p:tags r:id="rId141"/>
+              <p:tags r:id="rId140"/>
             </p:custDataLst>
           </p:nvPr>
         </p:nvSpPr>
@@ -9710,7 +9660,7 @@
           <p:cNvSpPr/>
           <p:nvPr>
             <p:custDataLst>
-              <p:tags r:id="rId142"/>
+              <p:tags r:id="rId141"/>
             </p:custDataLst>
           </p:nvPr>
         </p:nvSpPr>
@@ -9763,7 +9713,7 @@
           <p:cNvSpPr/>
           <p:nvPr>
             <p:custDataLst>
-              <p:tags r:id="rId143"/>
+              <p:tags r:id="rId142"/>
             </p:custDataLst>
           </p:nvPr>
         </p:nvSpPr>
@@ -9816,7 +9766,7 @@
           <p:cNvSpPr txBox="1"/>
           <p:nvPr>
             <p:custDataLst>
-              <p:tags r:id="rId144"/>
+              <p:tags r:id="rId143"/>
             </p:custDataLst>
           </p:nvPr>
         </p:nvSpPr>
@@ -9849,7 +9799,7 @@
           <p:cNvSpPr txBox="1"/>
           <p:nvPr>
             <p:custDataLst>
-              <p:tags r:id="rId145"/>
+              <p:tags r:id="rId144"/>
             </p:custDataLst>
           </p:nvPr>
         </p:nvSpPr>
@@ -9882,7 +9832,7 @@
           <p:cNvSpPr txBox="1"/>
           <p:nvPr>
             <p:custDataLst>
-              <p:tags r:id="rId146"/>
+              <p:tags r:id="rId145"/>
             </p:custDataLst>
           </p:nvPr>
         </p:nvSpPr>
@@ -9915,7 +9865,7 @@
           <p:cNvSpPr txBox="1"/>
           <p:nvPr>
             <p:custDataLst>
-              <p:tags r:id="rId147"/>
+              <p:tags r:id="rId146"/>
             </p:custDataLst>
           </p:nvPr>
         </p:nvSpPr>
@@ -9948,7 +9898,7 @@
           <p:cNvSpPr txBox="1"/>
           <p:nvPr>
             <p:custDataLst>
-              <p:tags r:id="rId148"/>
+              <p:tags r:id="rId147"/>
             </p:custDataLst>
           </p:nvPr>
         </p:nvSpPr>
@@ -9981,7 +9931,7 @@
           <p:cNvSpPr txBox="1"/>
           <p:nvPr>
             <p:custDataLst>
-              <p:tags r:id="rId149"/>
+              <p:tags r:id="rId148"/>
             </p:custDataLst>
           </p:nvPr>
         </p:nvSpPr>
@@ -10016,7 +9966,7 @@
           </p:cNvCxnSpPr>
           <p:nvPr>
             <p:custDataLst>
-              <p:tags r:id="rId150"/>
+              <p:tags r:id="rId149"/>
             </p:custDataLst>
           </p:nvPr>
         </p:nvCxnSpPr>
@@ -10053,13 +10003,13 @@
           <p:cNvSpPr txBox="1"/>
           <p:nvPr>
             <p:custDataLst>
-              <p:tags r:id="rId151"/>
-            </p:custDataLst>
-          </p:nvPr>
-        </p:nvSpPr>
-        <p:spPr>
-          <a:xfrm>
-            <a:off x="6655435" y="3197860"/>
+              <p:tags r:id="rId150"/>
+            </p:custDataLst>
+          </p:nvPr>
+        </p:nvSpPr>
+        <p:spPr>
+          <a:xfrm>
+            <a:off x="6744335" y="3201035"/>
             <a:ext cx="383540" cy="173355"/>
           </a:xfrm>
           <a:prstGeom prst="rect">
@@ -10086,7 +10036,7 @@
           <p:cNvSpPr txBox="1"/>
           <p:nvPr>
             <p:custDataLst>
-              <p:tags r:id="rId152"/>
+              <p:tags r:id="rId151"/>
             </p:custDataLst>
           </p:nvPr>
         </p:nvSpPr>
@@ -10119,7 +10069,7 @@
           <p:cNvSpPr txBox="1"/>
           <p:nvPr>
             <p:custDataLst>
-              <p:tags r:id="rId153"/>
+              <p:tags r:id="rId152"/>
             </p:custDataLst>
           </p:nvPr>
         </p:nvSpPr>
@@ -10152,7 +10102,7 @@
           <p:cNvSpPr txBox="1"/>
           <p:nvPr>
             <p:custDataLst>
-              <p:tags r:id="rId154"/>
+              <p:tags r:id="rId153"/>
             </p:custDataLst>
           </p:nvPr>
         </p:nvSpPr>
@@ -10185,7 +10135,7 @@
           <p:cNvSpPr txBox="1"/>
           <p:nvPr>
             <p:custDataLst>
-              <p:tags r:id="rId155"/>
+              <p:tags r:id="rId154"/>
             </p:custDataLst>
           </p:nvPr>
         </p:nvSpPr>
@@ -10218,7 +10168,7 @@
           <p:cNvSpPr txBox="1"/>
           <p:nvPr>
             <p:custDataLst>
-              <p:tags r:id="rId156"/>
+              <p:tags r:id="rId155"/>
             </p:custDataLst>
           </p:nvPr>
         </p:nvSpPr>
@@ -10251,7 +10201,7 @@
           <p:cNvSpPr txBox="1"/>
           <p:nvPr>
             <p:custDataLst>
-              <p:tags r:id="rId157"/>
+              <p:tags r:id="rId156"/>
             </p:custDataLst>
           </p:nvPr>
         </p:nvSpPr>
@@ -10284,7 +10234,7 @@
           <p:cNvSpPr txBox="1"/>
           <p:nvPr>
             <p:custDataLst>
-              <p:tags r:id="rId158"/>
+              <p:tags r:id="rId157"/>
             </p:custDataLst>
           </p:nvPr>
         </p:nvSpPr>
@@ -10317,7 +10267,7 @@
           <p:cNvSpPr txBox="1"/>
           <p:nvPr>
             <p:custDataLst>
-              <p:tags r:id="rId159"/>
+              <p:tags r:id="rId158"/>
             </p:custDataLst>
           </p:nvPr>
         </p:nvSpPr>
@@ -10350,7 +10300,7 @@
           <p:cNvCxnSpPr/>
           <p:nvPr>
             <p:custDataLst>
-              <p:tags r:id="rId160"/>
+              <p:tags r:id="rId159"/>
             </p:custDataLst>
           </p:nvPr>
         </p:nvCxnSpPr>
@@ -10387,7 +10337,7 @@
           <p:cNvCxnSpPr/>
           <p:nvPr>
             <p:custDataLst>
-              <p:tags r:id="rId161"/>
+              <p:tags r:id="rId160"/>
             </p:custDataLst>
           </p:nvPr>
         </p:nvCxnSpPr>
@@ -10424,7 +10374,7 @@
           <p:cNvCxnSpPr/>
           <p:nvPr>
             <p:custDataLst>
-              <p:tags r:id="rId162"/>
+              <p:tags r:id="rId161"/>
             </p:custDataLst>
           </p:nvPr>
         </p:nvCxnSpPr>
@@ -10461,7 +10411,7 @@
           <p:cNvCxnSpPr/>
           <p:nvPr>
             <p:custDataLst>
-              <p:tags r:id="rId163"/>
+              <p:tags r:id="rId162"/>
             </p:custDataLst>
           </p:nvPr>
         </p:nvCxnSpPr>
@@ -10498,7 +10448,7 @@
           <p:cNvCxnSpPr/>
           <p:nvPr>
             <p:custDataLst>
-              <p:tags r:id="rId164"/>
+              <p:tags r:id="rId163"/>
             </p:custDataLst>
           </p:nvPr>
         </p:nvCxnSpPr>
@@ -10535,7 +10485,7 @@
           <p:cNvCxnSpPr/>
           <p:nvPr>
             <p:custDataLst>
-              <p:tags r:id="rId165"/>
+              <p:tags r:id="rId164"/>
             </p:custDataLst>
           </p:nvPr>
         </p:nvCxnSpPr>
@@ -10572,7 +10522,7 @@
           <p:cNvCxnSpPr/>
           <p:nvPr>
             <p:custDataLst>
-              <p:tags r:id="rId166"/>
+              <p:tags r:id="rId165"/>
             </p:custDataLst>
           </p:nvPr>
         </p:nvCxnSpPr>
@@ -10609,7 +10559,7 @@
           <p:cNvCxnSpPr/>
           <p:nvPr>
             <p:custDataLst>
-              <p:tags r:id="rId167"/>
+              <p:tags r:id="rId166"/>
             </p:custDataLst>
           </p:nvPr>
         </p:nvCxnSpPr>
@@ -10646,13 +10596,13 @@
           <p:cNvCxnSpPr/>
           <p:nvPr>
             <p:custDataLst>
-              <p:tags r:id="rId168"/>
+              <p:tags r:id="rId167"/>
             </p:custDataLst>
           </p:nvPr>
         </p:nvCxnSpPr>
         <p:spPr>
           <a:xfrm>
-            <a:off x="3590925" y="2048510"/>
+            <a:off x="3584575" y="2067560"/>
             <a:ext cx="6350" cy="868045"/>
           </a:xfrm>
           <a:prstGeom prst="straightConnector1">
@@ -10683,7 +10633,7 @@
           <p:cNvCxnSpPr/>
           <p:nvPr>
             <p:custDataLst>
-              <p:tags r:id="rId169"/>
+              <p:tags r:id="rId168"/>
             </p:custDataLst>
           </p:nvPr>
         </p:nvCxnSpPr>
@@ -10720,7 +10670,7 @@
           <p:cNvCxnSpPr/>
           <p:nvPr>
             <p:custDataLst>
-              <p:tags r:id="rId170"/>
+              <p:tags r:id="rId169"/>
             </p:custDataLst>
           </p:nvPr>
         </p:nvCxnSpPr>
@@ -10757,7 +10707,7 @@
           <p:cNvCxnSpPr/>
           <p:nvPr>
             <p:custDataLst>
-              <p:tags r:id="rId171"/>
+              <p:tags r:id="rId170"/>
             </p:custDataLst>
           </p:nvPr>
         </p:nvCxnSpPr>
@@ -10794,7 +10744,7 @@
           <p:cNvCxnSpPr/>
           <p:nvPr>
             <p:custDataLst>
-              <p:tags r:id="rId172"/>
+              <p:tags r:id="rId171"/>
             </p:custDataLst>
           </p:nvPr>
         </p:nvCxnSpPr>
@@ -10831,7 +10781,7 @@
           <p:cNvCxnSpPr/>
           <p:nvPr>
             <p:custDataLst>
-              <p:tags r:id="rId173"/>
+              <p:tags r:id="rId172"/>
             </p:custDataLst>
           </p:nvPr>
         </p:nvCxnSpPr>
@@ -10868,7 +10818,7 @@
           <p:cNvCxnSpPr/>
           <p:nvPr>
             <p:custDataLst>
-              <p:tags r:id="rId174"/>
+              <p:tags r:id="rId173"/>
             </p:custDataLst>
           </p:nvPr>
         </p:nvCxnSpPr>
@@ -10905,7 +10855,7 @@
           <p:cNvCxnSpPr/>
           <p:nvPr>
             <p:custDataLst>
-              <p:tags r:id="rId175"/>
+              <p:tags r:id="rId174"/>
             </p:custDataLst>
           </p:nvPr>
         </p:nvCxnSpPr>
@@ -10942,7 +10892,7 @@
           <p:cNvCxnSpPr/>
           <p:nvPr>
             <p:custDataLst>
-              <p:tags r:id="rId176"/>
+              <p:tags r:id="rId175"/>
             </p:custDataLst>
           </p:nvPr>
         </p:nvCxnSpPr>
@@ -10979,7 +10929,7 @@
           <p:cNvCxnSpPr/>
           <p:nvPr>
             <p:custDataLst>
-              <p:tags r:id="rId177"/>
+              <p:tags r:id="rId176"/>
             </p:custDataLst>
           </p:nvPr>
         </p:nvCxnSpPr>
@@ -11016,7 +10966,7 @@
           <p:cNvSpPr/>
           <p:nvPr>
             <p:custDataLst>
-              <p:tags r:id="rId178"/>
+              <p:tags r:id="rId177"/>
             </p:custDataLst>
           </p:nvPr>
         </p:nvSpPr>
@@ -11071,7 +11021,7 @@
           </p:cNvCxnSpPr>
           <p:nvPr>
             <p:custDataLst>
-              <p:tags r:id="rId179"/>
+              <p:tags r:id="rId178"/>
             </p:custDataLst>
           </p:nvPr>
         </p:nvCxnSpPr>
@@ -11108,7 +11058,7 @@
           <p:cNvSpPr txBox="1"/>
           <p:nvPr>
             <p:custDataLst>
-              <p:tags r:id="rId180"/>
+              <p:tags r:id="rId179"/>
             </p:custDataLst>
           </p:nvPr>
         </p:nvSpPr>
@@ -11141,7 +11091,7 @@
           <p:cNvSpPr txBox="1"/>
           <p:nvPr>
             <p:custDataLst>
-              <p:tags r:id="rId181"/>
+              <p:tags r:id="rId180"/>
             </p:custDataLst>
           </p:nvPr>
         </p:nvSpPr>
@@ -11174,7 +11124,7 @@
           <p:cNvSpPr txBox="1"/>
           <p:nvPr>
             <p:custDataLst>
-              <p:tags r:id="rId182"/>
+              <p:tags r:id="rId181"/>
             </p:custDataLst>
           </p:nvPr>
         </p:nvSpPr>
@@ -11207,13 +11157,13 @@
           <p:cNvSpPr txBox="1"/>
           <p:nvPr>
             <p:custDataLst>
-              <p:tags r:id="rId183"/>
-            </p:custDataLst>
-          </p:nvPr>
-        </p:nvSpPr>
-        <p:spPr>
-          <a:xfrm>
-            <a:off x="6783705" y="867410"/>
+              <p:tags r:id="rId182"/>
+            </p:custDataLst>
+          </p:nvPr>
+        </p:nvSpPr>
+        <p:spPr>
+          <a:xfrm>
+            <a:off x="6718300" y="867410"/>
             <a:ext cx="383540" cy="173355"/>
           </a:xfrm>
           <a:prstGeom prst="rect">
@@ -11240,7 +11190,7 @@
           <p:cNvCxnSpPr/>
           <p:nvPr>
             <p:custDataLst>
-              <p:tags r:id="rId184"/>
+              <p:tags r:id="rId183"/>
             </p:custDataLst>
           </p:nvPr>
         </p:nvCxnSpPr>
@@ -11277,7 +11227,7 @@
           <p:cNvCxnSpPr/>
           <p:nvPr>
             <p:custDataLst>
-              <p:tags r:id="rId185"/>
+              <p:tags r:id="rId184"/>
             </p:custDataLst>
           </p:nvPr>
         </p:nvCxnSpPr>
@@ -11314,7 +11264,7 @@
           <p:cNvCxnSpPr/>
           <p:nvPr>
             <p:custDataLst>
-              <p:tags r:id="rId186"/>
+              <p:tags r:id="rId185"/>
             </p:custDataLst>
           </p:nvPr>
         </p:nvCxnSpPr>
@@ -11351,7 +11301,7 @@
           <p:cNvSpPr txBox="1"/>
           <p:nvPr>
             <p:custDataLst>
-              <p:tags r:id="rId187"/>
+              <p:tags r:id="rId186"/>
             </p:custDataLst>
           </p:nvPr>
         </p:nvSpPr>
@@ -11384,7 +11334,7 @@
           <p:cNvSpPr/>
           <p:nvPr>
             <p:custDataLst>
-              <p:tags r:id="rId188"/>
+              <p:tags r:id="rId187"/>
             </p:custDataLst>
           </p:nvPr>
         </p:nvSpPr>
@@ -11436,7 +11386,7 @@
           <p:cNvCxnSpPr/>
           <p:nvPr>
             <p:custDataLst>
-              <p:tags r:id="rId189"/>
+              <p:tags r:id="rId188"/>
             </p:custDataLst>
           </p:nvPr>
         </p:nvCxnSpPr>
@@ -11473,7 +11423,7 @@
           <p:cNvSpPr/>
           <p:nvPr>
             <p:custDataLst>
-              <p:tags r:id="rId190"/>
+              <p:tags r:id="rId189"/>
             </p:custDataLst>
           </p:nvPr>
         </p:nvSpPr>
@@ -11523,7 +11473,7 @@
           <p:cNvCxnSpPr/>
           <p:nvPr>
             <p:custDataLst>
-              <p:tags r:id="rId191"/>
+              <p:tags r:id="rId190"/>
             </p:custDataLst>
           </p:nvPr>
         </p:nvCxnSpPr>
@@ -11560,7 +11510,7 @@
           <p:cNvCxnSpPr/>
           <p:nvPr>
             <p:custDataLst>
-              <p:tags r:id="rId192"/>
+              <p:tags r:id="rId191"/>
             </p:custDataLst>
           </p:nvPr>
         </p:nvCxnSpPr>
@@ -11597,7 +11547,7 @@
           <p:cNvCxnSpPr/>
           <p:nvPr>
             <p:custDataLst>
-              <p:tags r:id="rId193"/>
+              <p:tags r:id="rId192"/>
             </p:custDataLst>
           </p:nvPr>
         </p:nvCxnSpPr>
@@ -11634,7 +11584,7 @@
           <p:cNvCxnSpPr/>
           <p:nvPr>
             <p:custDataLst>
-              <p:tags r:id="rId194"/>
+              <p:tags r:id="rId193"/>
             </p:custDataLst>
           </p:nvPr>
         </p:nvCxnSpPr>
@@ -11671,7 +11621,7 @@
           <p:cNvSpPr/>
           <p:nvPr>
             <p:custDataLst>
-              <p:tags r:id="rId195"/>
+              <p:tags r:id="rId194"/>
             </p:custDataLst>
           </p:nvPr>
         </p:nvSpPr>
@@ -11723,7 +11673,7 @@
           <p:cNvSpPr/>
           <p:nvPr>
             <p:custDataLst>
-              <p:tags r:id="rId196"/>
+              <p:tags r:id="rId195"/>
             </p:custDataLst>
           </p:nvPr>
         </p:nvSpPr>
@@ -11775,7 +11725,7 @@
           <p:cNvSpPr/>
           <p:nvPr>
             <p:custDataLst>
-              <p:tags r:id="rId197"/>
+              <p:tags r:id="rId196"/>
             </p:custDataLst>
           </p:nvPr>
         </p:nvSpPr>
@@ -11911,7 +11861,7 @@
           <p:cNvCxnSpPr/>
           <p:nvPr>
             <p:custDataLst>
-              <p:tags r:id="rId198"/>
+              <p:tags r:id="rId197"/>
             </p:custDataLst>
           </p:nvPr>
         </p:nvCxnSpPr>
@@ -11948,7 +11898,7 @@
           <p:cNvSpPr/>
           <p:nvPr>
             <p:custDataLst>
-              <p:tags r:id="rId199"/>
+              <p:tags r:id="rId198"/>
             </p:custDataLst>
           </p:nvPr>
         </p:nvSpPr>
@@ -12000,7 +11950,7 @@
           <p:cNvCxnSpPr/>
           <p:nvPr>
             <p:custDataLst>
-              <p:tags r:id="rId200"/>
+              <p:tags r:id="rId199"/>
             </p:custDataLst>
           </p:nvPr>
         </p:nvCxnSpPr>
@@ -12037,7 +11987,7 @@
           <p:cNvSpPr/>
           <p:nvPr>
             <p:custDataLst>
-              <p:tags r:id="rId201"/>
+              <p:tags r:id="rId200"/>
             </p:custDataLst>
           </p:nvPr>
         </p:nvSpPr>
@@ -12087,7 +12037,7 @@
           <p:cNvCxnSpPr/>
           <p:nvPr>
             <p:custDataLst>
-              <p:tags r:id="rId202"/>
+              <p:tags r:id="rId201"/>
             </p:custDataLst>
           </p:nvPr>
         </p:nvCxnSpPr>
@@ -12124,7 +12074,7 @@
           <p:cNvCxnSpPr/>
           <p:nvPr>
             <p:custDataLst>
-              <p:tags r:id="rId203"/>
+              <p:tags r:id="rId202"/>
             </p:custDataLst>
           </p:nvPr>
         </p:nvCxnSpPr>
@@ -12161,7 +12111,7 @@
           <p:cNvCxnSpPr/>
           <p:nvPr>
             <p:custDataLst>
-              <p:tags r:id="rId204"/>
+              <p:tags r:id="rId203"/>
             </p:custDataLst>
           </p:nvPr>
         </p:nvCxnSpPr>
@@ -12198,7 +12148,7 @@
           <p:cNvSpPr/>
           <p:nvPr>
             <p:custDataLst>
-              <p:tags r:id="rId205"/>
+              <p:tags r:id="rId204"/>
             </p:custDataLst>
           </p:nvPr>
         </p:nvSpPr>
@@ -12250,7 +12200,7 @@
           <p:cNvSpPr/>
           <p:nvPr>
             <p:custDataLst>
-              <p:tags r:id="rId206"/>
+              <p:tags r:id="rId205"/>
             </p:custDataLst>
           </p:nvPr>
         </p:nvSpPr>
@@ -12300,7 +12250,7 @@
           <p:cNvSpPr/>
           <p:nvPr>
             <p:custDataLst>
-              <p:tags r:id="rId207"/>
+              <p:tags r:id="rId206"/>
             </p:custDataLst>
           </p:nvPr>
         </p:nvSpPr>
@@ -12345,7 +12295,7 @@
           </p:cNvCxnSpPr>
           <p:nvPr>
             <p:custDataLst>
-              <p:tags r:id="rId208"/>
+              <p:tags r:id="rId207"/>
             </p:custDataLst>
           </p:nvPr>
         </p:nvCxnSpPr>
@@ -12382,7 +12332,7 @@
           <p:cNvSpPr/>
           <p:nvPr>
             <p:custDataLst>
-              <p:tags r:id="rId209"/>
+              <p:tags r:id="rId208"/>
             </p:custDataLst>
           </p:nvPr>
         </p:nvSpPr>
@@ -12434,7 +12384,7 @@
           <p:cNvCxnSpPr/>
           <p:nvPr>
             <p:custDataLst>
-              <p:tags r:id="rId210"/>
+              <p:tags r:id="rId209"/>
             </p:custDataLst>
           </p:nvPr>
         </p:nvCxnSpPr>
@@ -12471,7 +12421,7 @@
           <p:cNvSpPr/>
           <p:nvPr>
             <p:custDataLst>
-              <p:tags r:id="rId211"/>
+              <p:tags r:id="rId210"/>
             </p:custDataLst>
           </p:nvPr>
         </p:nvSpPr>
@@ -12521,7 +12471,7 @@
           <p:cNvCxnSpPr/>
           <p:nvPr>
             <p:custDataLst>
-              <p:tags r:id="rId212"/>
+              <p:tags r:id="rId211"/>
             </p:custDataLst>
           </p:nvPr>
         </p:nvCxnSpPr>
@@ -12558,7 +12508,7 @@
           <p:cNvCxnSpPr/>
           <p:nvPr>
             <p:custDataLst>
-              <p:tags r:id="rId213"/>
+              <p:tags r:id="rId212"/>
             </p:custDataLst>
           </p:nvPr>
         </p:nvCxnSpPr>
@@ -12595,7 +12545,7 @@
           <p:cNvCxnSpPr/>
           <p:nvPr>
             <p:custDataLst>
-              <p:tags r:id="rId214"/>
+              <p:tags r:id="rId213"/>
             </p:custDataLst>
           </p:nvPr>
         </p:nvCxnSpPr>
@@ -12632,7 +12582,7 @@
           <p:cNvCxnSpPr/>
           <p:nvPr>
             <p:custDataLst>
-              <p:tags r:id="rId215"/>
+              <p:tags r:id="rId214"/>
             </p:custDataLst>
           </p:nvPr>
         </p:nvCxnSpPr>
@@ -12669,7 +12619,7 @@
           <p:cNvSpPr/>
           <p:nvPr>
             <p:custDataLst>
-              <p:tags r:id="rId216"/>
+              <p:tags r:id="rId215"/>
             </p:custDataLst>
           </p:nvPr>
         </p:nvSpPr>
@@ -12721,7 +12671,7 @@
           <p:cNvSpPr/>
           <p:nvPr>
             <p:custDataLst>
-              <p:tags r:id="rId217"/>
+              <p:tags r:id="rId216"/>
             </p:custDataLst>
           </p:nvPr>
         </p:nvSpPr>
@@ -12771,7 +12721,7 @@
           <p:cNvSpPr/>
           <p:nvPr>
             <p:custDataLst>
-              <p:tags r:id="rId218"/>
+              <p:tags r:id="rId217"/>
             </p:custDataLst>
           </p:nvPr>
         </p:nvSpPr>
@@ -12814,7 +12764,7 @@
           <p:cNvCxnSpPr/>
           <p:nvPr>
             <p:custDataLst>
-              <p:tags r:id="rId219"/>
+              <p:tags r:id="rId218"/>
             </p:custDataLst>
           </p:nvPr>
         </p:nvCxnSpPr>
@@ -12851,7 +12801,7 @@
           <p:cNvCxnSpPr/>
           <p:nvPr>
             <p:custDataLst>
-              <p:tags r:id="rId220"/>
+              <p:tags r:id="rId219"/>
             </p:custDataLst>
           </p:nvPr>
         </p:nvCxnSpPr>
@@ -12888,7 +12838,7 @@
           <p:cNvCxnSpPr/>
           <p:nvPr>
             <p:custDataLst>
-              <p:tags r:id="rId221"/>
+              <p:tags r:id="rId220"/>
             </p:custDataLst>
           </p:nvPr>
         </p:nvCxnSpPr>
@@ -12925,7 +12875,7 @@
           <p:cNvCxnSpPr/>
           <p:nvPr>
             <p:custDataLst>
-              <p:tags r:id="rId222"/>
+              <p:tags r:id="rId221"/>
             </p:custDataLst>
           </p:nvPr>
         </p:nvCxnSpPr>
@@ -12962,7 +12912,7 @@
           <p:cNvCxnSpPr/>
           <p:nvPr>
             <p:custDataLst>
-              <p:tags r:id="rId223"/>
+              <p:tags r:id="rId222"/>
             </p:custDataLst>
           </p:nvPr>
         </p:nvCxnSpPr>
@@ -12999,7 +12949,7 @@
           <p:cNvCxnSpPr/>
           <p:nvPr>
             <p:custDataLst>
-              <p:tags r:id="rId224"/>
+              <p:tags r:id="rId223"/>
             </p:custDataLst>
           </p:nvPr>
         </p:nvCxnSpPr>
@@ -13036,7 +12986,7 @@
           <p:cNvSpPr txBox="1"/>
           <p:nvPr>
             <p:custDataLst>
-              <p:tags r:id="rId225"/>
+              <p:tags r:id="rId224"/>
             </p:custDataLst>
           </p:nvPr>
         </p:nvSpPr>
@@ -13077,7 +13027,7 @@
           <p:cNvSpPr txBox="1"/>
           <p:nvPr>
             <p:custDataLst>
-              <p:tags r:id="rId226"/>
+              <p:tags r:id="rId225"/>
             </p:custDataLst>
           </p:nvPr>
         </p:nvSpPr>
@@ -13118,7 +13068,7 @@
           <p:cNvSpPr txBox="1"/>
           <p:nvPr>
             <p:custDataLst>
-              <p:tags r:id="rId227"/>
+              <p:tags r:id="rId226"/>
             </p:custDataLst>
           </p:nvPr>
         </p:nvSpPr>
@@ -13159,7 +13109,7 @@
           <p:cNvSpPr txBox="1"/>
           <p:nvPr>
             <p:custDataLst>
-              <p:tags r:id="rId228"/>
+              <p:tags r:id="rId227"/>
             </p:custDataLst>
           </p:nvPr>
         </p:nvSpPr>
@@ -13200,7 +13150,7 @@
           <p:cNvSpPr txBox="1"/>
           <p:nvPr>
             <p:custDataLst>
-              <p:tags r:id="rId229"/>
+              <p:tags r:id="rId228"/>
             </p:custDataLst>
           </p:nvPr>
         </p:nvSpPr>
@@ -13241,7 +13191,7 @@
           <p:cNvSpPr txBox="1"/>
           <p:nvPr>
             <p:custDataLst>
-              <p:tags r:id="rId230"/>
+              <p:tags r:id="rId229"/>
             </p:custDataLst>
           </p:nvPr>
         </p:nvSpPr>
@@ -13378,7 +13328,7 @@
           <p:cNvCxnSpPr/>
           <p:nvPr>
             <p:custDataLst>
-              <p:tags r:id="rId231"/>
+              <p:tags r:id="rId230"/>
             </p:custDataLst>
           </p:nvPr>
         </p:nvCxnSpPr>
@@ -13418,7 +13368,7 @@
           <p:cNvCxnSpPr/>
           <p:nvPr>
             <p:custDataLst>
-              <p:tags r:id="rId232"/>
+              <p:tags r:id="rId231"/>
             </p:custDataLst>
           </p:nvPr>
         </p:nvCxnSpPr>
@@ -13460,7 +13410,7 @@
           <p:cNvCxnSpPr/>
           <p:nvPr>
             <p:custDataLst>
-              <p:tags r:id="rId233"/>
+              <p:tags r:id="rId232"/>
             </p:custDataLst>
           </p:nvPr>
         </p:nvCxnSpPr>
@@ -13502,7 +13452,7 @@
           <p:cNvSpPr/>
           <p:nvPr>
             <p:custDataLst>
-              <p:tags r:id="rId234"/>
+              <p:tags r:id="rId233"/>
             </p:custDataLst>
           </p:nvPr>
         </p:nvSpPr>
@@ -13554,7 +13504,7 @@
           <p:cNvSpPr/>
           <p:nvPr>
             <p:custDataLst>
-              <p:tags r:id="rId235"/>
+              <p:tags r:id="rId234"/>
             </p:custDataLst>
           </p:nvPr>
         </p:nvSpPr>
@@ -13606,7 +13556,7 @@
           <p:cNvSpPr txBox="1"/>
           <p:nvPr>
             <p:custDataLst>
-              <p:tags r:id="rId236"/>
+              <p:tags r:id="rId235"/>
             </p:custDataLst>
           </p:nvPr>
         </p:nvSpPr>
@@ -13647,7 +13597,7 @@
           <p:cNvSpPr txBox="1"/>
           <p:nvPr>
             <p:custDataLst>
-              <p:tags r:id="rId237"/>
+              <p:tags r:id="rId236"/>
             </p:custDataLst>
           </p:nvPr>
         </p:nvSpPr>
@@ -13688,7 +13638,7 @@
           <p:cNvSpPr txBox="1"/>
           <p:nvPr>
             <p:custDataLst>
-              <p:tags r:id="rId238"/>
+              <p:tags r:id="rId237"/>
             </p:custDataLst>
           </p:nvPr>
         </p:nvSpPr>
@@ -13737,7 +13687,7 @@
           <p:cNvSpPr txBox="1"/>
           <p:nvPr>
             <p:custDataLst>
-              <p:tags r:id="rId239"/>
+              <p:tags r:id="rId238"/>
             </p:custDataLst>
           </p:nvPr>
         </p:nvSpPr>
@@ -13778,7 +13728,7 @@
           <p:cNvSpPr/>
           <p:nvPr>
             <p:custDataLst>
-              <p:tags r:id="rId240"/>
+              <p:tags r:id="rId239"/>
             </p:custDataLst>
           </p:nvPr>
         </p:nvSpPr>
@@ -13830,7 +13780,7 @@
           <p:cNvSpPr txBox="1"/>
           <p:nvPr>
             <p:custDataLst>
-              <p:tags r:id="rId241"/>
+              <p:tags r:id="rId240"/>
             </p:custDataLst>
           </p:nvPr>
         </p:nvSpPr>
@@ -13863,7 +13813,7 @@
           <p:cNvCxnSpPr/>
           <p:nvPr>
             <p:custDataLst>
-              <p:tags r:id="rId242"/>
+              <p:tags r:id="rId241"/>
             </p:custDataLst>
           </p:nvPr>
         </p:nvCxnSpPr>
@@ -13900,7 +13850,7 @@
           <p:cNvCxnSpPr/>
           <p:nvPr>
             <p:custDataLst>
-              <p:tags r:id="rId243"/>
+              <p:tags r:id="rId242"/>
             </p:custDataLst>
           </p:nvPr>
         </p:nvCxnSpPr>
@@ -13937,7 +13887,7 @@
           <p:cNvSpPr/>
           <p:nvPr>
             <p:custDataLst>
-              <p:tags r:id="rId244"/>
+              <p:tags r:id="rId243"/>
             </p:custDataLst>
           </p:nvPr>
         </p:nvSpPr>
@@ -13987,7 +13937,7 @@
           <p:cNvCxnSpPr/>
           <p:nvPr>
             <p:custDataLst>
-              <p:tags r:id="rId245"/>
+              <p:tags r:id="rId244"/>
             </p:custDataLst>
           </p:nvPr>
         </p:nvCxnSpPr>
@@ -14024,7 +13974,7 @@
           <p:cNvSpPr/>
           <p:nvPr>
             <p:custDataLst>
-              <p:tags r:id="rId246"/>
+              <p:tags r:id="rId245"/>
             </p:custDataLst>
           </p:nvPr>
         </p:nvSpPr>
@@ -14074,7 +14024,7 @@
           <p:cNvSpPr/>
           <p:nvPr>
             <p:custDataLst>
-              <p:tags r:id="rId247"/>
+              <p:tags r:id="rId246"/>
             </p:custDataLst>
           </p:nvPr>
         </p:nvSpPr>
@@ -14124,7 +14074,7 @@
           <p:cNvCxnSpPr/>
           <p:nvPr>
             <p:custDataLst>
-              <p:tags r:id="rId248"/>
+              <p:tags r:id="rId247"/>
             </p:custDataLst>
           </p:nvPr>
         </p:nvCxnSpPr>
@@ -14161,7 +14111,7 @@
           <p:cNvCxnSpPr/>
           <p:nvPr>
             <p:custDataLst>
-              <p:tags r:id="rId249"/>
+              <p:tags r:id="rId248"/>
             </p:custDataLst>
           </p:nvPr>
         </p:nvCxnSpPr>
@@ -14198,7 +14148,7 @@
           <p:cNvCxnSpPr/>
           <p:nvPr>
             <p:custDataLst>
-              <p:tags r:id="rId250"/>
+              <p:tags r:id="rId249"/>
             </p:custDataLst>
           </p:nvPr>
         </p:nvCxnSpPr>
@@ -14235,7 +14185,7 @@
           <p:cNvSpPr/>
           <p:nvPr>
             <p:custDataLst>
-              <p:tags r:id="rId251"/>
+              <p:tags r:id="rId250"/>
             </p:custDataLst>
           </p:nvPr>
         </p:nvSpPr>
@@ -14288,7 +14238,7 @@
           <p:cNvCxnSpPr/>
           <p:nvPr>
             <p:custDataLst>
-              <p:tags r:id="rId252"/>
+              <p:tags r:id="rId251"/>
             </p:custDataLst>
           </p:nvPr>
         </p:nvCxnSpPr>
@@ -14325,7 +14275,7 @@
           <p:cNvCxnSpPr/>
           <p:nvPr>
             <p:custDataLst>
-              <p:tags r:id="rId253"/>
+              <p:tags r:id="rId252"/>
             </p:custDataLst>
           </p:nvPr>
         </p:nvCxnSpPr>
@@ -14362,7 +14312,7 @@
           <p:cNvCxnSpPr/>
           <p:nvPr>
             <p:custDataLst>
-              <p:tags r:id="rId254"/>
+              <p:tags r:id="rId253"/>
             </p:custDataLst>
           </p:nvPr>
         </p:nvCxnSpPr>
@@ -14399,7 +14349,7 @@
           <p:cNvSpPr/>
           <p:nvPr>
             <p:custDataLst>
-              <p:tags r:id="rId255"/>
+              <p:tags r:id="rId254"/>
             </p:custDataLst>
           </p:nvPr>
         </p:nvSpPr>
@@ -14452,7 +14402,7 @@
           <p:cNvSpPr/>
           <p:nvPr>
             <p:custDataLst>
-              <p:tags r:id="rId256"/>
+              <p:tags r:id="rId255"/>
             </p:custDataLst>
           </p:nvPr>
         </p:nvSpPr>
@@ -14496,6 +14446,97 @@
               <a:t>CBS</a:t>
             </a:r>
             <a:endParaRPr lang="en-US" altLang="zh-CN" sz="1000"/>
+          </a:p>
+        </p:txBody>
+      </p:sp>
+      <p:sp>
+        <p:nvSpPr>
+          <p:cNvPr id="61" name="圆角矩形 60"/>
+          <p:cNvSpPr/>
+          <p:nvPr>
+            <p:custDataLst>
+              <p:tags r:id="rId256"/>
+            </p:custDataLst>
+          </p:nvPr>
+        </p:nvSpPr>
+        <p:spPr>
+          <a:xfrm>
+            <a:off x="8058785" y="4607560"/>
+            <a:ext cx="1046480" cy="285750"/>
+          </a:xfrm>
+          <a:prstGeom prst="roundRect">
+            <a:avLst/>
+          </a:prstGeom>
+          <a:solidFill>
+            <a:schemeClr val="accent6"/>
+          </a:solidFill>
+        </p:spPr>
+        <p:style>
+          <a:lnRef idx="2">
+            <a:schemeClr val="accent1">
+              <a:lumMod val="75000"/>
+            </a:schemeClr>
+          </a:lnRef>
+          <a:fillRef idx="1">
+            <a:schemeClr val="accent1"/>
+          </a:fillRef>
+          <a:effectRef idx="0">
+            <a:srgbClr val="FFFFFF"/>
+          </a:effectRef>
+          <a:fontRef idx="minor">
+            <a:schemeClr val="lt1"/>
+          </a:fontRef>
+        </p:style>
+        <p:txBody>
+          <a:bodyPr rtlCol="0" anchor="ctr"/>
+          <a:p>
+            <a:pPr algn="ctr"/>
+            <a:r>
+              <a:rPr lang="en-US" altLang="zh-CN" sz="1000"/>
+              <a:t>MP(MaxPooling)</a:t>
+            </a:r>
+            <a:endParaRPr lang="en-US" altLang="zh-CN" sz="1000"/>
+          </a:p>
+        </p:txBody>
+      </p:sp>
+      <p:sp>
+        <p:nvSpPr>
+          <p:cNvPr id="62" name="文本框 61"/>
+          <p:cNvSpPr txBox="1"/>
+          <p:nvPr>
+            <p:custDataLst>
+              <p:tags r:id="rId257"/>
+            </p:custDataLst>
+          </p:nvPr>
+        </p:nvSpPr>
+        <p:spPr>
+          <a:xfrm>
+            <a:off x="5066030" y="4358005"/>
+            <a:ext cx="1593850" cy="403860"/>
+          </a:xfrm>
+          <a:prstGeom prst="rect">
+            <a:avLst/>
+          </a:prstGeom>
+          <a:noFill/>
+        </p:spPr>
+        <p:txBody>
+          <a:bodyPr wrap="square" rtlCol="0">
+            <a:noAutofit/>
+          </a:bodyPr>
+          <a:p>
+            <a:r>
+              <a:rPr lang="en-US" altLang="zh-CN" sz="2400">
+                <a:solidFill>
+                  <a:schemeClr val="tx1"/>
+                </a:solidFill>
+              </a:rPr>
+              <a:t>RTRDet</a:t>
+            </a:r>
+            <a:endParaRPr lang="en-US" altLang="zh-CN" sz="2400">
+              <a:solidFill>
+                <a:schemeClr val="tx1"/>
+              </a:solidFill>
+            </a:endParaRPr>
           </a:p>
         </p:txBody>
       </p:sp>
@@ -15576,6 +15617,12 @@
 </file>
 
 <file path=ppt/tags/tag257.xml><?xml version="1.0" encoding="utf-8"?>
+<p:tagLst xmlns:p="http://schemas.openxmlformats.org/presentationml/2006/main">
+  <p:tag name="KSO_WM_BEAUTIFY_FLAG" val=""/>
+</p:tagLst>
+</file>
+
+<file path=ppt/tags/tag258.xml><?xml version="1.0" encoding="utf-8"?>
 <p:tagLst xmlns:p="http://schemas.openxmlformats.org/presentationml/2006/main">
   <p:tag name="COMMONDATA" val="eyJoZGlkIjoiNjg3Y2I0ZmFjNDU1ZjAyMDNmOGMyYTk4M2Y4N2VmM2QifQ=="/>
 </p:tagLst>

--- a/100_yolo/architecture/rt_x_det.pptx
+++ b/100_yolo/architecture/rt_x_det.pptx
@@ -14530,7 +14530,15 @@
                   <a:schemeClr val="tx1"/>
                 </a:solidFill>
               </a:rPr>
-              <a:t>RTRDet</a:t>
+              <a:t>RT</a:t>
+            </a:r>
+            <a:r>
+              <a:rPr lang="en-US" altLang="zh-CN" sz="2400">
+                <a:solidFill>
+                  <a:schemeClr val="tx1"/>
+                </a:solidFill>
+              </a:rPr>
+              <a:t>CDet</a:t>
             </a:r>
             <a:endParaRPr lang="en-US" altLang="zh-CN" sz="2400">
               <a:solidFill>
